--- a/Projecte Helicòpters.pptx
+++ b/Projecte Helicòpters.pptx
@@ -9,6 +9,9 @@
     <p:sldId id="257" r:id="rId3"/>
     <p:sldId id="258" r:id="rId4"/>
     <p:sldId id="259" r:id="rId5"/>
+    <p:sldId id="260" r:id="rId6"/>
+    <p:sldId id="261" r:id="rId7"/>
+    <p:sldId id="262" r:id="rId8"/>
   </p:sldIdLst>
   <p:sldSz cx="12192000" cy="6858000"/>
   <p:notesSz cx="6858000" cy="9144000"/>
@@ -107,6 +110,11 @@
       </a:defRPr>
     </a:lvl9pPr>
   </p:defaultTextStyle>
+  <p:extLst>
+    <p:ext uri="{EFAFB233-063F-42B5-8137-9DF3F51BA10A}">
+      <p15:sldGuideLst xmlns:p15="http://schemas.microsoft.com/office/powerpoint/2012/main"/>
+    </p:ext>
+  </p:extLst>
 </p:presentation>
 </file>
 
@@ -349,7 +357,7 @@
             <a:fld id="{6D22F896-40B5-4ADD-8801-0D06FADFA095}" type="slidenum">
               <a:rPr lang="en-US" dirty="0"/>
               <a:pPr/>
-              <a:t>‹#›</a:t>
+              <a:t>‹Nº›</a:t>
             </a:fld>
             <a:endParaRPr lang="en-US" dirty="0"/>
           </a:p>
@@ -625,7 +633,7 @@
           <a:p>
             <a:fld id="{6D22F896-40B5-4ADD-8801-0D06FADFA095}" type="slidenum">
               <a:rPr lang="en-US" dirty="0"/>
-              <a:t>‹#›</a:t>
+              <a:t>‹Nº›</a:t>
             </a:fld>
             <a:endParaRPr lang="en-US" dirty="0"/>
           </a:p>
@@ -812,7 +820,7 @@
           <a:p>
             <a:fld id="{6D22F896-40B5-4ADD-8801-0D06FADFA095}" type="slidenum">
               <a:rPr lang="en-US" dirty="0"/>
-              <a:t>‹#›</a:t>
+              <a:t>‹Nº›</a:t>
             </a:fld>
             <a:endParaRPr lang="en-US" dirty="0"/>
           </a:p>
@@ -1068,7 +1076,7 @@
           <a:p>
             <a:fld id="{6D22F896-40B5-4ADD-8801-0D06FADFA095}" type="slidenum">
               <a:rPr lang="en-US" dirty="0"/>
-              <a:t>‹#›</a:t>
+              <a:t>‹Nº›</a:t>
             </a:fld>
             <a:endParaRPr lang="en-US" dirty="0"/>
           </a:p>
@@ -1489,7 +1497,7 @@
           <a:p>
             <a:fld id="{6D22F896-40B5-4ADD-8801-0D06FADFA095}" type="slidenum">
               <a:rPr lang="en-US" dirty="0"/>
-              <a:t>‹#›</a:t>
+              <a:t>‹Nº›</a:t>
             </a:fld>
             <a:endParaRPr lang="en-US" dirty="0"/>
           </a:p>
@@ -2030,7 +2038,7 @@
           <a:p>
             <a:fld id="{6D22F896-40B5-4ADD-8801-0D06FADFA095}" type="slidenum">
               <a:rPr lang="en-US" dirty="0"/>
-              <a:t>‹#›</a:t>
+              <a:t>‹Nº›</a:t>
             </a:fld>
             <a:endParaRPr lang="en-US" dirty="0"/>
           </a:p>
@@ -2856,7 +2864,7 @@
           <a:p>
             <a:fld id="{6D22F896-40B5-4ADD-8801-0D06FADFA095}" type="slidenum">
               <a:rPr lang="en-US" dirty="0"/>
-              <a:t>‹#›</a:t>
+              <a:t>‹Nº›</a:t>
             </a:fld>
             <a:endParaRPr lang="en-US" dirty="0"/>
           </a:p>
@@ -3021,7 +3029,7 @@
           <a:p>
             <a:fld id="{6D22F896-40B5-4ADD-8801-0D06FADFA095}" type="slidenum">
               <a:rPr lang="en-US" dirty="0"/>
-              <a:t>‹#›</a:t>
+              <a:t>‹Nº›</a:t>
             </a:fld>
             <a:endParaRPr lang="en-US" dirty="0"/>
           </a:p>
@@ -3196,7 +3204,7 @@
           <a:p>
             <a:fld id="{6D22F896-40B5-4ADD-8801-0D06FADFA095}" type="slidenum">
               <a:rPr lang="en-US" dirty="0"/>
-              <a:t>‹#›</a:t>
+              <a:t>‹Nº›</a:t>
             </a:fld>
             <a:endParaRPr lang="en-US" dirty="0"/>
           </a:p>
@@ -3361,7 +3369,7 @@
           <a:p>
             <a:fld id="{6D22F896-40B5-4ADD-8801-0D06FADFA095}" type="slidenum">
               <a:rPr lang="en-US" dirty="0"/>
-              <a:t>‹#›</a:t>
+              <a:t>‹Nº›</a:t>
             </a:fld>
             <a:endParaRPr lang="en-US" dirty="0"/>
           </a:p>
@@ -3613,7 +3621,7 @@
           <a:p>
             <a:fld id="{6D22F896-40B5-4ADD-8801-0D06FADFA095}" type="slidenum">
               <a:rPr lang="en-US" dirty="0"/>
-              <a:t>‹#›</a:t>
+              <a:t>‹Nº›</a:t>
             </a:fld>
             <a:endParaRPr lang="en-US" dirty="0"/>
           </a:p>
@@ -3840,7 +3848,7 @@
           <a:p>
             <a:fld id="{6D22F896-40B5-4ADD-8801-0D06FADFA095}" type="slidenum">
               <a:rPr lang="en-US" dirty="0"/>
-              <a:t>‹#›</a:t>
+              <a:t>‹Nº›</a:t>
             </a:fld>
             <a:endParaRPr lang="en-US" dirty="0"/>
           </a:p>
@@ -4228,7 +4236,7 @@
           <a:p>
             <a:fld id="{6D22F896-40B5-4ADD-8801-0D06FADFA095}" type="slidenum">
               <a:rPr lang="en-US" dirty="0"/>
-              <a:t>‹#›</a:t>
+              <a:t>‹Nº›</a:t>
             </a:fld>
             <a:endParaRPr lang="en-US" dirty="0"/>
           </a:p>
@@ -4341,7 +4349,7 @@
           <a:p>
             <a:fld id="{6D22F896-40B5-4ADD-8801-0D06FADFA095}" type="slidenum">
               <a:rPr lang="en-US" dirty="0"/>
-              <a:t>‹#›</a:t>
+              <a:t>‹Nº›</a:t>
             </a:fld>
             <a:endParaRPr lang="en-US" dirty="0"/>
           </a:p>
@@ -4431,7 +4439,7 @@
           <a:p>
             <a:fld id="{6D22F896-40B5-4ADD-8801-0D06FADFA095}" type="slidenum">
               <a:rPr lang="en-US" dirty="0"/>
-              <a:t>‹#›</a:t>
+              <a:t>‹Nº›</a:t>
             </a:fld>
             <a:endParaRPr lang="en-US" dirty="0"/>
           </a:p>
@@ -4699,7 +4707,7 @@
           <a:p>
             <a:fld id="{6D22F896-40B5-4ADD-8801-0D06FADFA095}" type="slidenum">
               <a:rPr lang="en-US" dirty="0"/>
-              <a:t>‹#›</a:t>
+              <a:t>‹Nº›</a:t>
             </a:fld>
             <a:endParaRPr lang="en-US" dirty="0"/>
           </a:p>
@@ -4975,7 +4983,7 @@
           <a:p>
             <a:fld id="{6D22F896-40B5-4ADD-8801-0D06FADFA095}" type="slidenum">
               <a:rPr lang="en-US" dirty="0"/>
-              <a:t>‹#›</a:t>
+              <a:t>‹Nº›</a:t>
             </a:fld>
             <a:endParaRPr lang="en-US" dirty="0"/>
           </a:p>
@@ -5283,7 +5291,7 @@
             <a:fld id="{6D22F896-40B5-4ADD-8801-0D06FADFA095}" type="slidenum">
               <a:rPr lang="en-US" dirty="0"/>
               <a:pPr/>
-              <a:t>‹#›</a:t>
+              <a:t>‹Nº›</a:t>
             </a:fld>
             <a:endParaRPr lang="en-US" dirty="0"/>
           </a:p>
@@ -5835,29 +5843,81 @@
           <a:bodyPr/>
           <a:lstStyle/>
           <a:p>
-            <a:endParaRPr lang="es-ES"/>
-          </a:p>
-        </p:txBody>
-      </p:sp>
-      <p:sp>
-        <p:nvSpPr>
-          <p:cNvPr id="3" name="Content Placeholder 2"/>
-          <p:cNvSpPr>
-            <a:spLocks noGrp="1"/>
-          </p:cNvSpPr>
+            <a:r>
+              <a:rPr lang="es-ES" dirty="0" err="1" smtClean="0"/>
+              <a:t>Distribució</a:t>
+            </a:r>
+            <a:r>
+              <a:rPr lang="es-ES" dirty="0" smtClean="0"/>
+              <a:t> de la </a:t>
+            </a:r>
+            <a:r>
+              <a:rPr lang="es-ES" dirty="0" err="1" smtClean="0"/>
+              <a:t>corda</a:t>
+            </a:r>
+            <a:endParaRPr lang="es-ES" dirty="0"/>
+          </a:p>
+        </p:txBody>
+      </p:sp>
+      <p:pic>
+        <p:nvPicPr>
+          <p:cNvPr id="4" name="Marcador de contenido 3"/>
+          <p:cNvPicPr>
+            <a:picLocks noGrp="1" noChangeAspect="1"/>
+          </p:cNvPicPr>
           <p:nvPr>
             <p:ph idx="1"/>
           </p:nvPr>
-        </p:nvSpPr>
-        <p:spPr/>
-        <p:txBody>
-          <a:bodyPr/>
-          <a:lstStyle/>
-          <a:p>
-            <a:endParaRPr lang="es-ES"/>
-          </a:p>
-        </p:txBody>
-      </p:sp>
+        </p:nvPicPr>
+        <p:blipFill>
+          <a:blip r:embed="rId2">
+            <a:extLst>
+              <a:ext uri="{28A0092B-C50C-407E-A947-70E740481C1C}">
+                <a14:useLocalDpi xmlns:a14="http://schemas.microsoft.com/office/drawing/2010/main" val="0"/>
+              </a:ext>
+            </a:extLst>
+          </a:blip>
+          <a:stretch>
+            <a:fillRect/>
+          </a:stretch>
+        </p:blipFill>
+        <p:spPr>
+          <a:xfrm>
+            <a:off x="426254" y="2311400"/>
+            <a:ext cx="5334000" cy="4000500"/>
+          </a:xfrm>
+        </p:spPr>
+      </p:pic>
+      <p:pic>
+        <p:nvPicPr>
+          <p:cNvPr id="5" name="Imagen 4"/>
+          <p:cNvPicPr>
+            <a:picLocks noChangeAspect="1"/>
+          </p:cNvPicPr>
+          <p:nvPr/>
+        </p:nvPicPr>
+        <p:blipFill>
+          <a:blip r:embed="rId3">
+            <a:extLst>
+              <a:ext uri="{28A0092B-C50C-407E-A947-70E740481C1C}">
+                <a14:useLocalDpi xmlns:a14="http://schemas.microsoft.com/office/drawing/2010/main" val="0"/>
+              </a:ext>
+            </a:extLst>
+          </a:blip>
+          <a:stretch>
+            <a:fillRect/>
+          </a:stretch>
+        </p:blipFill>
+        <p:spPr>
+          <a:xfrm>
+            <a:off x="6421677" y="2311400"/>
+            <a:ext cx="5334000" cy="4000500"/>
+          </a:xfrm>
+          <a:prstGeom prst="rect">
+            <a:avLst/>
+          </a:prstGeom>
+        </p:spPr>
+      </p:pic>
     </p:spTree>
     <p:extLst>
       <p:ext uri="{BB962C8B-B14F-4D97-AF65-F5344CB8AC3E}">
@@ -5903,29 +5963,81 @@
           <a:bodyPr/>
           <a:lstStyle/>
           <a:p>
-            <a:endParaRPr lang="es-ES"/>
-          </a:p>
-        </p:txBody>
-      </p:sp>
-      <p:sp>
-        <p:nvSpPr>
-          <p:cNvPr id="3" name="Content Placeholder 2"/>
-          <p:cNvSpPr>
-            <a:spLocks noGrp="1"/>
-          </p:cNvSpPr>
+            <a:r>
+              <a:rPr lang="es-ES" dirty="0" err="1" smtClean="0"/>
+              <a:t>Velocitat</a:t>
+            </a:r>
+            <a:r>
+              <a:rPr lang="es-ES" dirty="0" smtClean="0"/>
+              <a:t> </a:t>
+            </a:r>
+            <a:r>
+              <a:rPr lang="es-ES" dirty="0" err="1" smtClean="0"/>
+              <a:t>Induïda</a:t>
+            </a:r>
+            <a:endParaRPr lang="es-ES" dirty="0"/>
+          </a:p>
+        </p:txBody>
+      </p:sp>
+      <p:pic>
+        <p:nvPicPr>
+          <p:cNvPr id="4" name="Marcador de contenido 3"/>
+          <p:cNvPicPr>
+            <a:picLocks noGrp="1" noChangeAspect="1"/>
+          </p:cNvPicPr>
           <p:nvPr>
             <p:ph idx="1"/>
           </p:nvPr>
-        </p:nvSpPr>
-        <p:spPr/>
-        <p:txBody>
-          <a:bodyPr/>
-          <a:lstStyle/>
-          <a:p>
-            <a:endParaRPr lang="es-ES"/>
-          </a:p>
-        </p:txBody>
-      </p:sp>
+        </p:nvPicPr>
+        <p:blipFill>
+          <a:blip r:embed="rId2">
+            <a:extLst>
+              <a:ext uri="{28A0092B-C50C-407E-A947-70E740481C1C}">
+                <a14:useLocalDpi xmlns:a14="http://schemas.microsoft.com/office/drawing/2010/main" val="0"/>
+              </a:ext>
+            </a:extLst>
+          </a:blip>
+          <a:stretch>
+            <a:fillRect/>
+          </a:stretch>
+        </p:blipFill>
+        <p:spPr>
+          <a:xfrm>
+            <a:off x="463833" y="2051148"/>
+            <a:ext cx="5333999" cy="4000499"/>
+          </a:xfrm>
+        </p:spPr>
+      </p:pic>
+      <p:pic>
+        <p:nvPicPr>
+          <p:cNvPr id="5" name="Imagen 4"/>
+          <p:cNvPicPr>
+            <a:picLocks noChangeAspect="1"/>
+          </p:cNvPicPr>
+          <p:nvPr/>
+        </p:nvPicPr>
+        <p:blipFill>
+          <a:blip r:embed="rId3">
+            <a:extLst>
+              <a:ext uri="{28A0092B-C50C-407E-A947-70E740481C1C}">
+                <a14:useLocalDpi xmlns:a14="http://schemas.microsoft.com/office/drawing/2010/main" val="0"/>
+              </a:ext>
+            </a:extLst>
+          </a:blip>
+          <a:stretch>
+            <a:fillRect/>
+          </a:stretch>
+        </p:blipFill>
+        <p:spPr>
+          <a:xfrm>
+            <a:off x="6347565" y="2051148"/>
+            <a:ext cx="5334000" cy="4000500"/>
+          </a:xfrm>
+          <a:prstGeom prst="rect">
+            <a:avLst/>
+          </a:prstGeom>
+        </p:spPr>
+      </p:pic>
     </p:spTree>
     <p:extLst>
       <p:ext uri="{BB962C8B-B14F-4D97-AF65-F5344CB8AC3E}">
@@ -5971,33 +6083,361 @@
           <a:bodyPr/>
           <a:lstStyle/>
           <a:p>
-            <a:endParaRPr lang="es-ES"/>
-          </a:p>
-        </p:txBody>
-      </p:sp>
-      <p:sp>
-        <p:nvSpPr>
-          <p:cNvPr id="3" name="Content Placeholder 2"/>
-          <p:cNvSpPr>
-            <a:spLocks noGrp="1"/>
-          </p:cNvSpPr>
+            <a:r>
+              <a:rPr lang="es-ES" dirty="0" err="1" smtClean="0"/>
+              <a:t>Distribució</a:t>
+            </a:r>
+            <a:r>
+              <a:rPr lang="es-ES" dirty="0" smtClean="0"/>
+              <a:t> </a:t>
+            </a:r>
+            <a:r>
+              <a:rPr lang="es-ES" dirty="0" err="1" smtClean="0"/>
+              <a:t>Lift</a:t>
+            </a:r>
+            <a:endParaRPr lang="es-ES" dirty="0"/>
+          </a:p>
+        </p:txBody>
+      </p:sp>
+      <p:pic>
+        <p:nvPicPr>
+          <p:cNvPr id="4" name="Marcador de contenido 3"/>
+          <p:cNvPicPr>
+            <a:picLocks noGrp="1" noChangeAspect="1"/>
+          </p:cNvPicPr>
           <p:nvPr>
             <p:ph idx="1"/>
           </p:nvPr>
-        </p:nvSpPr>
-        <p:spPr/>
-        <p:txBody>
-          <a:bodyPr/>
-          <a:lstStyle/>
-          <a:p>
-            <a:endParaRPr lang="es-ES"/>
-          </a:p>
-        </p:txBody>
-      </p:sp>
+        </p:nvPicPr>
+        <p:blipFill>
+          <a:blip r:embed="rId2">
+            <a:extLst>
+              <a:ext uri="{28A0092B-C50C-407E-A947-70E740481C1C}">
+                <a14:useLocalDpi xmlns:a14="http://schemas.microsoft.com/office/drawing/2010/main" val="0"/>
+              </a:ext>
+            </a:extLst>
+          </a:blip>
+          <a:stretch>
+            <a:fillRect/>
+          </a:stretch>
+        </p:blipFill>
+        <p:spPr>
+          <a:xfrm>
+            <a:off x="451306" y="2026095"/>
+            <a:ext cx="5334000" cy="4000500"/>
+          </a:xfrm>
+        </p:spPr>
+      </p:pic>
+      <p:pic>
+        <p:nvPicPr>
+          <p:cNvPr id="5" name="Imagen 4"/>
+          <p:cNvPicPr>
+            <a:picLocks noChangeAspect="1"/>
+          </p:cNvPicPr>
+          <p:nvPr/>
+        </p:nvPicPr>
+        <p:blipFill>
+          <a:blip r:embed="rId3">
+            <a:extLst>
+              <a:ext uri="{28A0092B-C50C-407E-A947-70E740481C1C}">
+                <a14:useLocalDpi xmlns:a14="http://schemas.microsoft.com/office/drawing/2010/main" val="0"/>
+              </a:ext>
+            </a:extLst>
+          </a:blip>
+          <a:stretch>
+            <a:fillRect/>
+          </a:stretch>
+        </p:blipFill>
+        <p:spPr>
+          <a:xfrm>
+            <a:off x="6360090" y="2026095"/>
+            <a:ext cx="5334000" cy="4000500"/>
+          </a:xfrm>
+          <a:prstGeom prst="rect">
+            <a:avLst/>
+          </a:prstGeom>
+        </p:spPr>
+      </p:pic>
     </p:spTree>
     <p:extLst>
       <p:ext uri="{BB962C8B-B14F-4D97-AF65-F5344CB8AC3E}">
         <p14:creationId xmlns:p14="http://schemas.microsoft.com/office/powerpoint/2010/main" val="3174664345"/>
+      </p:ext>
+    </p:extLst>
+  </p:cSld>
+  <p:clrMapOvr>
+    <a:masterClrMapping/>
+  </p:clrMapOvr>
+</p:sld>
+</file>
+
+<file path=ppt/slides/slide5.xml><?xml version="1.0" encoding="utf-8"?>
+<p:sld xmlns:a="http://schemas.openxmlformats.org/drawingml/2006/main" xmlns:r="http://schemas.openxmlformats.org/officeDocument/2006/relationships" xmlns:p="http://schemas.openxmlformats.org/presentationml/2006/main">
+  <p:cSld>
+    <p:spTree>
+      <p:nvGrpSpPr>
+        <p:cNvPr id="1" name=""/>
+        <p:cNvGrpSpPr/>
+        <p:nvPr/>
+      </p:nvGrpSpPr>
+      <p:grpSpPr>
+        <a:xfrm>
+          <a:off x="0" y="0"/>
+          <a:ext cx="0" cy="0"/>
+          <a:chOff x="0" y="0"/>
+          <a:chExt cx="0" cy="0"/>
+        </a:xfrm>
+      </p:grpSpPr>
+      <p:sp>
+        <p:nvSpPr>
+          <p:cNvPr id="2" name="Título 1"/>
+          <p:cNvSpPr>
+            <a:spLocks noGrp="1"/>
+          </p:cNvSpPr>
+          <p:nvPr>
+            <p:ph type="title"/>
+          </p:nvPr>
+        </p:nvSpPr>
+        <p:spPr/>
+        <p:txBody>
+          <a:bodyPr/>
+          <a:lstStyle/>
+          <a:p>
+            <a:r>
+              <a:rPr lang="es-ES" dirty="0" err="1" smtClean="0"/>
+              <a:t>Moment</a:t>
+            </a:r>
+            <a:r>
+              <a:rPr lang="es-ES" dirty="0" smtClean="0"/>
+              <a:t> respecte </a:t>
+            </a:r>
+            <a:r>
+              <a:rPr lang="es-ES" dirty="0" err="1" smtClean="0"/>
+              <a:t>eix</a:t>
+            </a:r>
+            <a:r>
+              <a:rPr lang="es-ES" dirty="0" smtClean="0"/>
+              <a:t> rotor</a:t>
+            </a:r>
+            <a:endParaRPr lang="es-ES" dirty="0"/>
+          </a:p>
+        </p:txBody>
+      </p:sp>
+      <p:pic>
+        <p:nvPicPr>
+          <p:cNvPr id="4" name="Marcador de contenido 3"/>
+          <p:cNvPicPr>
+            <a:picLocks noGrp="1" noChangeAspect="1"/>
+          </p:cNvPicPr>
+          <p:nvPr>
+            <p:ph idx="1"/>
+          </p:nvPr>
+        </p:nvPicPr>
+        <p:blipFill>
+          <a:blip r:embed="rId2">
+            <a:extLst>
+              <a:ext uri="{28A0092B-C50C-407E-A947-70E740481C1C}">
+                <a14:useLocalDpi xmlns:a14="http://schemas.microsoft.com/office/drawing/2010/main" val="0"/>
+              </a:ext>
+            </a:extLst>
+          </a:blip>
+          <a:stretch>
+            <a:fillRect/>
+          </a:stretch>
+        </p:blipFill>
+        <p:spPr>
+          <a:xfrm>
+            <a:off x="376150" y="2001044"/>
+            <a:ext cx="5334000" cy="4000500"/>
+          </a:xfrm>
+        </p:spPr>
+      </p:pic>
+      <p:pic>
+        <p:nvPicPr>
+          <p:cNvPr id="5" name="Imagen 4"/>
+          <p:cNvPicPr>
+            <a:picLocks noChangeAspect="1"/>
+          </p:cNvPicPr>
+          <p:nvPr/>
+        </p:nvPicPr>
+        <p:blipFill>
+          <a:blip r:embed="rId3">
+            <a:extLst>
+              <a:ext uri="{28A0092B-C50C-407E-A947-70E740481C1C}">
+                <a14:useLocalDpi xmlns:a14="http://schemas.microsoft.com/office/drawing/2010/main" val="0"/>
+              </a:ext>
+            </a:extLst>
+          </a:blip>
+          <a:stretch>
+            <a:fillRect/>
+          </a:stretch>
+        </p:blipFill>
+        <p:spPr>
+          <a:xfrm>
+            <a:off x="6271365" y="2001044"/>
+            <a:ext cx="5334000" cy="4000500"/>
+          </a:xfrm>
+          <a:prstGeom prst="rect">
+            <a:avLst/>
+          </a:prstGeom>
+        </p:spPr>
+      </p:pic>
+    </p:spTree>
+    <p:extLst>
+      <p:ext uri="{BB962C8B-B14F-4D97-AF65-F5344CB8AC3E}">
+        <p14:creationId xmlns:p14="http://schemas.microsoft.com/office/powerpoint/2010/main" val="2534157687"/>
+      </p:ext>
+    </p:extLst>
+  </p:cSld>
+  <p:clrMapOvr>
+    <a:masterClrMapping/>
+  </p:clrMapOvr>
+</p:sld>
+</file>
+
+<file path=ppt/slides/slide6.xml><?xml version="1.0" encoding="utf-8"?>
+<p:sld xmlns:a="http://schemas.openxmlformats.org/drawingml/2006/main" xmlns:r="http://schemas.openxmlformats.org/officeDocument/2006/relationships" xmlns:p="http://schemas.openxmlformats.org/presentationml/2006/main">
+  <p:cSld>
+    <p:spTree>
+      <p:nvGrpSpPr>
+        <p:cNvPr id="1" name=""/>
+        <p:cNvGrpSpPr/>
+        <p:nvPr/>
+      </p:nvGrpSpPr>
+      <p:grpSpPr>
+        <a:xfrm>
+          <a:off x="0" y="0"/>
+          <a:ext cx="0" cy="0"/>
+          <a:chOff x="0" y="0"/>
+          <a:chExt cx="0" cy="0"/>
+        </a:xfrm>
+      </p:grpSpPr>
+      <p:sp>
+        <p:nvSpPr>
+          <p:cNvPr id="2" name="Título 1"/>
+          <p:cNvSpPr>
+            <a:spLocks noGrp="1"/>
+          </p:cNvSpPr>
+          <p:nvPr>
+            <p:ph type="title"/>
+          </p:nvPr>
+        </p:nvSpPr>
+        <p:spPr/>
+        <p:txBody>
+          <a:bodyPr/>
+          <a:lstStyle/>
+          <a:p>
+            <a:r>
+              <a:rPr lang="es-ES" dirty="0" smtClean="0"/>
+              <a:t>Taula de </a:t>
+            </a:r>
+            <a:r>
+              <a:rPr lang="es-ES" dirty="0" err="1" smtClean="0"/>
+              <a:t>potències</a:t>
+            </a:r>
+            <a:endParaRPr lang="es-ES" dirty="0"/>
+          </a:p>
+        </p:txBody>
+      </p:sp>
+      <p:sp>
+        <p:nvSpPr>
+          <p:cNvPr id="3" name="Marcador de contenido 2"/>
+          <p:cNvSpPr>
+            <a:spLocks noGrp="1"/>
+          </p:cNvSpPr>
+          <p:nvPr>
+            <p:ph idx="1"/>
+          </p:nvPr>
+        </p:nvSpPr>
+        <p:spPr/>
+        <p:txBody>
+          <a:bodyPr/>
+          <a:lstStyle/>
+          <a:p>
+            <a:endParaRPr lang="es-ES"/>
+          </a:p>
+        </p:txBody>
+      </p:sp>
+    </p:spTree>
+    <p:extLst>
+      <p:ext uri="{BB962C8B-B14F-4D97-AF65-F5344CB8AC3E}">
+        <p14:creationId xmlns:p14="http://schemas.microsoft.com/office/powerpoint/2010/main" val="1374404722"/>
+      </p:ext>
+    </p:extLst>
+  </p:cSld>
+  <p:clrMapOvr>
+    <a:masterClrMapping/>
+  </p:clrMapOvr>
+</p:sld>
+</file>
+
+<file path=ppt/slides/slide7.xml><?xml version="1.0" encoding="utf-8"?>
+<p:sld xmlns:a="http://schemas.openxmlformats.org/drawingml/2006/main" xmlns:r="http://schemas.openxmlformats.org/officeDocument/2006/relationships" xmlns:p="http://schemas.openxmlformats.org/presentationml/2006/main">
+  <p:cSld>
+    <p:spTree>
+      <p:nvGrpSpPr>
+        <p:cNvPr id="1" name=""/>
+        <p:cNvGrpSpPr/>
+        <p:nvPr/>
+      </p:nvGrpSpPr>
+      <p:grpSpPr>
+        <a:xfrm>
+          <a:off x="0" y="0"/>
+          <a:ext cx="0" cy="0"/>
+          <a:chOff x="0" y="0"/>
+          <a:chExt cx="0" cy="0"/>
+        </a:xfrm>
+      </p:grpSpPr>
+      <p:sp>
+        <p:nvSpPr>
+          <p:cNvPr id="2" name="Título 1"/>
+          <p:cNvSpPr>
+            <a:spLocks noGrp="1"/>
+          </p:cNvSpPr>
+          <p:nvPr>
+            <p:ph type="title"/>
+          </p:nvPr>
+        </p:nvSpPr>
+        <p:spPr/>
+        <p:txBody>
+          <a:bodyPr/>
+          <a:lstStyle/>
+          <a:p>
+            <a:r>
+              <a:rPr lang="es-ES" dirty="0" err="1" smtClean="0"/>
+              <a:t>θ</a:t>
+            </a:r>
+            <a:r>
+              <a:rPr lang="es-ES" sz="3600" dirty="0" err="1" smtClean="0"/>
+              <a:t>o</a:t>
+            </a:r>
+            <a:endParaRPr lang="es-ES" dirty="0"/>
+          </a:p>
+        </p:txBody>
+      </p:sp>
+      <p:sp>
+        <p:nvSpPr>
+          <p:cNvPr id="3" name="Marcador de contenido 2"/>
+          <p:cNvSpPr>
+            <a:spLocks noGrp="1"/>
+          </p:cNvSpPr>
+          <p:nvPr>
+            <p:ph idx="1"/>
+          </p:nvPr>
+        </p:nvSpPr>
+        <p:spPr/>
+        <p:txBody>
+          <a:bodyPr/>
+          <a:lstStyle/>
+          <a:p>
+            <a:endParaRPr lang="es-ES"/>
+          </a:p>
+        </p:txBody>
+      </p:sp>
+    </p:spTree>
+    <p:extLst>
+      <p:ext uri="{BB962C8B-B14F-4D97-AF65-F5344CB8AC3E}">
+        <p14:creationId xmlns:p14="http://schemas.microsoft.com/office/powerpoint/2010/main" val="2374480544"/>
       </p:ext>
     </p:extLst>
   </p:cSld>

--- a/Projecte Helicòpters.pptx
+++ b/Projecte Helicòpters.pptx
@@ -1,6 +1,6 @@
 
 <file path=ppt/presentation.xml><?xml version="1.0" encoding="utf-8"?>
-<p:presentation xmlns:a="http://schemas.openxmlformats.org/drawingml/2006/main" xmlns:r="http://schemas.openxmlformats.org/officeDocument/2006/relationships" xmlns:p="http://schemas.openxmlformats.org/presentationml/2006/main" autoCompressPictures="0">
+<p:presentation xmlns:a="http://schemas.openxmlformats.org/drawingml/2006/main" xmlns:r="http://schemas.openxmlformats.org/officeDocument/2006/relationships" xmlns:p="http://schemas.openxmlformats.org/presentationml/2006/main" saveSubsetFonts="1" autoCompressPictures="0">
   <p:sldMasterIdLst>
     <p:sldMasterId id="2147483648" r:id="rId1"/>
   </p:sldMasterIdLst>
@@ -8,10 +8,13 @@
     <p:sldId id="256" r:id="rId2"/>
     <p:sldId id="257" r:id="rId3"/>
     <p:sldId id="258" r:id="rId4"/>
-    <p:sldId id="259" r:id="rId5"/>
-    <p:sldId id="260" r:id="rId6"/>
-    <p:sldId id="261" r:id="rId7"/>
-    <p:sldId id="262" r:id="rId8"/>
+    <p:sldId id="265" r:id="rId5"/>
+    <p:sldId id="259" r:id="rId6"/>
+    <p:sldId id="264" r:id="rId7"/>
+    <p:sldId id="260" r:id="rId8"/>
+    <p:sldId id="263" r:id="rId9"/>
+    <p:sldId id="261" r:id="rId10"/>
+    <p:sldId id="262" r:id="rId11"/>
   </p:sldIdLst>
   <p:sldSz cx="12192000" cy="6858000"/>
   <p:notesSz cx="6858000" cy="9144000"/>
@@ -314,7 +317,7 @@
           <a:p>
             <a:fld id="{ECD19FB2-3AAB-4D03-B13A-2960828C78E3}" type="datetimeFigureOut">
               <a:rPr lang="en-US" dirty="0"/>
-              <a:t>11/22/2016</a:t>
+              <a:t>11/22/16</a:t>
             </a:fld>
             <a:endParaRPr lang="en-US" dirty="0"/>
           </a:p>
@@ -357,7 +360,7 @@
             <a:fld id="{6D22F896-40B5-4ADD-8801-0D06FADFA095}" type="slidenum">
               <a:rPr lang="en-US" dirty="0"/>
               <a:pPr/>
-              <a:t>‹Nº›</a:t>
+              <a:t>‹#›</a:t>
             </a:fld>
             <a:endParaRPr lang="en-US" dirty="0"/>
           </a:p>
@@ -591,7 +594,7 @@
           <a:p>
             <a:fld id="{1B80C674-7DFC-42FE-B9CD-82963CDB1557}" type="datetimeFigureOut">
               <a:rPr lang="en-US" dirty="0"/>
-              <a:t>11/22/2016</a:t>
+              <a:t>11/22/16</a:t>
             </a:fld>
             <a:endParaRPr lang="en-US" dirty="0"/>
           </a:p>
@@ -633,7 +636,7 @@
           <a:p>
             <a:fld id="{6D22F896-40B5-4ADD-8801-0D06FADFA095}" type="slidenum">
               <a:rPr lang="en-US" dirty="0"/>
-              <a:t>‹Nº›</a:t>
+              <a:t>‹#›</a:t>
             </a:fld>
             <a:endParaRPr lang="en-US" dirty="0"/>
           </a:p>
@@ -778,7 +781,7 @@
           <a:p>
             <a:fld id="{2076456F-F47D-4F25-8053-2A695DA0CA7D}" type="datetimeFigureOut">
               <a:rPr lang="en-US" dirty="0"/>
-              <a:t>11/22/2016</a:t>
+              <a:t>11/22/16</a:t>
             </a:fld>
             <a:endParaRPr lang="en-US" dirty="0"/>
           </a:p>
@@ -820,7 +823,7 @@
           <a:p>
             <a:fld id="{6D22F896-40B5-4ADD-8801-0D06FADFA095}" type="slidenum">
               <a:rPr lang="en-US" dirty="0"/>
-              <a:t>‹Nº›</a:t>
+              <a:t>‹#›</a:t>
             </a:fld>
             <a:endParaRPr lang="en-US" dirty="0"/>
           </a:p>
@@ -1034,7 +1037,7 @@
           <a:p>
             <a:fld id="{5D6C7379-69CC-4837-9905-BEBA22830C8A}" type="datetimeFigureOut">
               <a:rPr lang="en-US" dirty="0"/>
-              <a:t>11/22/2016</a:t>
+              <a:t>11/22/16</a:t>
             </a:fld>
             <a:endParaRPr lang="en-US" dirty="0"/>
           </a:p>
@@ -1076,7 +1079,7 @@
           <a:p>
             <a:fld id="{6D22F896-40B5-4ADD-8801-0D06FADFA095}" type="slidenum">
               <a:rPr lang="en-US" dirty="0"/>
-              <a:t>‹Nº›</a:t>
+              <a:t>‹#›</a:t>
             </a:fld>
             <a:endParaRPr lang="en-US" dirty="0"/>
           </a:p>
@@ -1455,7 +1458,7 @@
           <a:p>
             <a:fld id="{49EB8B7E-8AEE-4F10-BFEE-C999AD004D36}" type="datetimeFigureOut">
               <a:rPr lang="en-US" dirty="0"/>
-              <a:t>11/22/2016</a:t>
+              <a:t>11/22/16</a:t>
             </a:fld>
             <a:endParaRPr lang="en-US" dirty="0"/>
           </a:p>
@@ -1497,7 +1500,7 @@
           <a:p>
             <a:fld id="{6D22F896-40B5-4ADD-8801-0D06FADFA095}" type="slidenum">
               <a:rPr lang="en-US" dirty="0"/>
-              <a:t>‹Nº›</a:t>
+              <a:t>‹#›</a:t>
             </a:fld>
             <a:endParaRPr lang="en-US" dirty="0"/>
           </a:p>
@@ -1996,7 +1999,7 @@
           <a:p>
             <a:fld id="{8668F3F9-58BC-440B-B37B-805B9055EF92}" type="datetimeFigureOut">
               <a:rPr lang="en-US" dirty="0"/>
-              <a:t>11/22/2016</a:t>
+              <a:t>11/22/16</a:t>
             </a:fld>
             <a:endParaRPr lang="en-US" dirty="0"/>
           </a:p>
@@ -2038,7 +2041,7 @@
           <a:p>
             <a:fld id="{6D22F896-40B5-4ADD-8801-0D06FADFA095}" type="slidenum">
               <a:rPr lang="en-US" dirty="0"/>
-              <a:t>‹Nº›</a:t>
+              <a:t>‹#›</a:t>
             </a:fld>
             <a:endParaRPr lang="en-US" dirty="0"/>
           </a:p>
@@ -2822,7 +2825,7 @@
           <a:p>
             <a:fld id="{0D5A53AF-48EA-489D-8260-9DCAB666386A}" type="datetimeFigureOut">
               <a:rPr lang="en-US" dirty="0"/>
-              <a:t>11/22/2016</a:t>
+              <a:t>11/22/16</a:t>
             </a:fld>
             <a:endParaRPr lang="en-US" dirty="0"/>
           </a:p>
@@ -2864,7 +2867,7 @@
           <a:p>
             <a:fld id="{6D22F896-40B5-4ADD-8801-0D06FADFA095}" type="slidenum">
               <a:rPr lang="en-US" dirty="0"/>
-              <a:t>‹Nº›</a:t>
+              <a:t>‹#›</a:t>
             </a:fld>
             <a:endParaRPr lang="en-US" dirty="0"/>
           </a:p>
@@ -2987,7 +2990,7 @@
           <a:p>
             <a:fld id="{0DED02AE-B9A4-47BD-AF8E-97E16144138B}" type="datetimeFigureOut">
               <a:rPr lang="en-US" dirty="0"/>
-              <a:t>11/22/2016</a:t>
+              <a:t>11/22/16</a:t>
             </a:fld>
             <a:endParaRPr lang="en-US" dirty="0"/>
           </a:p>
@@ -3029,7 +3032,7 @@
           <a:p>
             <a:fld id="{6D22F896-40B5-4ADD-8801-0D06FADFA095}" type="slidenum">
               <a:rPr lang="en-US" dirty="0"/>
-              <a:t>‹Nº›</a:t>
+              <a:t>‹#›</a:t>
             </a:fld>
             <a:endParaRPr lang="en-US" dirty="0"/>
           </a:p>
@@ -3162,7 +3165,7 @@
           <a:p>
             <a:fld id="{CF0FD78B-DB02-4362-BCDC-98A55456977C}" type="datetimeFigureOut">
               <a:rPr lang="en-US" dirty="0"/>
-              <a:t>11/22/2016</a:t>
+              <a:t>11/22/16</a:t>
             </a:fld>
             <a:endParaRPr lang="en-US" dirty="0"/>
           </a:p>
@@ -3204,7 +3207,7 @@
           <a:p>
             <a:fld id="{6D22F896-40B5-4ADD-8801-0D06FADFA095}" type="slidenum">
               <a:rPr lang="en-US" dirty="0"/>
-              <a:t>‹Nº›</a:t>
+              <a:t>‹#›</a:t>
             </a:fld>
             <a:endParaRPr lang="en-US" dirty="0"/>
           </a:p>
@@ -3327,7 +3330,7 @@
           <a:p>
             <a:fld id="{99916976-5D93-46E4-A98A-FAD63E4D0EA8}" type="datetimeFigureOut">
               <a:rPr lang="en-US" dirty="0"/>
-              <a:t>11/22/2016</a:t>
+              <a:t>11/22/16</a:t>
             </a:fld>
             <a:endParaRPr lang="en-US" dirty="0"/>
           </a:p>
@@ -3369,7 +3372,7 @@
           <a:p>
             <a:fld id="{6D22F896-40B5-4ADD-8801-0D06FADFA095}" type="slidenum">
               <a:rPr lang="en-US" dirty="0"/>
-              <a:t>‹Nº›</a:t>
+              <a:t>‹#›</a:t>
             </a:fld>
             <a:endParaRPr lang="en-US" dirty="0"/>
           </a:p>
@@ -3579,7 +3582,7 @@
           <a:p>
             <a:fld id="{0F39F4F5-F4D2-4D2A-AB60-88D37ADCB869}" type="datetimeFigureOut">
               <a:rPr lang="en-US" dirty="0"/>
-              <a:t>11/22/2016</a:t>
+              <a:t>11/22/16</a:t>
             </a:fld>
             <a:endParaRPr lang="en-US" dirty="0"/>
           </a:p>
@@ -3621,7 +3624,7 @@
           <a:p>
             <a:fld id="{6D22F896-40B5-4ADD-8801-0D06FADFA095}" type="slidenum">
               <a:rPr lang="en-US" dirty="0"/>
-              <a:t>‹Nº›</a:t>
+              <a:t>‹#›</a:t>
             </a:fld>
             <a:endParaRPr lang="en-US" dirty="0"/>
           </a:p>
@@ -3806,7 +3809,7 @@
           <a:p>
             <a:fld id="{D23BC6CE-6D1E-47E5-8859-F31AC5380EB2}" type="datetimeFigureOut">
               <a:rPr lang="en-US" dirty="0"/>
-              <a:t>11/22/2016</a:t>
+              <a:t>11/22/16</a:t>
             </a:fld>
             <a:endParaRPr lang="en-US" dirty="0"/>
           </a:p>
@@ -3848,7 +3851,7 @@
           <a:p>
             <a:fld id="{6D22F896-40B5-4ADD-8801-0D06FADFA095}" type="slidenum">
               <a:rPr lang="en-US" dirty="0"/>
-              <a:t>‹Nº›</a:t>
+              <a:t>‹#›</a:t>
             </a:fld>
             <a:endParaRPr lang="en-US" dirty="0"/>
           </a:p>
@@ -4194,7 +4197,7 @@
           <a:p>
             <a:fld id="{B1B4E7C4-4DA4-404D-9965-B13F2DD7D8BF}" type="datetimeFigureOut">
               <a:rPr lang="en-US" dirty="0"/>
-              <a:t>11/22/2016</a:t>
+              <a:t>11/22/16</a:t>
             </a:fld>
             <a:endParaRPr lang="en-US" dirty="0"/>
           </a:p>
@@ -4236,7 +4239,7 @@
           <a:p>
             <a:fld id="{6D22F896-40B5-4ADD-8801-0D06FADFA095}" type="slidenum">
               <a:rPr lang="en-US" dirty="0"/>
-              <a:t>‹Nº›</a:t>
+              <a:t>‹#›</a:t>
             </a:fld>
             <a:endParaRPr lang="en-US" dirty="0"/>
           </a:p>
@@ -4307,7 +4310,7 @@
           <a:p>
             <a:fld id="{476FB7AA-4A53-424F-AD41-70827B6504BA}" type="datetimeFigureOut">
               <a:rPr lang="en-US" dirty="0"/>
-              <a:t>11/22/2016</a:t>
+              <a:t>11/22/16</a:t>
             </a:fld>
             <a:endParaRPr lang="en-US" dirty="0"/>
           </a:p>
@@ -4349,7 +4352,7 @@
           <a:p>
             <a:fld id="{6D22F896-40B5-4ADD-8801-0D06FADFA095}" type="slidenum">
               <a:rPr lang="en-US" dirty="0"/>
-              <a:t>‹Nº›</a:t>
+              <a:t>‹#›</a:t>
             </a:fld>
             <a:endParaRPr lang="en-US" dirty="0"/>
           </a:p>
@@ -4397,7 +4400,7 @@
           <a:p>
             <a:fld id="{E7884882-FB12-4BC8-9960-9AD8104D7FAE}" type="datetimeFigureOut">
               <a:rPr lang="en-US" dirty="0"/>
-              <a:t>11/22/2016</a:t>
+              <a:t>11/22/16</a:t>
             </a:fld>
             <a:endParaRPr lang="en-US" dirty="0"/>
           </a:p>
@@ -4439,7 +4442,7 @@
           <a:p>
             <a:fld id="{6D22F896-40B5-4ADD-8801-0D06FADFA095}" type="slidenum">
               <a:rPr lang="en-US" dirty="0"/>
-              <a:t>‹Nº›</a:t>
+              <a:t>‹#›</a:t>
             </a:fld>
             <a:endParaRPr lang="en-US" dirty="0"/>
           </a:p>
@@ -4665,7 +4668,7 @@
           <a:p>
             <a:fld id="{F7D1BD23-6E54-4D9D-AD88-A2813C73CC25}" type="datetimeFigureOut">
               <a:rPr lang="en-US" dirty="0"/>
-              <a:t>11/22/2016</a:t>
+              <a:t>11/22/16</a:t>
             </a:fld>
             <a:endParaRPr lang="en-US" dirty="0"/>
           </a:p>
@@ -4707,7 +4710,7 @@
           <a:p>
             <a:fld id="{6D22F896-40B5-4ADD-8801-0D06FADFA095}" type="slidenum">
               <a:rPr lang="en-US" dirty="0"/>
-              <a:t>‹Nº›</a:t>
+              <a:t>‹#›</a:t>
             </a:fld>
             <a:endParaRPr lang="en-US" dirty="0"/>
           </a:p>
@@ -4941,7 +4944,7 @@
           <a:p>
             <a:fld id="{1471A834-4F3C-4AF9-9C74-05EC35A0F292}" type="datetimeFigureOut">
               <a:rPr lang="en-US" dirty="0"/>
-              <a:t>11/22/2016</a:t>
+              <a:t>11/22/16</a:t>
             </a:fld>
             <a:endParaRPr lang="en-US" dirty="0"/>
           </a:p>
@@ -4983,7 +4986,7 @@
           <a:p>
             <a:fld id="{6D22F896-40B5-4ADD-8801-0D06FADFA095}" type="slidenum">
               <a:rPr lang="en-US" dirty="0"/>
-              <a:t>‹Nº›</a:t>
+              <a:t>‹#›</a:t>
             </a:fld>
             <a:endParaRPr lang="en-US" dirty="0"/>
           </a:p>
@@ -5176,7 +5179,7 @@
           <a:p>
             <a:fld id="{51CF1133-3259-4C45-BABA-5B62D9C6F78D}" type="datetimeFigureOut">
               <a:rPr lang="en-US" dirty="0"/>
-              <a:t>11/22/2016</a:t>
+              <a:t>11/22/16</a:t>
             </a:fld>
             <a:endParaRPr lang="en-US" dirty="0"/>
           </a:p>
@@ -5291,7 +5294,7 @@
             <a:fld id="{6D22F896-40B5-4ADD-8801-0D06FADFA095}" type="slidenum">
               <a:rPr lang="en-US" dirty="0"/>
               <a:pPr/>
-              <a:t>‹Nº›</a:t>
+              <a:t>‹#›</a:t>
             </a:fld>
             <a:endParaRPr lang="en-US" dirty="0"/>
           </a:p>
@@ -5811,6 +5814,82 @@
 </p:sld>
 </file>
 
+<file path=ppt/slides/slide10.xml><?xml version="1.0" encoding="utf-8"?>
+<p:sld xmlns:a="http://schemas.openxmlformats.org/drawingml/2006/main" xmlns:r="http://schemas.openxmlformats.org/officeDocument/2006/relationships" xmlns:p="http://schemas.openxmlformats.org/presentationml/2006/main">
+  <p:cSld>
+    <p:spTree>
+      <p:nvGrpSpPr>
+        <p:cNvPr id="1" name=""/>
+        <p:cNvGrpSpPr/>
+        <p:nvPr/>
+      </p:nvGrpSpPr>
+      <p:grpSpPr>
+        <a:xfrm>
+          <a:off x="0" y="0"/>
+          <a:ext cx="0" cy="0"/>
+          <a:chOff x="0" y="0"/>
+          <a:chExt cx="0" cy="0"/>
+        </a:xfrm>
+      </p:grpSpPr>
+      <p:sp>
+        <p:nvSpPr>
+          <p:cNvPr id="2" name="Título 1"/>
+          <p:cNvSpPr>
+            <a:spLocks noGrp="1"/>
+          </p:cNvSpPr>
+          <p:nvPr>
+            <p:ph type="title"/>
+          </p:nvPr>
+        </p:nvSpPr>
+        <p:spPr/>
+        <p:txBody>
+          <a:bodyPr/>
+          <a:lstStyle/>
+          <a:p>
+            <a:r>
+              <a:rPr lang="es-ES" dirty="0" err="1" smtClean="0"/>
+              <a:t>θ</a:t>
+            </a:r>
+            <a:r>
+              <a:rPr lang="es-ES" sz="3600" dirty="0" err="1" smtClean="0"/>
+              <a:t>o</a:t>
+            </a:r>
+            <a:endParaRPr lang="es-ES" dirty="0"/>
+          </a:p>
+        </p:txBody>
+      </p:sp>
+      <p:sp>
+        <p:nvSpPr>
+          <p:cNvPr id="3" name="Marcador de contenido 2"/>
+          <p:cNvSpPr>
+            <a:spLocks noGrp="1"/>
+          </p:cNvSpPr>
+          <p:nvPr>
+            <p:ph idx="1"/>
+          </p:nvPr>
+        </p:nvSpPr>
+        <p:spPr/>
+        <p:txBody>
+          <a:bodyPr/>
+          <a:lstStyle/>
+          <a:p>
+            <a:endParaRPr lang="es-ES"/>
+          </a:p>
+        </p:txBody>
+      </p:sp>
+    </p:spTree>
+    <p:extLst>
+      <p:ext uri="{BB962C8B-B14F-4D97-AF65-F5344CB8AC3E}">
+        <p14:creationId xmlns:p14="http://schemas.microsoft.com/office/powerpoint/2010/main" val="2374480544"/>
+      </p:ext>
+    </p:extLst>
+  </p:cSld>
+  <p:clrMapOvr>
+    <a:masterClrMapping/>
+  </p:clrMapOvr>
+</p:sld>
+</file>
+
 <file path=ppt/slides/slide2.xml><?xml version="1.0" encoding="utf-8"?>
 <p:sld xmlns:a="http://schemas.openxmlformats.org/drawingml/2006/main" xmlns:r="http://schemas.openxmlformats.org/officeDocument/2006/relationships" xmlns:p="http://schemas.openxmlformats.org/presentationml/2006/main">
   <p:cSld>
@@ -6008,36 +6087,6 @@
           </a:xfrm>
         </p:spPr>
       </p:pic>
-      <p:pic>
-        <p:nvPicPr>
-          <p:cNvPr id="5" name="Imagen 4"/>
-          <p:cNvPicPr>
-            <a:picLocks noChangeAspect="1"/>
-          </p:cNvPicPr>
-          <p:nvPr/>
-        </p:nvPicPr>
-        <p:blipFill>
-          <a:blip r:embed="rId3">
-            <a:extLst>
-              <a:ext uri="{28A0092B-C50C-407E-A947-70E740481C1C}">
-                <a14:useLocalDpi xmlns:a14="http://schemas.microsoft.com/office/drawing/2010/main" val="0"/>
-              </a:ext>
-            </a:extLst>
-          </a:blip>
-          <a:stretch>
-            <a:fillRect/>
-          </a:stretch>
-        </p:blipFill>
-        <p:spPr>
-          <a:xfrm>
-            <a:off x="6347565" y="2051148"/>
-            <a:ext cx="5334000" cy="4000500"/>
-          </a:xfrm>
-          <a:prstGeom prst="rect">
-            <a:avLst/>
-          </a:prstGeom>
-        </p:spPr>
-      </p:pic>
     </p:spTree>
     <p:extLst>
       <p:ext uri="{BB962C8B-B14F-4D97-AF65-F5344CB8AC3E}">
@@ -6084,84 +6133,48 @@
           <a:lstStyle/>
           <a:p>
             <a:r>
+              <a:rPr lang="es-ES" dirty="0" err="1"/>
+              <a:t>Velocitat</a:t>
+            </a:r>
+            <a:r>
+              <a:rPr lang="es-ES" dirty="0"/>
+              <a:t> </a:t>
+            </a:r>
+            <a:r>
               <a:rPr lang="es-ES" dirty="0" err="1" smtClean="0"/>
-              <a:t>Distribució</a:t>
+              <a:t>Induïda</a:t>
             </a:r>
             <a:r>
               <a:rPr lang="es-ES" dirty="0" smtClean="0"/>
-              <a:t> </a:t>
-            </a:r>
-            <a:r>
-              <a:rPr lang="es-ES" dirty="0" err="1" smtClean="0"/>
-              <a:t>Lift</a:t>
-            </a:r>
-            <a:endParaRPr lang="es-ES" dirty="0"/>
-          </a:p>
-        </p:txBody>
-      </p:sp>
-      <p:pic>
-        <p:nvPicPr>
-          <p:cNvPr id="4" name="Marcador de contenido 3"/>
-          <p:cNvPicPr>
-            <a:picLocks noGrp="1" noChangeAspect="1"/>
-          </p:cNvPicPr>
+              <a:t> (2)</a:t>
+            </a:r>
+            <a:endParaRPr lang="en-US" dirty="0"/>
+          </a:p>
+        </p:txBody>
+      </p:sp>
+      <p:sp>
+        <p:nvSpPr>
+          <p:cNvPr id="3" name="Content Placeholder 2"/>
+          <p:cNvSpPr>
+            <a:spLocks noGrp="1"/>
+          </p:cNvSpPr>
           <p:nvPr>
             <p:ph idx="1"/>
           </p:nvPr>
-        </p:nvPicPr>
-        <p:blipFill>
-          <a:blip r:embed="rId2">
-            <a:extLst>
-              <a:ext uri="{28A0092B-C50C-407E-A947-70E740481C1C}">
-                <a14:useLocalDpi xmlns:a14="http://schemas.microsoft.com/office/drawing/2010/main" val="0"/>
-              </a:ext>
-            </a:extLst>
-          </a:blip>
-          <a:stretch>
-            <a:fillRect/>
-          </a:stretch>
-        </p:blipFill>
-        <p:spPr>
-          <a:xfrm>
-            <a:off x="451306" y="2026095"/>
-            <a:ext cx="5334000" cy="4000500"/>
-          </a:xfrm>
-        </p:spPr>
-      </p:pic>
-      <p:pic>
-        <p:nvPicPr>
-          <p:cNvPr id="5" name="Imagen 4"/>
-          <p:cNvPicPr>
-            <a:picLocks noChangeAspect="1"/>
-          </p:cNvPicPr>
-          <p:nvPr/>
-        </p:nvPicPr>
-        <p:blipFill>
-          <a:blip r:embed="rId3">
-            <a:extLst>
-              <a:ext uri="{28A0092B-C50C-407E-A947-70E740481C1C}">
-                <a14:useLocalDpi xmlns:a14="http://schemas.microsoft.com/office/drawing/2010/main" val="0"/>
-              </a:ext>
-            </a:extLst>
-          </a:blip>
-          <a:stretch>
-            <a:fillRect/>
-          </a:stretch>
-        </p:blipFill>
-        <p:spPr>
-          <a:xfrm>
-            <a:off x="6360090" y="2026095"/>
-            <a:ext cx="5334000" cy="4000500"/>
-          </a:xfrm>
-          <a:prstGeom prst="rect">
-            <a:avLst/>
-          </a:prstGeom>
-        </p:spPr>
-      </p:pic>
+        </p:nvSpPr>
+        <p:spPr/>
+        <p:txBody>
+          <a:bodyPr/>
+          <a:lstStyle/>
+          <a:p>
+            <a:endParaRPr lang="en-US"/>
+          </a:p>
+        </p:txBody>
+      </p:sp>
     </p:spTree>
     <p:extLst>
       <p:ext uri="{BB962C8B-B14F-4D97-AF65-F5344CB8AC3E}">
-        <p14:creationId xmlns:p14="http://schemas.microsoft.com/office/powerpoint/2010/main" val="3174664345"/>
+        <p14:creationId xmlns:p14="http://schemas.microsoft.com/office/powerpoint/2010/main" val="962172088"/>
       </p:ext>
     </p:extLst>
   </p:cSld>
@@ -6190,7 +6203,7 @@
       </p:grpSpPr>
       <p:sp>
         <p:nvSpPr>
-          <p:cNvPr id="2" name="Título 1"/>
+          <p:cNvPr id="2" name="Title 1"/>
           <p:cNvSpPr>
             <a:spLocks noGrp="1"/>
           </p:cNvSpPr>
@@ -6205,19 +6218,15 @@
           <a:p>
             <a:r>
               <a:rPr lang="es-ES" dirty="0" err="1" smtClean="0"/>
-              <a:t>Moment</a:t>
+              <a:t>Distribució</a:t>
             </a:r>
             <a:r>
               <a:rPr lang="es-ES" dirty="0" smtClean="0"/>
-              <a:t> respecte </a:t>
+              <a:t> </a:t>
             </a:r>
             <a:r>
               <a:rPr lang="es-ES" dirty="0" err="1" smtClean="0"/>
-              <a:t>eix</a:t>
-            </a:r>
-            <a:r>
-              <a:rPr lang="es-ES" dirty="0" smtClean="0"/>
-              <a:t> rotor</a:t>
+              <a:t>Lift</a:t>
             </a:r>
             <a:endParaRPr lang="es-ES" dirty="0"/>
           </a:p>
@@ -6247,45 +6256,15 @@
         </p:blipFill>
         <p:spPr>
           <a:xfrm>
-            <a:off x="376150" y="2001044"/>
+            <a:off x="451306" y="2026095"/>
             <a:ext cx="5334000" cy="4000500"/>
           </a:xfrm>
-        </p:spPr>
-      </p:pic>
-      <p:pic>
-        <p:nvPicPr>
-          <p:cNvPr id="5" name="Imagen 4"/>
-          <p:cNvPicPr>
-            <a:picLocks noChangeAspect="1"/>
-          </p:cNvPicPr>
-          <p:nvPr/>
-        </p:nvPicPr>
-        <p:blipFill>
-          <a:blip r:embed="rId3">
-            <a:extLst>
-              <a:ext uri="{28A0092B-C50C-407E-A947-70E740481C1C}">
-                <a14:useLocalDpi xmlns:a14="http://schemas.microsoft.com/office/drawing/2010/main" val="0"/>
-              </a:ext>
-            </a:extLst>
-          </a:blip>
-          <a:stretch>
-            <a:fillRect/>
-          </a:stretch>
-        </p:blipFill>
-        <p:spPr>
-          <a:xfrm>
-            <a:off x="6271365" y="2001044"/>
-            <a:ext cx="5334000" cy="4000500"/>
-          </a:xfrm>
-          <a:prstGeom prst="rect">
-            <a:avLst/>
-          </a:prstGeom>
         </p:spPr>
       </p:pic>
     </p:spTree>
     <p:extLst>
       <p:ext uri="{BB962C8B-B14F-4D97-AF65-F5344CB8AC3E}">
-        <p14:creationId xmlns:p14="http://schemas.microsoft.com/office/powerpoint/2010/main" val="2534157687"/>
+        <p14:creationId xmlns:p14="http://schemas.microsoft.com/office/powerpoint/2010/main" val="3174664345"/>
       </p:ext>
     </p:extLst>
   </p:cSld>
@@ -6314,7 +6293,7 @@
       </p:grpSpPr>
       <p:sp>
         <p:nvSpPr>
-          <p:cNvPr id="2" name="Título 1"/>
+          <p:cNvPr id="2" name="Title 1"/>
           <p:cNvSpPr>
             <a:spLocks noGrp="1"/>
           </p:cNvSpPr>
@@ -6328,20 +6307,28 @@
           <a:lstStyle/>
           <a:p>
             <a:r>
+              <a:rPr lang="es-ES" dirty="0" err="1"/>
+              <a:t>Distribució</a:t>
+            </a:r>
+            <a:r>
+              <a:rPr lang="es-ES" dirty="0"/>
+              <a:t> </a:t>
+            </a:r>
+            <a:r>
+              <a:rPr lang="es-ES" dirty="0" err="1" smtClean="0"/>
+              <a:t>Lift</a:t>
+            </a:r>
+            <a:r>
               <a:rPr lang="es-ES" dirty="0" smtClean="0"/>
-              <a:t>Taula de </a:t>
-            </a:r>
-            <a:r>
-              <a:rPr lang="es-ES" dirty="0" err="1" smtClean="0"/>
-              <a:t>potències</a:t>
-            </a:r>
-            <a:endParaRPr lang="es-ES" dirty="0"/>
-          </a:p>
-        </p:txBody>
-      </p:sp>
-      <p:sp>
-        <p:nvSpPr>
-          <p:cNvPr id="3" name="Marcador de contenido 2"/>
+              <a:t> (2)</a:t>
+            </a:r>
+            <a:endParaRPr lang="en-US" dirty="0"/>
+          </a:p>
+        </p:txBody>
+      </p:sp>
+      <p:sp>
+        <p:nvSpPr>
+          <p:cNvPr id="3" name="Content Placeholder 2"/>
           <p:cNvSpPr>
             <a:spLocks noGrp="1"/>
           </p:cNvSpPr>
@@ -6354,14 +6341,14 @@
           <a:bodyPr/>
           <a:lstStyle/>
           <a:p>
-            <a:endParaRPr lang="es-ES"/>
+            <a:endParaRPr lang="en-US"/>
           </a:p>
         </p:txBody>
       </p:sp>
     </p:spTree>
     <p:extLst>
       <p:ext uri="{BB962C8B-B14F-4D97-AF65-F5344CB8AC3E}">
-        <p14:creationId xmlns:p14="http://schemas.microsoft.com/office/powerpoint/2010/main" val="1374404722"/>
+        <p14:creationId xmlns:p14="http://schemas.microsoft.com/office/powerpoint/2010/main" val="1694532800"/>
       </p:ext>
     </p:extLst>
   </p:cSld>
@@ -6405,39 +6392,3356 @@
           <a:p>
             <a:r>
               <a:rPr lang="es-ES" dirty="0" err="1" smtClean="0"/>
-              <a:t>θ</a:t>
-            </a:r>
-            <a:r>
-              <a:rPr lang="es-ES" sz="3600" dirty="0" err="1" smtClean="0"/>
-              <a:t>o</a:t>
+              <a:t>Moment</a:t>
+            </a:r>
+            <a:r>
+              <a:rPr lang="es-ES" dirty="0" smtClean="0"/>
+              <a:t> respecte </a:t>
+            </a:r>
+            <a:r>
+              <a:rPr lang="es-ES" dirty="0" err="1" smtClean="0"/>
+              <a:t>eix</a:t>
+            </a:r>
+            <a:r>
+              <a:rPr lang="es-ES" dirty="0" smtClean="0"/>
+              <a:t> rotor</a:t>
             </a:r>
             <a:endParaRPr lang="es-ES" dirty="0"/>
           </a:p>
         </p:txBody>
       </p:sp>
-      <p:sp>
-        <p:nvSpPr>
-          <p:cNvPr id="3" name="Marcador de contenido 2"/>
-          <p:cNvSpPr>
-            <a:spLocks noGrp="1"/>
-          </p:cNvSpPr>
+      <p:pic>
+        <p:nvPicPr>
+          <p:cNvPr id="4" name="Marcador de contenido 3"/>
+          <p:cNvPicPr>
+            <a:picLocks noGrp="1" noChangeAspect="1"/>
+          </p:cNvPicPr>
           <p:nvPr>
             <p:ph idx="1"/>
           </p:nvPr>
-        </p:nvSpPr>
-        <p:spPr/>
-        <p:txBody>
-          <a:bodyPr/>
-          <a:lstStyle/>
-          <a:p>
-            <a:endParaRPr lang="es-ES"/>
-          </a:p>
-        </p:txBody>
-      </p:sp>
+        </p:nvPicPr>
+        <p:blipFill>
+          <a:blip r:embed="rId2">
+            <a:extLst>
+              <a:ext uri="{28A0092B-C50C-407E-A947-70E740481C1C}">
+                <a14:useLocalDpi xmlns:a14="http://schemas.microsoft.com/office/drawing/2010/main" val="0"/>
+              </a:ext>
+            </a:extLst>
+          </a:blip>
+          <a:stretch>
+            <a:fillRect/>
+          </a:stretch>
+        </p:blipFill>
+        <p:spPr>
+          <a:xfrm>
+            <a:off x="376150" y="2001044"/>
+            <a:ext cx="5334000" cy="4000500"/>
+          </a:xfrm>
+        </p:spPr>
+      </p:pic>
     </p:spTree>
     <p:extLst>
       <p:ext uri="{BB962C8B-B14F-4D97-AF65-F5344CB8AC3E}">
-        <p14:creationId xmlns:p14="http://schemas.microsoft.com/office/powerpoint/2010/main" val="2374480544"/>
+        <p14:creationId xmlns:p14="http://schemas.microsoft.com/office/powerpoint/2010/main" val="2534157687"/>
+      </p:ext>
+    </p:extLst>
+  </p:cSld>
+  <p:clrMapOvr>
+    <a:masterClrMapping/>
+  </p:clrMapOvr>
+</p:sld>
+</file>
+
+<file path=ppt/slides/slide8.xml><?xml version="1.0" encoding="utf-8"?>
+<p:sld xmlns:a="http://schemas.openxmlformats.org/drawingml/2006/main" xmlns:r="http://schemas.openxmlformats.org/officeDocument/2006/relationships" xmlns:p="http://schemas.openxmlformats.org/presentationml/2006/main">
+  <p:cSld>
+    <p:spTree>
+      <p:nvGrpSpPr>
+        <p:cNvPr id="1" name=""/>
+        <p:cNvGrpSpPr/>
+        <p:nvPr/>
+      </p:nvGrpSpPr>
+      <p:grpSpPr>
+        <a:xfrm>
+          <a:off x="0" y="0"/>
+          <a:ext cx="0" cy="0"/>
+          <a:chOff x="0" y="0"/>
+          <a:chExt cx="0" cy="0"/>
+        </a:xfrm>
+      </p:grpSpPr>
+      <p:sp>
+        <p:nvSpPr>
+          <p:cNvPr id="2" name="Title 1"/>
+          <p:cNvSpPr>
+            <a:spLocks noGrp="1"/>
+          </p:cNvSpPr>
+          <p:nvPr>
+            <p:ph type="title"/>
+          </p:nvPr>
+        </p:nvSpPr>
+        <p:spPr/>
+        <p:txBody>
+          <a:bodyPr/>
+          <a:lstStyle/>
+          <a:p>
+            <a:r>
+              <a:rPr lang="es-ES" dirty="0" err="1"/>
+              <a:t>Moment</a:t>
+            </a:r>
+            <a:r>
+              <a:rPr lang="es-ES" dirty="0"/>
+              <a:t> respecte </a:t>
+            </a:r>
+            <a:r>
+              <a:rPr lang="es-ES" dirty="0" err="1"/>
+              <a:t>eix</a:t>
+            </a:r>
+            <a:r>
+              <a:rPr lang="es-ES" dirty="0"/>
+              <a:t> </a:t>
+            </a:r>
+            <a:r>
+              <a:rPr lang="es-ES" dirty="0" smtClean="0"/>
+              <a:t>rotor (2)</a:t>
+            </a:r>
+            <a:endParaRPr lang="en-US" dirty="0"/>
+          </a:p>
+        </p:txBody>
+      </p:sp>
+      <p:sp>
+        <p:nvSpPr>
+          <p:cNvPr id="3" name="Content Placeholder 2"/>
+          <p:cNvSpPr>
+            <a:spLocks noGrp="1"/>
+          </p:cNvSpPr>
+          <p:nvPr>
+            <p:ph idx="1"/>
+          </p:nvPr>
+        </p:nvSpPr>
+        <p:spPr/>
+        <p:txBody>
+          <a:bodyPr/>
+          <a:lstStyle/>
+          <a:p>
+            <a:endParaRPr lang="en-US"/>
+          </a:p>
+        </p:txBody>
+      </p:sp>
+    </p:spTree>
+    <p:extLst>
+      <p:ext uri="{BB962C8B-B14F-4D97-AF65-F5344CB8AC3E}">
+        <p14:creationId xmlns:p14="http://schemas.microsoft.com/office/powerpoint/2010/main" val="1339812196"/>
+      </p:ext>
+    </p:extLst>
+  </p:cSld>
+  <p:clrMapOvr>
+    <a:masterClrMapping/>
+  </p:clrMapOvr>
+</p:sld>
+</file>
+
+<file path=ppt/slides/slide9.xml><?xml version="1.0" encoding="utf-8"?>
+<p:sld xmlns:a="http://schemas.openxmlformats.org/drawingml/2006/main" xmlns:r="http://schemas.openxmlformats.org/officeDocument/2006/relationships" xmlns:p="http://schemas.openxmlformats.org/presentationml/2006/main">
+  <p:cSld>
+    <p:spTree>
+      <p:nvGrpSpPr>
+        <p:cNvPr id="1" name=""/>
+        <p:cNvGrpSpPr/>
+        <p:nvPr/>
+      </p:nvGrpSpPr>
+      <p:grpSpPr>
+        <a:xfrm>
+          <a:off x="0" y="0"/>
+          <a:ext cx="0" cy="0"/>
+          <a:chOff x="0" y="0"/>
+          <a:chExt cx="0" cy="0"/>
+        </a:xfrm>
+      </p:grpSpPr>
+      <p:sp>
+        <p:nvSpPr>
+          <p:cNvPr id="2" name="Título 1"/>
+          <p:cNvSpPr>
+            <a:spLocks noGrp="1"/>
+          </p:cNvSpPr>
+          <p:nvPr>
+            <p:ph type="title"/>
+          </p:nvPr>
+        </p:nvSpPr>
+        <p:spPr/>
+        <p:txBody>
+          <a:bodyPr/>
+          <a:lstStyle/>
+          <a:p>
+            <a:r>
+              <a:rPr lang="es-ES" dirty="0" smtClean="0"/>
+              <a:t>Taula de </a:t>
+            </a:r>
+            <a:r>
+              <a:rPr lang="es-ES" dirty="0" err="1" smtClean="0"/>
+              <a:t>potències</a:t>
+            </a:r>
+            <a:endParaRPr lang="es-ES" dirty="0"/>
+          </a:p>
+        </p:txBody>
+      </p:sp>
+      <p:graphicFrame>
+        <p:nvGraphicFramePr>
+          <p:cNvPr id="5" name="Table 4"/>
+          <p:cNvGraphicFramePr>
+            <a:graphicFrameLocks noGrp="1"/>
+          </p:cNvGraphicFramePr>
+          <p:nvPr>
+            <p:extLst>
+              <p:ext uri="{D42A27DB-BD31-4B8C-83A1-F6EECF244321}">
+                <p14:modId xmlns:p14="http://schemas.microsoft.com/office/powerpoint/2010/main" val="1312500145"/>
+              </p:ext>
+            </p:extLst>
+          </p:nvPr>
+        </p:nvGraphicFramePr>
+        <p:xfrm>
+          <a:off x="838200" y="1690687"/>
+          <a:ext cx="10216488" cy="4314326"/>
+        </p:xfrm>
+        <a:graphic>
+          <a:graphicData uri="http://schemas.openxmlformats.org/drawingml/2006/table">
+            <a:tbl>
+              <a:tblPr/>
+              <a:tblGrid>
+                <a:gridCol w="1371658"/>
+                <a:gridCol w="1371658"/>
+                <a:gridCol w="1371658"/>
+                <a:gridCol w="1497787"/>
+                <a:gridCol w="1529320"/>
+                <a:gridCol w="1560853"/>
+                <a:gridCol w="1513554"/>
+              </a:tblGrid>
+              <a:tr h="942160">
+                <a:tc>
+                  <a:txBody>
+                    <a:bodyPr/>
+                    <a:lstStyle/>
+                    <a:p>
+                      <a:pPr algn="l" fontAlgn="ctr"/>
+                      <a:r>
+                        <a:rPr lang="en-US" sz="1800" b="1" i="0" u="none" strike="noStrike" dirty="0">
+                          <a:solidFill>
+                            <a:schemeClr val="tx1"/>
+                          </a:solidFill>
+                          <a:effectLst/>
+                          <a:latin typeface="Calibri" charset="0"/>
+                        </a:rPr>
+                        <a:t> </a:t>
+                      </a:r>
+                    </a:p>
+                  </a:txBody>
+                  <a:tcPr marL="12700" marR="12700" marT="12700" marB="0" anchor="ctr">
+                    <a:lnL w="28575" cap="flat" cmpd="sng" algn="ctr">
+                      <a:solidFill>
+                        <a:schemeClr val="tx1"/>
+                      </a:solidFill>
+                      <a:prstDash val="solid"/>
+                      <a:round/>
+                      <a:headEnd type="none" w="med" len="med"/>
+                      <a:tailEnd type="none" w="med" len="med"/>
+                    </a:lnL>
+                    <a:lnR w="28575" cap="flat" cmpd="sng" algn="ctr">
+                      <a:solidFill>
+                        <a:schemeClr val="tx1"/>
+                      </a:solidFill>
+                      <a:prstDash val="solid"/>
+                      <a:round/>
+                      <a:headEnd type="none" w="med" len="med"/>
+                      <a:tailEnd type="none" w="med" len="med"/>
+                    </a:lnR>
+                    <a:lnT w="28575" cap="flat" cmpd="sng" algn="ctr">
+                      <a:solidFill>
+                        <a:schemeClr val="tx1"/>
+                      </a:solidFill>
+                      <a:prstDash val="solid"/>
+                      <a:round/>
+                      <a:headEnd type="none" w="med" len="med"/>
+                      <a:tailEnd type="none" w="med" len="med"/>
+                    </a:lnT>
+                    <a:lnB w="28575" cap="flat" cmpd="sng" algn="ctr">
+                      <a:solidFill>
+                        <a:schemeClr val="tx1"/>
+                      </a:solidFill>
+                      <a:prstDash val="solid"/>
+                      <a:round/>
+                      <a:headEnd type="none" w="med" len="med"/>
+                      <a:tailEnd type="none" w="med" len="med"/>
+                    </a:lnB>
+                  </a:tcPr>
+                </a:tc>
+                <a:tc gridSpan="2">
+                  <a:txBody>
+                    <a:bodyPr/>
+                    <a:lstStyle/>
+                    <a:p>
+                      <a:pPr algn="ctr" fontAlgn="ctr"/>
+                      <a:r>
+                        <a:rPr lang="en-US" sz="1800" b="1" i="0" u="none" strike="noStrike" dirty="0">
+                          <a:solidFill>
+                            <a:schemeClr val="tx1"/>
+                          </a:solidFill>
+                          <a:effectLst/>
+                          <a:latin typeface="Calibri" charset="0"/>
+                        </a:rPr>
+                        <a:t>Ideal</a:t>
+                      </a:r>
+                    </a:p>
+                  </a:txBody>
+                  <a:tcPr marL="12700" marR="12700" marT="12700" marB="0" anchor="ctr">
+                    <a:lnL w="28575" cap="flat" cmpd="sng" algn="ctr">
+                      <a:solidFill>
+                        <a:schemeClr val="tx1"/>
+                      </a:solidFill>
+                      <a:prstDash val="solid"/>
+                      <a:round/>
+                      <a:headEnd type="none" w="med" len="med"/>
+                      <a:tailEnd type="none" w="med" len="med"/>
+                    </a:lnL>
+                    <a:lnR w="28575" cap="flat" cmpd="sng" algn="ctr">
+                      <a:solidFill>
+                        <a:schemeClr val="tx1"/>
+                      </a:solidFill>
+                      <a:prstDash val="solid"/>
+                      <a:round/>
+                      <a:headEnd type="none" w="med" len="med"/>
+                      <a:tailEnd type="none" w="med" len="med"/>
+                    </a:lnR>
+                    <a:lnT w="28575" cap="flat" cmpd="sng" algn="ctr">
+                      <a:solidFill>
+                        <a:schemeClr val="tx1"/>
+                      </a:solidFill>
+                      <a:prstDash val="solid"/>
+                      <a:round/>
+                      <a:headEnd type="none" w="med" len="med"/>
+                      <a:tailEnd type="none" w="med" len="med"/>
+                    </a:lnT>
+                    <a:lnB w="28575" cap="flat" cmpd="sng" algn="ctr">
+                      <a:solidFill>
+                        <a:schemeClr val="tx1"/>
+                      </a:solidFill>
+                      <a:prstDash val="solid"/>
+                      <a:round/>
+                      <a:headEnd type="none" w="med" len="med"/>
+                      <a:tailEnd type="none" w="med" len="med"/>
+                    </a:lnB>
+                  </a:tcPr>
+                </a:tc>
+                <a:tc hMerge="1">
+                  <a:txBody>
+                    <a:bodyPr/>
+                    <a:lstStyle/>
+                    <a:p>
+                      <a:endParaRPr lang="en-US"/>
+                    </a:p>
+                  </a:txBody>
+                  <a:tcPr/>
+                </a:tc>
+                <a:tc gridSpan="2">
+                  <a:txBody>
+                    <a:bodyPr/>
+                    <a:lstStyle/>
+                    <a:p>
+                      <a:pPr algn="ctr" fontAlgn="ctr"/>
+                      <a:r>
+                        <a:rPr lang="en-US" sz="1800" b="1" i="0" u="none" strike="noStrike" dirty="0">
+                          <a:solidFill>
+                            <a:schemeClr val="tx1"/>
+                          </a:solidFill>
+                          <a:effectLst/>
+                          <a:latin typeface="Calibri" charset="0"/>
+                        </a:rPr>
+                        <a:t>BEM sense </a:t>
+                      </a:r>
+                      <a:r>
+                        <a:rPr lang="en-US" sz="1800" b="1" i="0" u="none" strike="noStrike" dirty="0" err="1">
+                          <a:solidFill>
+                            <a:schemeClr val="tx1"/>
+                          </a:solidFill>
+                          <a:effectLst/>
+                          <a:latin typeface="Calibri" charset="0"/>
+                        </a:rPr>
+                        <a:t>pèrdues</a:t>
+                      </a:r>
+                      <a:endParaRPr lang="en-US" sz="1800" b="1" i="0" u="none" strike="noStrike" dirty="0">
+                        <a:solidFill>
+                          <a:schemeClr val="tx1"/>
+                        </a:solidFill>
+                        <a:effectLst/>
+                        <a:latin typeface="Calibri" charset="0"/>
+                      </a:endParaRPr>
+                    </a:p>
+                  </a:txBody>
+                  <a:tcPr marL="12700" marR="12700" marT="12700" marB="0" anchor="ctr">
+                    <a:lnL w="28575" cap="flat" cmpd="sng" algn="ctr">
+                      <a:solidFill>
+                        <a:schemeClr val="tx1"/>
+                      </a:solidFill>
+                      <a:prstDash val="solid"/>
+                      <a:round/>
+                      <a:headEnd type="none" w="med" len="med"/>
+                      <a:tailEnd type="none" w="med" len="med"/>
+                    </a:lnL>
+                    <a:lnR w="28575" cap="flat" cmpd="sng" algn="ctr">
+                      <a:solidFill>
+                        <a:schemeClr val="tx1"/>
+                      </a:solidFill>
+                      <a:prstDash val="solid"/>
+                      <a:round/>
+                      <a:headEnd type="none" w="med" len="med"/>
+                      <a:tailEnd type="none" w="med" len="med"/>
+                    </a:lnR>
+                    <a:lnT w="28575" cap="flat" cmpd="sng" algn="ctr">
+                      <a:solidFill>
+                        <a:schemeClr val="tx1"/>
+                      </a:solidFill>
+                      <a:prstDash val="solid"/>
+                      <a:round/>
+                      <a:headEnd type="none" w="med" len="med"/>
+                      <a:tailEnd type="none" w="med" len="med"/>
+                    </a:lnT>
+                    <a:lnB w="28575" cap="flat" cmpd="sng" algn="ctr">
+                      <a:solidFill>
+                        <a:schemeClr val="tx1"/>
+                      </a:solidFill>
+                      <a:prstDash val="solid"/>
+                      <a:round/>
+                      <a:headEnd type="none" w="med" len="med"/>
+                      <a:tailEnd type="none" w="med" len="med"/>
+                    </a:lnB>
+                  </a:tcPr>
+                </a:tc>
+                <a:tc hMerge="1">
+                  <a:txBody>
+                    <a:bodyPr/>
+                    <a:lstStyle/>
+                    <a:p>
+                      <a:endParaRPr lang="en-US"/>
+                    </a:p>
+                  </a:txBody>
+                  <a:tcPr/>
+                </a:tc>
+                <a:tc gridSpan="2">
+                  <a:txBody>
+                    <a:bodyPr/>
+                    <a:lstStyle/>
+                    <a:p>
+                      <a:pPr algn="ctr" fontAlgn="ctr"/>
+                      <a:r>
+                        <a:rPr lang="en-US" sz="1800" b="1" i="0" u="none" strike="noStrike">
+                          <a:solidFill>
+                            <a:schemeClr val="tx1"/>
+                          </a:solidFill>
+                          <a:effectLst/>
+                          <a:latin typeface="Calibri" charset="0"/>
+                        </a:rPr>
+                        <a:t>BEM pèrdues i compressible</a:t>
+                      </a:r>
+                    </a:p>
+                  </a:txBody>
+                  <a:tcPr marL="12700" marR="12700" marT="12700" marB="0" anchor="ctr">
+                    <a:lnL w="28575" cap="flat" cmpd="sng" algn="ctr">
+                      <a:solidFill>
+                        <a:schemeClr val="tx1"/>
+                      </a:solidFill>
+                      <a:prstDash val="solid"/>
+                      <a:round/>
+                      <a:headEnd type="none" w="med" len="med"/>
+                      <a:tailEnd type="none" w="med" len="med"/>
+                    </a:lnL>
+                    <a:lnR w="28575" cap="flat" cmpd="sng" algn="ctr">
+                      <a:solidFill>
+                        <a:schemeClr val="tx1"/>
+                      </a:solidFill>
+                      <a:prstDash val="solid"/>
+                      <a:round/>
+                      <a:headEnd type="none" w="med" len="med"/>
+                      <a:tailEnd type="none" w="med" len="med"/>
+                    </a:lnR>
+                    <a:lnT w="28575" cap="flat" cmpd="sng" algn="ctr">
+                      <a:solidFill>
+                        <a:schemeClr val="tx1"/>
+                      </a:solidFill>
+                      <a:prstDash val="solid"/>
+                      <a:round/>
+                      <a:headEnd type="none" w="med" len="med"/>
+                      <a:tailEnd type="none" w="med" len="med"/>
+                    </a:lnT>
+                    <a:lnB w="28575" cap="flat" cmpd="sng" algn="ctr">
+                      <a:solidFill>
+                        <a:schemeClr val="tx1"/>
+                      </a:solidFill>
+                      <a:prstDash val="solid"/>
+                      <a:round/>
+                      <a:headEnd type="none" w="med" len="med"/>
+                      <a:tailEnd type="none" w="med" len="med"/>
+                    </a:lnB>
+                  </a:tcPr>
+                </a:tc>
+                <a:tc hMerge="1">
+                  <a:txBody>
+                    <a:bodyPr/>
+                    <a:lstStyle/>
+                    <a:p>
+                      <a:endParaRPr lang="en-US"/>
+                    </a:p>
+                  </a:txBody>
+                  <a:tcPr/>
+                </a:tc>
+              </a:tr>
+              <a:tr h="481738">
+                <a:tc>
+                  <a:txBody>
+                    <a:bodyPr/>
+                    <a:lstStyle/>
+                    <a:p>
+                      <a:pPr algn="ctr" fontAlgn="ctr"/>
+                      <a:r>
+                        <a:rPr lang="en-US" sz="1800" b="1" i="0" u="none" strike="noStrike" dirty="0" err="1">
+                          <a:solidFill>
+                            <a:schemeClr val="tx1"/>
+                          </a:solidFill>
+                          <a:effectLst/>
+                          <a:latin typeface="Calibri" charset="0"/>
+                        </a:rPr>
+                        <a:t>Vc</a:t>
+                      </a:r>
+                      <a:endParaRPr lang="en-US" sz="1800" b="1" i="0" u="none" strike="noStrike" dirty="0">
+                        <a:solidFill>
+                          <a:schemeClr val="tx1"/>
+                        </a:solidFill>
+                        <a:effectLst/>
+                        <a:latin typeface="Calibri" charset="0"/>
+                      </a:endParaRPr>
+                    </a:p>
+                  </a:txBody>
+                  <a:tcPr marL="12700" marR="12700" marT="12700" marB="0" anchor="ctr">
+                    <a:lnL w="28575" cap="flat" cmpd="sng" algn="ctr">
+                      <a:solidFill>
+                        <a:schemeClr val="tx1"/>
+                      </a:solidFill>
+                      <a:prstDash val="solid"/>
+                      <a:round/>
+                      <a:headEnd type="none" w="med" len="med"/>
+                      <a:tailEnd type="none" w="med" len="med"/>
+                    </a:lnL>
+                    <a:lnR w="28575" cap="flat" cmpd="sng" algn="ctr">
+                      <a:solidFill>
+                        <a:schemeClr val="tx1"/>
+                      </a:solidFill>
+                      <a:prstDash val="solid"/>
+                      <a:round/>
+                      <a:headEnd type="none" w="med" len="med"/>
+                      <a:tailEnd type="none" w="med" len="med"/>
+                    </a:lnR>
+                    <a:lnT w="28575" cap="flat" cmpd="sng" algn="ctr">
+                      <a:solidFill>
+                        <a:schemeClr val="tx1"/>
+                      </a:solidFill>
+                      <a:prstDash val="solid"/>
+                      <a:round/>
+                      <a:headEnd type="none" w="med" len="med"/>
+                      <a:tailEnd type="none" w="med" len="med"/>
+                    </a:lnT>
+                    <a:lnB w="28575" cap="flat" cmpd="sng" algn="ctr">
+                      <a:solidFill>
+                        <a:schemeClr val="tx1"/>
+                      </a:solidFill>
+                      <a:prstDash val="solid"/>
+                      <a:round/>
+                      <a:headEnd type="none" w="med" len="med"/>
+                      <a:tailEnd type="none" w="med" len="med"/>
+                    </a:lnB>
+                  </a:tcPr>
+                </a:tc>
+                <a:tc>
+                  <a:txBody>
+                    <a:bodyPr/>
+                    <a:lstStyle/>
+                    <a:p>
+                      <a:pPr algn="ctr" fontAlgn="ctr"/>
+                      <a:r>
+                        <a:rPr lang="en-US" sz="1800" b="1" i="0" u="none" strike="noStrike" dirty="0" err="1">
+                          <a:solidFill>
+                            <a:schemeClr val="tx1"/>
+                          </a:solidFill>
+                          <a:effectLst/>
+                          <a:latin typeface="Calibri" charset="0"/>
+                        </a:rPr>
+                        <a:t>Induïda</a:t>
+                      </a:r>
+                      <a:endParaRPr lang="en-US" sz="1800" b="1" i="0" u="none" strike="noStrike" dirty="0">
+                        <a:solidFill>
+                          <a:schemeClr val="tx1"/>
+                        </a:solidFill>
+                        <a:effectLst/>
+                        <a:latin typeface="Calibri" charset="0"/>
+                      </a:endParaRPr>
+                    </a:p>
+                  </a:txBody>
+                  <a:tcPr marL="12700" marR="12700" marT="12700" marB="0" anchor="ctr">
+                    <a:lnL w="28575" cap="flat" cmpd="sng" algn="ctr">
+                      <a:solidFill>
+                        <a:schemeClr val="tx1"/>
+                      </a:solidFill>
+                      <a:prstDash val="solid"/>
+                      <a:round/>
+                      <a:headEnd type="none" w="med" len="med"/>
+                      <a:tailEnd type="none" w="med" len="med"/>
+                    </a:lnL>
+                    <a:lnR w="28575" cap="flat" cmpd="sng" algn="ctr">
+                      <a:solidFill>
+                        <a:schemeClr val="tx1"/>
+                      </a:solidFill>
+                      <a:prstDash val="solid"/>
+                      <a:round/>
+                      <a:headEnd type="none" w="med" len="med"/>
+                      <a:tailEnd type="none" w="med" len="med"/>
+                    </a:lnR>
+                    <a:lnT w="28575" cap="flat" cmpd="sng" algn="ctr">
+                      <a:solidFill>
+                        <a:schemeClr val="tx1"/>
+                      </a:solidFill>
+                      <a:prstDash val="solid"/>
+                      <a:round/>
+                      <a:headEnd type="none" w="med" len="med"/>
+                      <a:tailEnd type="none" w="med" len="med"/>
+                    </a:lnT>
+                    <a:lnB w="28575" cap="flat" cmpd="sng" algn="ctr">
+                      <a:solidFill>
+                        <a:schemeClr val="tx1"/>
+                      </a:solidFill>
+                      <a:prstDash val="solid"/>
+                      <a:round/>
+                      <a:headEnd type="none" w="med" len="med"/>
+                      <a:tailEnd type="none" w="med" len="med"/>
+                    </a:lnB>
+                  </a:tcPr>
+                </a:tc>
+                <a:tc>
+                  <a:txBody>
+                    <a:bodyPr/>
+                    <a:lstStyle/>
+                    <a:p>
+                      <a:pPr algn="ctr" fontAlgn="ctr"/>
+                      <a:r>
+                        <a:rPr lang="en-US" sz="1800" b="1" i="0" u="none" strike="noStrike" dirty="0" err="1">
+                          <a:solidFill>
+                            <a:schemeClr val="tx1"/>
+                          </a:solidFill>
+                          <a:effectLst/>
+                          <a:latin typeface="Calibri" charset="0"/>
+                        </a:rPr>
+                        <a:t>Paràsita</a:t>
+                      </a:r>
+                      <a:endParaRPr lang="en-US" sz="1800" b="1" i="0" u="none" strike="noStrike" dirty="0">
+                        <a:solidFill>
+                          <a:schemeClr val="tx1"/>
+                        </a:solidFill>
+                        <a:effectLst/>
+                        <a:latin typeface="Calibri" charset="0"/>
+                      </a:endParaRPr>
+                    </a:p>
+                  </a:txBody>
+                  <a:tcPr marL="12700" marR="12700" marT="12700" marB="0" anchor="ctr">
+                    <a:lnL w="28575" cap="flat" cmpd="sng" algn="ctr">
+                      <a:solidFill>
+                        <a:schemeClr val="tx1"/>
+                      </a:solidFill>
+                      <a:prstDash val="solid"/>
+                      <a:round/>
+                      <a:headEnd type="none" w="med" len="med"/>
+                      <a:tailEnd type="none" w="med" len="med"/>
+                    </a:lnL>
+                    <a:lnR w="28575" cap="flat" cmpd="sng" algn="ctr">
+                      <a:solidFill>
+                        <a:schemeClr val="tx1"/>
+                      </a:solidFill>
+                      <a:prstDash val="solid"/>
+                      <a:round/>
+                      <a:headEnd type="none" w="med" len="med"/>
+                      <a:tailEnd type="none" w="med" len="med"/>
+                    </a:lnR>
+                    <a:lnT w="28575" cap="flat" cmpd="sng" algn="ctr">
+                      <a:solidFill>
+                        <a:schemeClr val="tx1"/>
+                      </a:solidFill>
+                      <a:prstDash val="solid"/>
+                      <a:round/>
+                      <a:headEnd type="none" w="med" len="med"/>
+                      <a:tailEnd type="none" w="med" len="med"/>
+                    </a:lnT>
+                    <a:lnB w="28575" cap="flat" cmpd="sng" algn="ctr">
+                      <a:solidFill>
+                        <a:schemeClr val="tx1"/>
+                      </a:solidFill>
+                      <a:prstDash val="solid"/>
+                      <a:round/>
+                      <a:headEnd type="none" w="med" len="med"/>
+                      <a:tailEnd type="none" w="med" len="med"/>
+                    </a:lnB>
+                  </a:tcPr>
+                </a:tc>
+                <a:tc>
+                  <a:txBody>
+                    <a:bodyPr/>
+                    <a:lstStyle/>
+                    <a:p>
+                      <a:pPr algn="ctr" fontAlgn="ctr"/>
+                      <a:r>
+                        <a:rPr lang="en-US" sz="1800" b="1" i="0" u="none" strike="noStrike" dirty="0" err="1">
+                          <a:solidFill>
+                            <a:schemeClr val="tx1"/>
+                          </a:solidFill>
+                          <a:effectLst/>
+                          <a:latin typeface="Calibri" charset="0"/>
+                        </a:rPr>
+                        <a:t>Induïda</a:t>
+                      </a:r>
+                      <a:endParaRPr lang="en-US" sz="1800" b="1" i="0" u="none" strike="noStrike" dirty="0">
+                        <a:solidFill>
+                          <a:schemeClr val="tx1"/>
+                        </a:solidFill>
+                        <a:effectLst/>
+                        <a:latin typeface="Calibri" charset="0"/>
+                      </a:endParaRPr>
+                    </a:p>
+                  </a:txBody>
+                  <a:tcPr marL="12700" marR="12700" marT="12700" marB="0" anchor="ctr">
+                    <a:lnL w="28575" cap="flat" cmpd="sng" algn="ctr">
+                      <a:solidFill>
+                        <a:schemeClr val="tx1"/>
+                      </a:solidFill>
+                      <a:prstDash val="solid"/>
+                      <a:round/>
+                      <a:headEnd type="none" w="med" len="med"/>
+                      <a:tailEnd type="none" w="med" len="med"/>
+                    </a:lnL>
+                    <a:lnR w="28575" cap="flat" cmpd="sng" algn="ctr">
+                      <a:solidFill>
+                        <a:schemeClr val="tx1"/>
+                      </a:solidFill>
+                      <a:prstDash val="solid"/>
+                      <a:round/>
+                      <a:headEnd type="none" w="med" len="med"/>
+                      <a:tailEnd type="none" w="med" len="med"/>
+                    </a:lnR>
+                    <a:lnT w="28575" cap="flat" cmpd="sng" algn="ctr">
+                      <a:solidFill>
+                        <a:schemeClr val="tx1"/>
+                      </a:solidFill>
+                      <a:prstDash val="solid"/>
+                      <a:round/>
+                      <a:headEnd type="none" w="med" len="med"/>
+                      <a:tailEnd type="none" w="med" len="med"/>
+                    </a:lnT>
+                    <a:lnB w="28575" cap="flat" cmpd="sng" algn="ctr">
+                      <a:solidFill>
+                        <a:schemeClr val="tx1"/>
+                      </a:solidFill>
+                      <a:prstDash val="solid"/>
+                      <a:round/>
+                      <a:headEnd type="none" w="med" len="med"/>
+                      <a:tailEnd type="none" w="med" len="med"/>
+                    </a:lnB>
+                  </a:tcPr>
+                </a:tc>
+                <a:tc>
+                  <a:txBody>
+                    <a:bodyPr/>
+                    <a:lstStyle/>
+                    <a:p>
+                      <a:pPr algn="ctr" fontAlgn="ctr"/>
+                      <a:r>
+                        <a:rPr lang="en-US" sz="1800" b="1" i="0" u="none" strike="noStrike" dirty="0" err="1">
+                          <a:solidFill>
+                            <a:schemeClr val="tx1"/>
+                          </a:solidFill>
+                          <a:effectLst/>
+                          <a:latin typeface="Calibri" charset="0"/>
+                        </a:rPr>
+                        <a:t>Paràsita</a:t>
+                      </a:r>
+                      <a:endParaRPr lang="en-US" sz="1800" b="1" i="0" u="none" strike="noStrike" dirty="0">
+                        <a:solidFill>
+                          <a:schemeClr val="tx1"/>
+                        </a:solidFill>
+                        <a:effectLst/>
+                        <a:latin typeface="Calibri" charset="0"/>
+                      </a:endParaRPr>
+                    </a:p>
+                  </a:txBody>
+                  <a:tcPr marL="12700" marR="12700" marT="12700" marB="0" anchor="ctr">
+                    <a:lnL w="28575" cap="flat" cmpd="sng" algn="ctr">
+                      <a:solidFill>
+                        <a:schemeClr val="tx1"/>
+                      </a:solidFill>
+                      <a:prstDash val="solid"/>
+                      <a:round/>
+                      <a:headEnd type="none" w="med" len="med"/>
+                      <a:tailEnd type="none" w="med" len="med"/>
+                    </a:lnL>
+                    <a:lnR w="28575" cap="flat" cmpd="sng" algn="ctr">
+                      <a:solidFill>
+                        <a:schemeClr val="tx1"/>
+                      </a:solidFill>
+                      <a:prstDash val="solid"/>
+                      <a:round/>
+                      <a:headEnd type="none" w="med" len="med"/>
+                      <a:tailEnd type="none" w="med" len="med"/>
+                    </a:lnR>
+                    <a:lnT w="28575" cap="flat" cmpd="sng" algn="ctr">
+                      <a:solidFill>
+                        <a:schemeClr val="tx1"/>
+                      </a:solidFill>
+                      <a:prstDash val="solid"/>
+                      <a:round/>
+                      <a:headEnd type="none" w="med" len="med"/>
+                      <a:tailEnd type="none" w="med" len="med"/>
+                    </a:lnT>
+                    <a:lnB w="28575" cap="flat" cmpd="sng" algn="ctr">
+                      <a:solidFill>
+                        <a:schemeClr val="tx1"/>
+                      </a:solidFill>
+                      <a:prstDash val="solid"/>
+                      <a:round/>
+                      <a:headEnd type="none" w="med" len="med"/>
+                      <a:tailEnd type="none" w="med" len="med"/>
+                    </a:lnB>
+                  </a:tcPr>
+                </a:tc>
+                <a:tc>
+                  <a:txBody>
+                    <a:bodyPr/>
+                    <a:lstStyle/>
+                    <a:p>
+                      <a:pPr algn="ctr" fontAlgn="ctr"/>
+                      <a:r>
+                        <a:rPr lang="en-US" sz="1800" b="1" i="0" u="none" strike="noStrike">
+                          <a:solidFill>
+                            <a:schemeClr val="tx1"/>
+                          </a:solidFill>
+                          <a:effectLst/>
+                          <a:latin typeface="Calibri" charset="0"/>
+                        </a:rPr>
+                        <a:t>Induïda</a:t>
+                      </a:r>
+                    </a:p>
+                  </a:txBody>
+                  <a:tcPr marL="12700" marR="12700" marT="12700" marB="0" anchor="ctr">
+                    <a:lnL w="28575" cap="flat" cmpd="sng" algn="ctr">
+                      <a:solidFill>
+                        <a:schemeClr val="tx1"/>
+                      </a:solidFill>
+                      <a:prstDash val="solid"/>
+                      <a:round/>
+                      <a:headEnd type="none" w="med" len="med"/>
+                      <a:tailEnd type="none" w="med" len="med"/>
+                    </a:lnL>
+                    <a:lnR w="28575" cap="flat" cmpd="sng" algn="ctr">
+                      <a:solidFill>
+                        <a:schemeClr val="tx1"/>
+                      </a:solidFill>
+                      <a:prstDash val="solid"/>
+                      <a:round/>
+                      <a:headEnd type="none" w="med" len="med"/>
+                      <a:tailEnd type="none" w="med" len="med"/>
+                    </a:lnR>
+                    <a:lnT w="28575" cap="flat" cmpd="sng" algn="ctr">
+                      <a:solidFill>
+                        <a:schemeClr val="tx1"/>
+                      </a:solidFill>
+                      <a:prstDash val="solid"/>
+                      <a:round/>
+                      <a:headEnd type="none" w="med" len="med"/>
+                      <a:tailEnd type="none" w="med" len="med"/>
+                    </a:lnT>
+                    <a:lnB w="28575" cap="flat" cmpd="sng" algn="ctr">
+                      <a:solidFill>
+                        <a:schemeClr val="tx1"/>
+                      </a:solidFill>
+                      <a:prstDash val="solid"/>
+                      <a:round/>
+                      <a:headEnd type="none" w="med" len="med"/>
+                      <a:tailEnd type="none" w="med" len="med"/>
+                    </a:lnB>
+                  </a:tcPr>
+                </a:tc>
+                <a:tc>
+                  <a:txBody>
+                    <a:bodyPr/>
+                    <a:lstStyle/>
+                    <a:p>
+                      <a:pPr algn="ctr" fontAlgn="ctr"/>
+                      <a:r>
+                        <a:rPr lang="en-US" sz="1800" b="1" i="0" u="none" strike="noStrike">
+                          <a:solidFill>
+                            <a:schemeClr val="tx1"/>
+                          </a:solidFill>
+                          <a:effectLst/>
+                          <a:latin typeface="Calibri" charset="0"/>
+                        </a:rPr>
+                        <a:t>Paràsita</a:t>
+                      </a:r>
+                    </a:p>
+                  </a:txBody>
+                  <a:tcPr marL="12700" marR="12700" marT="12700" marB="0" anchor="ctr">
+                    <a:lnL w="28575" cap="flat" cmpd="sng" algn="ctr">
+                      <a:solidFill>
+                        <a:schemeClr val="tx1"/>
+                      </a:solidFill>
+                      <a:prstDash val="solid"/>
+                      <a:round/>
+                      <a:headEnd type="none" w="med" len="med"/>
+                      <a:tailEnd type="none" w="med" len="med"/>
+                    </a:lnL>
+                    <a:lnR w="28575" cap="flat" cmpd="sng" algn="ctr">
+                      <a:solidFill>
+                        <a:schemeClr val="tx1"/>
+                      </a:solidFill>
+                      <a:prstDash val="solid"/>
+                      <a:round/>
+                      <a:headEnd type="none" w="med" len="med"/>
+                      <a:tailEnd type="none" w="med" len="med"/>
+                    </a:lnR>
+                    <a:lnT w="28575" cap="flat" cmpd="sng" algn="ctr">
+                      <a:solidFill>
+                        <a:schemeClr val="tx1"/>
+                      </a:solidFill>
+                      <a:prstDash val="solid"/>
+                      <a:round/>
+                      <a:headEnd type="none" w="med" len="med"/>
+                      <a:tailEnd type="none" w="med" len="med"/>
+                    </a:lnT>
+                    <a:lnB w="28575" cap="flat" cmpd="sng" algn="ctr">
+                      <a:solidFill>
+                        <a:schemeClr val="tx1"/>
+                      </a:solidFill>
+                      <a:prstDash val="solid"/>
+                      <a:round/>
+                      <a:headEnd type="none" w="med" len="med"/>
+                      <a:tailEnd type="none" w="med" len="med"/>
+                    </a:lnB>
+                  </a:tcPr>
+                </a:tc>
+              </a:tr>
+              <a:tr h="481738">
+                <a:tc>
+                  <a:txBody>
+                    <a:bodyPr/>
+                    <a:lstStyle/>
+                    <a:p>
+                      <a:pPr algn="ctr" fontAlgn="ctr"/>
+                      <a:r>
+                        <a:rPr lang="en-US" sz="1800" b="1" i="0" u="none" strike="noStrike" dirty="0">
+                          <a:solidFill>
+                            <a:schemeClr val="tx1"/>
+                          </a:solidFill>
+                          <a:effectLst/>
+                          <a:latin typeface="Calibri" charset="0"/>
+                        </a:rPr>
+                        <a:t>0</a:t>
+                      </a:r>
+                    </a:p>
+                  </a:txBody>
+                  <a:tcPr marL="12700" marR="12700" marT="12700" marB="0" anchor="ctr">
+                    <a:lnL w="28575" cap="flat" cmpd="sng" algn="ctr">
+                      <a:solidFill>
+                        <a:schemeClr val="tx1"/>
+                      </a:solidFill>
+                      <a:prstDash val="solid"/>
+                      <a:round/>
+                      <a:headEnd type="none" w="med" len="med"/>
+                      <a:tailEnd type="none" w="med" len="med"/>
+                    </a:lnL>
+                    <a:lnR w="28575" cap="flat" cmpd="sng" algn="ctr">
+                      <a:solidFill>
+                        <a:schemeClr val="tx1"/>
+                      </a:solidFill>
+                      <a:prstDash val="solid"/>
+                      <a:round/>
+                      <a:headEnd type="none" w="med" len="med"/>
+                      <a:tailEnd type="none" w="med" len="med"/>
+                    </a:lnR>
+                    <a:lnT w="28575" cap="flat" cmpd="sng" algn="ctr">
+                      <a:solidFill>
+                        <a:schemeClr val="tx1"/>
+                      </a:solidFill>
+                      <a:prstDash val="solid"/>
+                      <a:round/>
+                      <a:headEnd type="none" w="med" len="med"/>
+                      <a:tailEnd type="none" w="med" len="med"/>
+                    </a:lnT>
+                    <a:lnB w="28575" cap="flat" cmpd="sng" algn="ctr">
+                      <a:solidFill>
+                        <a:schemeClr val="tx1"/>
+                      </a:solidFill>
+                      <a:prstDash val="solid"/>
+                      <a:round/>
+                      <a:headEnd type="none" w="med" len="med"/>
+                      <a:tailEnd type="none" w="med" len="med"/>
+                    </a:lnB>
+                  </a:tcPr>
+                </a:tc>
+                <a:tc>
+                  <a:txBody>
+                    <a:bodyPr/>
+                    <a:lstStyle/>
+                    <a:p>
+                      <a:pPr algn="ctr" fontAlgn="ctr"/>
+                      <a:r>
+                        <a:rPr lang="en-US" sz="1800" b="0" i="0" u="none" strike="noStrike" dirty="0">
+                          <a:solidFill>
+                            <a:schemeClr val="tx1"/>
+                          </a:solidFill>
+                          <a:effectLst/>
+                          <a:latin typeface="Calibri" charset="0"/>
+                        </a:rPr>
+                        <a:t>510,98</a:t>
+                      </a:r>
+                    </a:p>
+                  </a:txBody>
+                  <a:tcPr marL="12700" marR="12700" marT="12700" marB="0" anchor="ctr">
+                    <a:lnL w="28575" cap="flat" cmpd="sng" algn="ctr">
+                      <a:solidFill>
+                        <a:schemeClr val="tx1"/>
+                      </a:solidFill>
+                      <a:prstDash val="solid"/>
+                      <a:round/>
+                      <a:headEnd type="none" w="med" len="med"/>
+                      <a:tailEnd type="none" w="med" len="med"/>
+                    </a:lnL>
+                    <a:lnR w="28575" cap="flat" cmpd="sng" algn="ctr">
+                      <a:solidFill>
+                        <a:schemeClr val="tx1"/>
+                      </a:solidFill>
+                      <a:prstDash val="solid"/>
+                      <a:round/>
+                      <a:headEnd type="none" w="med" len="med"/>
+                      <a:tailEnd type="none" w="med" len="med"/>
+                    </a:lnR>
+                    <a:lnT w="28575" cap="flat" cmpd="sng" algn="ctr">
+                      <a:solidFill>
+                        <a:schemeClr val="tx1"/>
+                      </a:solidFill>
+                      <a:prstDash val="solid"/>
+                      <a:round/>
+                      <a:headEnd type="none" w="med" len="med"/>
+                      <a:tailEnd type="none" w="med" len="med"/>
+                    </a:lnT>
+                    <a:lnB w="28575" cap="flat" cmpd="sng" algn="ctr">
+                      <a:solidFill>
+                        <a:schemeClr val="tx1"/>
+                      </a:solidFill>
+                      <a:prstDash val="solid"/>
+                      <a:round/>
+                      <a:headEnd type="none" w="med" len="med"/>
+                      <a:tailEnd type="none" w="med" len="med"/>
+                    </a:lnB>
+                  </a:tcPr>
+                </a:tc>
+                <a:tc>
+                  <a:txBody>
+                    <a:bodyPr/>
+                    <a:lstStyle/>
+                    <a:p>
+                      <a:pPr algn="ctr" fontAlgn="ctr"/>
+                      <a:r>
+                        <a:rPr lang="en-US" sz="1800" b="0" i="0" u="none" strike="noStrike" dirty="0">
+                          <a:solidFill>
+                            <a:schemeClr val="tx1"/>
+                          </a:solidFill>
+                          <a:effectLst/>
+                          <a:latin typeface="Calibri" charset="0"/>
+                        </a:rPr>
+                        <a:t>0,3373</a:t>
+                      </a:r>
+                    </a:p>
+                  </a:txBody>
+                  <a:tcPr marL="12700" marR="12700" marT="12700" marB="0" anchor="ctr">
+                    <a:lnL w="28575" cap="flat" cmpd="sng" algn="ctr">
+                      <a:solidFill>
+                        <a:schemeClr val="tx1"/>
+                      </a:solidFill>
+                      <a:prstDash val="solid"/>
+                      <a:round/>
+                      <a:headEnd type="none" w="med" len="med"/>
+                      <a:tailEnd type="none" w="med" len="med"/>
+                    </a:lnL>
+                    <a:lnR w="28575" cap="flat" cmpd="sng" algn="ctr">
+                      <a:solidFill>
+                        <a:schemeClr val="tx1"/>
+                      </a:solidFill>
+                      <a:prstDash val="solid"/>
+                      <a:round/>
+                      <a:headEnd type="none" w="med" len="med"/>
+                      <a:tailEnd type="none" w="med" len="med"/>
+                    </a:lnR>
+                    <a:lnT w="28575" cap="flat" cmpd="sng" algn="ctr">
+                      <a:solidFill>
+                        <a:schemeClr val="tx1"/>
+                      </a:solidFill>
+                      <a:prstDash val="solid"/>
+                      <a:round/>
+                      <a:headEnd type="none" w="med" len="med"/>
+                      <a:tailEnd type="none" w="med" len="med"/>
+                    </a:lnT>
+                    <a:lnB w="28575" cap="flat" cmpd="sng" algn="ctr">
+                      <a:solidFill>
+                        <a:schemeClr val="tx1"/>
+                      </a:solidFill>
+                      <a:prstDash val="solid"/>
+                      <a:round/>
+                      <a:headEnd type="none" w="med" len="med"/>
+                      <a:tailEnd type="none" w="med" len="med"/>
+                    </a:lnB>
+                  </a:tcPr>
+                </a:tc>
+                <a:tc>
+                  <a:txBody>
+                    <a:bodyPr/>
+                    <a:lstStyle/>
+                    <a:p>
+                      <a:pPr algn="ctr" fontAlgn="ctr"/>
+                      <a:r>
+                        <a:rPr lang="en-US" sz="1800" b="0" i="0" u="none" strike="noStrike" dirty="0">
+                          <a:solidFill>
+                            <a:schemeClr val="tx1"/>
+                          </a:solidFill>
+                          <a:effectLst/>
+                          <a:latin typeface="Calibri" charset="0"/>
+                        </a:rPr>
+                        <a:t> </a:t>
+                      </a:r>
+                    </a:p>
+                  </a:txBody>
+                  <a:tcPr marL="12700" marR="12700" marT="12700" marB="0" anchor="ctr">
+                    <a:lnL w="28575" cap="flat" cmpd="sng" algn="ctr">
+                      <a:solidFill>
+                        <a:schemeClr val="tx1"/>
+                      </a:solidFill>
+                      <a:prstDash val="solid"/>
+                      <a:round/>
+                      <a:headEnd type="none" w="med" len="med"/>
+                      <a:tailEnd type="none" w="med" len="med"/>
+                    </a:lnL>
+                    <a:lnR w="28575" cap="flat" cmpd="sng" algn="ctr">
+                      <a:solidFill>
+                        <a:schemeClr val="tx1"/>
+                      </a:solidFill>
+                      <a:prstDash val="solid"/>
+                      <a:round/>
+                      <a:headEnd type="none" w="med" len="med"/>
+                      <a:tailEnd type="none" w="med" len="med"/>
+                    </a:lnR>
+                    <a:lnT w="28575" cap="flat" cmpd="sng" algn="ctr">
+                      <a:solidFill>
+                        <a:schemeClr val="tx1"/>
+                      </a:solidFill>
+                      <a:prstDash val="solid"/>
+                      <a:round/>
+                      <a:headEnd type="none" w="med" len="med"/>
+                      <a:tailEnd type="none" w="med" len="med"/>
+                    </a:lnT>
+                    <a:lnB w="28575" cap="flat" cmpd="sng" algn="ctr">
+                      <a:solidFill>
+                        <a:schemeClr val="tx1"/>
+                      </a:solidFill>
+                      <a:prstDash val="solid"/>
+                      <a:round/>
+                      <a:headEnd type="none" w="med" len="med"/>
+                      <a:tailEnd type="none" w="med" len="med"/>
+                    </a:lnB>
+                  </a:tcPr>
+                </a:tc>
+                <a:tc>
+                  <a:txBody>
+                    <a:bodyPr/>
+                    <a:lstStyle/>
+                    <a:p>
+                      <a:pPr algn="ctr" fontAlgn="ctr"/>
+                      <a:r>
+                        <a:rPr lang="en-US" sz="1800" b="0" i="0" u="none" strike="noStrike" dirty="0">
+                          <a:solidFill>
+                            <a:schemeClr val="tx1"/>
+                          </a:solidFill>
+                          <a:effectLst/>
+                          <a:latin typeface="Calibri" charset="0"/>
+                        </a:rPr>
+                        <a:t> </a:t>
+                      </a:r>
+                    </a:p>
+                  </a:txBody>
+                  <a:tcPr marL="12700" marR="12700" marT="12700" marB="0" anchor="ctr">
+                    <a:lnL w="28575" cap="flat" cmpd="sng" algn="ctr">
+                      <a:solidFill>
+                        <a:schemeClr val="tx1"/>
+                      </a:solidFill>
+                      <a:prstDash val="solid"/>
+                      <a:round/>
+                      <a:headEnd type="none" w="med" len="med"/>
+                      <a:tailEnd type="none" w="med" len="med"/>
+                    </a:lnL>
+                    <a:lnR w="28575" cap="flat" cmpd="sng" algn="ctr">
+                      <a:solidFill>
+                        <a:schemeClr val="tx1"/>
+                      </a:solidFill>
+                      <a:prstDash val="solid"/>
+                      <a:round/>
+                      <a:headEnd type="none" w="med" len="med"/>
+                      <a:tailEnd type="none" w="med" len="med"/>
+                    </a:lnR>
+                    <a:lnT w="28575" cap="flat" cmpd="sng" algn="ctr">
+                      <a:solidFill>
+                        <a:schemeClr val="tx1"/>
+                      </a:solidFill>
+                      <a:prstDash val="solid"/>
+                      <a:round/>
+                      <a:headEnd type="none" w="med" len="med"/>
+                      <a:tailEnd type="none" w="med" len="med"/>
+                    </a:lnT>
+                    <a:lnB w="28575" cap="flat" cmpd="sng" algn="ctr">
+                      <a:solidFill>
+                        <a:schemeClr val="tx1"/>
+                      </a:solidFill>
+                      <a:prstDash val="solid"/>
+                      <a:round/>
+                      <a:headEnd type="none" w="med" len="med"/>
+                      <a:tailEnd type="none" w="med" len="med"/>
+                    </a:lnB>
+                  </a:tcPr>
+                </a:tc>
+                <a:tc>
+                  <a:txBody>
+                    <a:bodyPr/>
+                    <a:lstStyle/>
+                    <a:p>
+                      <a:pPr algn="ctr" fontAlgn="ctr"/>
+                      <a:r>
+                        <a:rPr lang="en-US" sz="1800" b="0" i="0" u="none" strike="noStrike">
+                          <a:solidFill>
+                            <a:schemeClr val="tx1"/>
+                          </a:solidFill>
+                          <a:effectLst/>
+                          <a:latin typeface="Calibri" charset="0"/>
+                        </a:rPr>
+                        <a:t> </a:t>
+                      </a:r>
+                    </a:p>
+                  </a:txBody>
+                  <a:tcPr marL="12700" marR="12700" marT="12700" marB="0" anchor="ctr">
+                    <a:lnL w="28575" cap="flat" cmpd="sng" algn="ctr">
+                      <a:solidFill>
+                        <a:schemeClr val="tx1"/>
+                      </a:solidFill>
+                      <a:prstDash val="solid"/>
+                      <a:round/>
+                      <a:headEnd type="none" w="med" len="med"/>
+                      <a:tailEnd type="none" w="med" len="med"/>
+                    </a:lnL>
+                    <a:lnR w="28575" cap="flat" cmpd="sng" algn="ctr">
+                      <a:solidFill>
+                        <a:schemeClr val="tx1"/>
+                      </a:solidFill>
+                      <a:prstDash val="solid"/>
+                      <a:round/>
+                      <a:headEnd type="none" w="med" len="med"/>
+                      <a:tailEnd type="none" w="med" len="med"/>
+                    </a:lnR>
+                    <a:lnT w="28575" cap="flat" cmpd="sng" algn="ctr">
+                      <a:solidFill>
+                        <a:schemeClr val="tx1"/>
+                      </a:solidFill>
+                      <a:prstDash val="solid"/>
+                      <a:round/>
+                      <a:headEnd type="none" w="med" len="med"/>
+                      <a:tailEnd type="none" w="med" len="med"/>
+                    </a:lnT>
+                    <a:lnB w="28575" cap="flat" cmpd="sng" algn="ctr">
+                      <a:solidFill>
+                        <a:schemeClr val="tx1"/>
+                      </a:solidFill>
+                      <a:prstDash val="solid"/>
+                      <a:round/>
+                      <a:headEnd type="none" w="med" len="med"/>
+                      <a:tailEnd type="none" w="med" len="med"/>
+                    </a:lnB>
+                  </a:tcPr>
+                </a:tc>
+                <a:tc>
+                  <a:txBody>
+                    <a:bodyPr/>
+                    <a:lstStyle/>
+                    <a:p>
+                      <a:pPr algn="ctr" fontAlgn="ctr"/>
+                      <a:r>
+                        <a:rPr lang="en-US" sz="1800" b="0" i="0" u="none" strike="noStrike">
+                          <a:solidFill>
+                            <a:schemeClr val="tx1"/>
+                          </a:solidFill>
+                          <a:effectLst/>
+                          <a:latin typeface="Calibri" charset="0"/>
+                        </a:rPr>
+                        <a:t> </a:t>
+                      </a:r>
+                    </a:p>
+                  </a:txBody>
+                  <a:tcPr marL="12700" marR="12700" marT="12700" marB="0" anchor="ctr">
+                    <a:lnL w="28575" cap="flat" cmpd="sng" algn="ctr">
+                      <a:solidFill>
+                        <a:schemeClr val="tx1"/>
+                      </a:solidFill>
+                      <a:prstDash val="solid"/>
+                      <a:round/>
+                      <a:headEnd type="none" w="med" len="med"/>
+                      <a:tailEnd type="none" w="med" len="med"/>
+                    </a:lnL>
+                    <a:lnR w="28575" cap="flat" cmpd="sng" algn="ctr">
+                      <a:solidFill>
+                        <a:schemeClr val="tx1"/>
+                      </a:solidFill>
+                      <a:prstDash val="solid"/>
+                      <a:round/>
+                      <a:headEnd type="none" w="med" len="med"/>
+                      <a:tailEnd type="none" w="med" len="med"/>
+                    </a:lnR>
+                    <a:lnT w="28575" cap="flat" cmpd="sng" algn="ctr">
+                      <a:solidFill>
+                        <a:schemeClr val="tx1"/>
+                      </a:solidFill>
+                      <a:prstDash val="solid"/>
+                      <a:round/>
+                      <a:headEnd type="none" w="med" len="med"/>
+                      <a:tailEnd type="none" w="med" len="med"/>
+                    </a:lnT>
+                    <a:lnB w="28575" cap="flat" cmpd="sng" algn="ctr">
+                      <a:solidFill>
+                        <a:schemeClr val="tx1"/>
+                      </a:solidFill>
+                      <a:prstDash val="solid"/>
+                      <a:round/>
+                      <a:headEnd type="none" w="med" len="med"/>
+                      <a:tailEnd type="none" w="med" len="med"/>
+                    </a:lnB>
+                  </a:tcPr>
+                </a:tc>
+              </a:tr>
+              <a:tr h="481738">
+                <a:tc>
+                  <a:txBody>
+                    <a:bodyPr/>
+                    <a:lstStyle/>
+                    <a:p>
+                      <a:pPr algn="ctr" fontAlgn="ctr"/>
+                      <a:r>
+                        <a:rPr lang="en-US" sz="1800" b="1" i="0" u="none" strike="noStrike">
+                          <a:solidFill>
+                            <a:schemeClr val="tx1"/>
+                          </a:solidFill>
+                          <a:effectLst/>
+                          <a:latin typeface="Calibri" charset="0"/>
+                        </a:rPr>
+                        <a:t>2,5</a:t>
+                      </a:r>
+                    </a:p>
+                  </a:txBody>
+                  <a:tcPr marL="12700" marR="12700" marT="12700" marB="0" anchor="ctr">
+                    <a:lnL w="28575" cap="flat" cmpd="sng" algn="ctr">
+                      <a:solidFill>
+                        <a:schemeClr val="tx1"/>
+                      </a:solidFill>
+                      <a:prstDash val="solid"/>
+                      <a:round/>
+                      <a:headEnd type="none" w="med" len="med"/>
+                      <a:tailEnd type="none" w="med" len="med"/>
+                    </a:lnL>
+                    <a:lnR w="28575" cap="flat" cmpd="sng" algn="ctr">
+                      <a:solidFill>
+                        <a:schemeClr val="tx1"/>
+                      </a:solidFill>
+                      <a:prstDash val="solid"/>
+                      <a:round/>
+                      <a:headEnd type="none" w="med" len="med"/>
+                      <a:tailEnd type="none" w="med" len="med"/>
+                    </a:lnR>
+                    <a:lnT w="28575" cap="flat" cmpd="sng" algn="ctr">
+                      <a:solidFill>
+                        <a:schemeClr val="tx1"/>
+                      </a:solidFill>
+                      <a:prstDash val="solid"/>
+                      <a:round/>
+                      <a:headEnd type="none" w="med" len="med"/>
+                      <a:tailEnd type="none" w="med" len="med"/>
+                    </a:lnT>
+                    <a:lnB w="28575" cap="flat" cmpd="sng" algn="ctr">
+                      <a:solidFill>
+                        <a:schemeClr val="tx1"/>
+                      </a:solidFill>
+                      <a:prstDash val="solid"/>
+                      <a:round/>
+                      <a:headEnd type="none" w="med" len="med"/>
+                      <a:tailEnd type="none" w="med" len="med"/>
+                    </a:lnB>
+                  </a:tcPr>
+                </a:tc>
+                <a:tc>
+                  <a:txBody>
+                    <a:bodyPr/>
+                    <a:lstStyle/>
+                    <a:p>
+                      <a:pPr algn="ctr" fontAlgn="ctr"/>
+                      <a:r>
+                        <a:rPr lang="en-US" sz="1800" b="0" i="0" u="none" strike="noStrike" dirty="0">
+                          <a:solidFill>
+                            <a:schemeClr val="tx1"/>
+                          </a:solidFill>
+                          <a:effectLst/>
+                          <a:latin typeface="Calibri" charset="0"/>
+                        </a:rPr>
+                        <a:t>610,31</a:t>
+                      </a:r>
+                    </a:p>
+                  </a:txBody>
+                  <a:tcPr marL="12700" marR="12700" marT="12700" marB="0" anchor="ctr">
+                    <a:lnL w="28575" cap="flat" cmpd="sng" algn="ctr">
+                      <a:solidFill>
+                        <a:schemeClr val="tx1"/>
+                      </a:solidFill>
+                      <a:prstDash val="solid"/>
+                      <a:round/>
+                      <a:headEnd type="none" w="med" len="med"/>
+                      <a:tailEnd type="none" w="med" len="med"/>
+                    </a:lnL>
+                    <a:lnR w="28575" cap="flat" cmpd="sng" algn="ctr">
+                      <a:solidFill>
+                        <a:schemeClr val="tx1"/>
+                      </a:solidFill>
+                      <a:prstDash val="solid"/>
+                      <a:round/>
+                      <a:headEnd type="none" w="med" len="med"/>
+                      <a:tailEnd type="none" w="med" len="med"/>
+                    </a:lnR>
+                    <a:lnT w="28575" cap="flat" cmpd="sng" algn="ctr">
+                      <a:solidFill>
+                        <a:schemeClr val="tx1"/>
+                      </a:solidFill>
+                      <a:prstDash val="solid"/>
+                      <a:round/>
+                      <a:headEnd type="none" w="med" len="med"/>
+                      <a:tailEnd type="none" w="med" len="med"/>
+                    </a:lnT>
+                    <a:lnB w="28575" cap="flat" cmpd="sng" algn="ctr">
+                      <a:solidFill>
+                        <a:schemeClr val="tx1"/>
+                      </a:solidFill>
+                      <a:prstDash val="solid"/>
+                      <a:round/>
+                      <a:headEnd type="none" w="med" len="med"/>
+                      <a:tailEnd type="none" w="med" len="med"/>
+                    </a:lnB>
+                  </a:tcPr>
+                </a:tc>
+                <a:tc>
+                  <a:txBody>
+                    <a:bodyPr/>
+                    <a:lstStyle/>
+                    <a:p>
+                      <a:pPr algn="ctr" fontAlgn="ctr"/>
+                      <a:r>
+                        <a:rPr lang="en-US" sz="1800" b="0" i="0" u="none" strike="noStrike" dirty="0">
+                          <a:solidFill>
+                            <a:schemeClr val="tx1"/>
+                          </a:solidFill>
+                          <a:effectLst/>
+                          <a:latin typeface="Calibri" charset="0"/>
+                        </a:rPr>
+                        <a:t>0,3994</a:t>
+                      </a:r>
+                    </a:p>
+                  </a:txBody>
+                  <a:tcPr marL="12700" marR="12700" marT="12700" marB="0" anchor="ctr">
+                    <a:lnL w="28575" cap="flat" cmpd="sng" algn="ctr">
+                      <a:solidFill>
+                        <a:schemeClr val="tx1"/>
+                      </a:solidFill>
+                      <a:prstDash val="solid"/>
+                      <a:round/>
+                      <a:headEnd type="none" w="med" len="med"/>
+                      <a:tailEnd type="none" w="med" len="med"/>
+                    </a:lnL>
+                    <a:lnR w="28575" cap="flat" cmpd="sng" algn="ctr">
+                      <a:solidFill>
+                        <a:schemeClr val="tx1"/>
+                      </a:solidFill>
+                      <a:prstDash val="solid"/>
+                      <a:round/>
+                      <a:headEnd type="none" w="med" len="med"/>
+                      <a:tailEnd type="none" w="med" len="med"/>
+                    </a:lnR>
+                    <a:lnT w="28575" cap="flat" cmpd="sng" algn="ctr">
+                      <a:solidFill>
+                        <a:schemeClr val="tx1"/>
+                      </a:solidFill>
+                      <a:prstDash val="solid"/>
+                      <a:round/>
+                      <a:headEnd type="none" w="med" len="med"/>
+                      <a:tailEnd type="none" w="med" len="med"/>
+                    </a:lnT>
+                    <a:lnB w="28575" cap="flat" cmpd="sng" algn="ctr">
+                      <a:solidFill>
+                        <a:schemeClr val="tx1"/>
+                      </a:solidFill>
+                      <a:prstDash val="solid"/>
+                      <a:round/>
+                      <a:headEnd type="none" w="med" len="med"/>
+                      <a:tailEnd type="none" w="med" len="med"/>
+                    </a:lnB>
+                  </a:tcPr>
+                </a:tc>
+                <a:tc>
+                  <a:txBody>
+                    <a:bodyPr/>
+                    <a:lstStyle/>
+                    <a:p>
+                      <a:pPr algn="ctr" fontAlgn="ctr"/>
+                      <a:r>
+                        <a:rPr lang="en-US" sz="1800" b="0" i="0" u="none" strike="noStrike" dirty="0">
+                          <a:solidFill>
+                            <a:schemeClr val="tx1"/>
+                          </a:solidFill>
+                          <a:effectLst/>
+                          <a:latin typeface="Calibri" charset="0"/>
+                        </a:rPr>
+                        <a:t> </a:t>
+                      </a:r>
+                    </a:p>
+                  </a:txBody>
+                  <a:tcPr marL="12700" marR="12700" marT="12700" marB="0" anchor="ctr">
+                    <a:lnL w="28575" cap="flat" cmpd="sng" algn="ctr">
+                      <a:solidFill>
+                        <a:schemeClr val="tx1"/>
+                      </a:solidFill>
+                      <a:prstDash val="solid"/>
+                      <a:round/>
+                      <a:headEnd type="none" w="med" len="med"/>
+                      <a:tailEnd type="none" w="med" len="med"/>
+                    </a:lnL>
+                    <a:lnR w="28575" cap="flat" cmpd="sng" algn="ctr">
+                      <a:solidFill>
+                        <a:schemeClr val="tx1"/>
+                      </a:solidFill>
+                      <a:prstDash val="solid"/>
+                      <a:round/>
+                      <a:headEnd type="none" w="med" len="med"/>
+                      <a:tailEnd type="none" w="med" len="med"/>
+                    </a:lnR>
+                    <a:lnT w="28575" cap="flat" cmpd="sng" algn="ctr">
+                      <a:solidFill>
+                        <a:schemeClr val="tx1"/>
+                      </a:solidFill>
+                      <a:prstDash val="solid"/>
+                      <a:round/>
+                      <a:headEnd type="none" w="med" len="med"/>
+                      <a:tailEnd type="none" w="med" len="med"/>
+                    </a:lnT>
+                    <a:lnB w="28575" cap="flat" cmpd="sng" algn="ctr">
+                      <a:solidFill>
+                        <a:schemeClr val="tx1"/>
+                      </a:solidFill>
+                      <a:prstDash val="solid"/>
+                      <a:round/>
+                      <a:headEnd type="none" w="med" len="med"/>
+                      <a:tailEnd type="none" w="med" len="med"/>
+                    </a:lnB>
+                  </a:tcPr>
+                </a:tc>
+                <a:tc>
+                  <a:txBody>
+                    <a:bodyPr/>
+                    <a:lstStyle/>
+                    <a:p>
+                      <a:pPr algn="ctr" fontAlgn="ctr"/>
+                      <a:r>
+                        <a:rPr lang="en-US" sz="1800" b="0" i="0" u="none" strike="noStrike" dirty="0">
+                          <a:solidFill>
+                            <a:schemeClr val="tx1"/>
+                          </a:solidFill>
+                          <a:effectLst/>
+                          <a:latin typeface="Calibri" charset="0"/>
+                        </a:rPr>
+                        <a:t> </a:t>
+                      </a:r>
+                    </a:p>
+                  </a:txBody>
+                  <a:tcPr marL="12700" marR="12700" marT="12700" marB="0" anchor="ctr">
+                    <a:lnL w="28575" cap="flat" cmpd="sng" algn="ctr">
+                      <a:solidFill>
+                        <a:schemeClr val="tx1"/>
+                      </a:solidFill>
+                      <a:prstDash val="solid"/>
+                      <a:round/>
+                      <a:headEnd type="none" w="med" len="med"/>
+                      <a:tailEnd type="none" w="med" len="med"/>
+                    </a:lnL>
+                    <a:lnR w="28575" cap="flat" cmpd="sng" algn="ctr">
+                      <a:solidFill>
+                        <a:schemeClr val="tx1"/>
+                      </a:solidFill>
+                      <a:prstDash val="solid"/>
+                      <a:round/>
+                      <a:headEnd type="none" w="med" len="med"/>
+                      <a:tailEnd type="none" w="med" len="med"/>
+                    </a:lnR>
+                    <a:lnT w="28575" cap="flat" cmpd="sng" algn="ctr">
+                      <a:solidFill>
+                        <a:schemeClr val="tx1"/>
+                      </a:solidFill>
+                      <a:prstDash val="solid"/>
+                      <a:round/>
+                      <a:headEnd type="none" w="med" len="med"/>
+                      <a:tailEnd type="none" w="med" len="med"/>
+                    </a:lnT>
+                    <a:lnB w="28575" cap="flat" cmpd="sng" algn="ctr">
+                      <a:solidFill>
+                        <a:schemeClr val="tx1"/>
+                      </a:solidFill>
+                      <a:prstDash val="solid"/>
+                      <a:round/>
+                      <a:headEnd type="none" w="med" len="med"/>
+                      <a:tailEnd type="none" w="med" len="med"/>
+                    </a:lnB>
+                  </a:tcPr>
+                </a:tc>
+                <a:tc>
+                  <a:txBody>
+                    <a:bodyPr/>
+                    <a:lstStyle/>
+                    <a:p>
+                      <a:pPr algn="ctr" fontAlgn="ctr"/>
+                      <a:r>
+                        <a:rPr lang="en-US" sz="1800" b="0" i="0" u="none" strike="noStrike">
+                          <a:solidFill>
+                            <a:schemeClr val="tx1"/>
+                          </a:solidFill>
+                          <a:effectLst/>
+                          <a:latin typeface="Calibri" charset="0"/>
+                        </a:rPr>
+                        <a:t> </a:t>
+                      </a:r>
+                    </a:p>
+                  </a:txBody>
+                  <a:tcPr marL="12700" marR="12700" marT="12700" marB="0" anchor="ctr">
+                    <a:lnL w="28575" cap="flat" cmpd="sng" algn="ctr">
+                      <a:solidFill>
+                        <a:schemeClr val="tx1"/>
+                      </a:solidFill>
+                      <a:prstDash val="solid"/>
+                      <a:round/>
+                      <a:headEnd type="none" w="med" len="med"/>
+                      <a:tailEnd type="none" w="med" len="med"/>
+                    </a:lnL>
+                    <a:lnR w="28575" cap="flat" cmpd="sng" algn="ctr">
+                      <a:solidFill>
+                        <a:schemeClr val="tx1"/>
+                      </a:solidFill>
+                      <a:prstDash val="solid"/>
+                      <a:round/>
+                      <a:headEnd type="none" w="med" len="med"/>
+                      <a:tailEnd type="none" w="med" len="med"/>
+                    </a:lnR>
+                    <a:lnT w="28575" cap="flat" cmpd="sng" algn="ctr">
+                      <a:solidFill>
+                        <a:schemeClr val="tx1"/>
+                      </a:solidFill>
+                      <a:prstDash val="solid"/>
+                      <a:round/>
+                      <a:headEnd type="none" w="med" len="med"/>
+                      <a:tailEnd type="none" w="med" len="med"/>
+                    </a:lnT>
+                    <a:lnB w="28575" cap="flat" cmpd="sng" algn="ctr">
+                      <a:solidFill>
+                        <a:schemeClr val="tx1"/>
+                      </a:solidFill>
+                      <a:prstDash val="solid"/>
+                      <a:round/>
+                      <a:headEnd type="none" w="med" len="med"/>
+                      <a:tailEnd type="none" w="med" len="med"/>
+                    </a:lnB>
+                  </a:tcPr>
+                </a:tc>
+                <a:tc>
+                  <a:txBody>
+                    <a:bodyPr/>
+                    <a:lstStyle/>
+                    <a:p>
+                      <a:pPr algn="ctr" fontAlgn="ctr"/>
+                      <a:r>
+                        <a:rPr lang="en-US" sz="1800" b="0" i="0" u="none" strike="noStrike">
+                          <a:solidFill>
+                            <a:schemeClr val="tx1"/>
+                          </a:solidFill>
+                          <a:effectLst/>
+                          <a:latin typeface="Calibri" charset="0"/>
+                        </a:rPr>
+                        <a:t> </a:t>
+                      </a:r>
+                    </a:p>
+                  </a:txBody>
+                  <a:tcPr marL="12700" marR="12700" marT="12700" marB="0" anchor="ctr">
+                    <a:lnL w="28575" cap="flat" cmpd="sng" algn="ctr">
+                      <a:solidFill>
+                        <a:schemeClr val="tx1"/>
+                      </a:solidFill>
+                      <a:prstDash val="solid"/>
+                      <a:round/>
+                      <a:headEnd type="none" w="med" len="med"/>
+                      <a:tailEnd type="none" w="med" len="med"/>
+                    </a:lnL>
+                    <a:lnR w="28575" cap="flat" cmpd="sng" algn="ctr">
+                      <a:solidFill>
+                        <a:schemeClr val="tx1"/>
+                      </a:solidFill>
+                      <a:prstDash val="solid"/>
+                      <a:round/>
+                      <a:headEnd type="none" w="med" len="med"/>
+                      <a:tailEnd type="none" w="med" len="med"/>
+                    </a:lnR>
+                    <a:lnT w="28575" cap="flat" cmpd="sng" algn="ctr">
+                      <a:solidFill>
+                        <a:schemeClr val="tx1"/>
+                      </a:solidFill>
+                      <a:prstDash val="solid"/>
+                      <a:round/>
+                      <a:headEnd type="none" w="med" len="med"/>
+                      <a:tailEnd type="none" w="med" len="med"/>
+                    </a:lnT>
+                    <a:lnB w="28575" cap="flat" cmpd="sng" algn="ctr">
+                      <a:solidFill>
+                        <a:schemeClr val="tx1"/>
+                      </a:solidFill>
+                      <a:prstDash val="solid"/>
+                      <a:round/>
+                      <a:headEnd type="none" w="med" len="med"/>
+                      <a:tailEnd type="none" w="med" len="med"/>
+                    </a:lnB>
+                  </a:tcPr>
+                </a:tc>
+              </a:tr>
+              <a:tr h="481738">
+                <a:tc>
+                  <a:txBody>
+                    <a:bodyPr/>
+                    <a:lstStyle/>
+                    <a:p>
+                      <a:pPr algn="ctr" fontAlgn="ctr"/>
+                      <a:r>
+                        <a:rPr lang="en-US" sz="1800" b="1" i="0" u="none" strike="noStrike">
+                          <a:solidFill>
+                            <a:schemeClr val="tx1"/>
+                          </a:solidFill>
+                          <a:effectLst/>
+                          <a:latin typeface="Calibri" charset="0"/>
+                        </a:rPr>
+                        <a:t>5</a:t>
+                      </a:r>
+                    </a:p>
+                  </a:txBody>
+                  <a:tcPr marL="12700" marR="12700" marT="12700" marB="0" anchor="ctr">
+                    <a:lnL w="28575" cap="flat" cmpd="sng" algn="ctr">
+                      <a:solidFill>
+                        <a:schemeClr val="tx1"/>
+                      </a:solidFill>
+                      <a:prstDash val="solid"/>
+                      <a:round/>
+                      <a:headEnd type="none" w="med" len="med"/>
+                      <a:tailEnd type="none" w="med" len="med"/>
+                    </a:lnL>
+                    <a:lnR w="28575" cap="flat" cmpd="sng" algn="ctr">
+                      <a:solidFill>
+                        <a:schemeClr val="tx1"/>
+                      </a:solidFill>
+                      <a:prstDash val="solid"/>
+                      <a:round/>
+                      <a:headEnd type="none" w="med" len="med"/>
+                      <a:tailEnd type="none" w="med" len="med"/>
+                    </a:lnR>
+                    <a:lnT w="28575" cap="flat" cmpd="sng" algn="ctr">
+                      <a:solidFill>
+                        <a:schemeClr val="tx1"/>
+                      </a:solidFill>
+                      <a:prstDash val="solid"/>
+                      <a:round/>
+                      <a:headEnd type="none" w="med" len="med"/>
+                      <a:tailEnd type="none" w="med" len="med"/>
+                    </a:lnT>
+                    <a:lnB w="28575" cap="flat" cmpd="sng" algn="ctr">
+                      <a:solidFill>
+                        <a:schemeClr val="tx1"/>
+                      </a:solidFill>
+                      <a:prstDash val="solid"/>
+                      <a:round/>
+                      <a:headEnd type="none" w="med" len="med"/>
+                      <a:tailEnd type="none" w="med" len="med"/>
+                    </a:lnB>
+                  </a:tcPr>
+                </a:tc>
+                <a:tc>
+                  <a:txBody>
+                    <a:bodyPr/>
+                    <a:lstStyle/>
+                    <a:p>
+                      <a:pPr algn="ctr" fontAlgn="ctr"/>
+                      <a:r>
+                        <a:rPr lang="en-US" sz="1800" b="0" i="0" u="none" strike="noStrike" dirty="0">
+                          <a:solidFill>
+                            <a:schemeClr val="tx1"/>
+                          </a:solidFill>
+                          <a:effectLst/>
+                          <a:latin typeface="Calibri" charset="0"/>
+                        </a:rPr>
+                        <a:t>709,64</a:t>
+                      </a:r>
+                    </a:p>
+                  </a:txBody>
+                  <a:tcPr marL="12700" marR="12700" marT="12700" marB="0" anchor="ctr">
+                    <a:lnL w="28575" cap="flat" cmpd="sng" algn="ctr">
+                      <a:solidFill>
+                        <a:schemeClr val="tx1"/>
+                      </a:solidFill>
+                      <a:prstDash val="solid"/>
+                      <a:round/>
+                      <a:headEnd type="none" w="med" len="med"/>
+                      <a:tailEnd type="none" w="med" len="med"/>
+                    </a:lnL>
+                    <a:lnR w="28575" cap="flat" cmpd="sng" algn="ctr">
+                      <a:solidFill>
+                        <a:schemeClr val="tx1"/>
+                      </a:solidFill>
+                      <a:prstDash val="solid"/>
+                      <a:round/>
+                      <a:headEnd type="none" w="med" len="med"/>
+                      <a:tailEnd type="none" w="med" len="med"/>
+                    </a:lnR>
+                    <a:lnT w="28575" cap="flat" cmpd="sng" algn="ctr">
+                      <a:solidFill>
+                        <a:schemeClr val="tx1"/>
+                      </a:solidFill>
+                      <a:prstDash val="solid"/>
+                      <a:round/>
+                      <a:headEnd type="none" w="med" len="med"/>
+                      <a:tailEnd type="none" w="med" len="med"/>
+                    </a:lnT>
+                    <a:lnB w="28575" cap="flat" cmpd="sng" algn="ctr">
+                      <a:solidFill>
+                        <a:schemeClr val="tx1"/>
+                      </a:solidFill>
+                      <a:prstDash val="solid"/>
+                      <a:round/>
+                      <a:headEnd type="none" w="med" len="med"/>
+                      <a:tailEnd type="none" w="med" len="med"/>
+                    </a:lnB>
+                  </a:tcPr>
+                </a:tc>
+                <a:tc>
+                  <a:txBody>
+                    <a:bodyPr/>
+                    <a:lstStyle/>
+                    <a:p>
+                      <a:pPr algn="ctr" fontAlgn="ctr"/>
+                      <a:r>
+                        <a:rPr lang="en-US" sz="1800" b="0" i="0" u="none" strike="noStrike" dirty="0">
+                          <a:solidFill>
+                            <a:schemeClr val="tx1"/>
+                          </a:solidFill>
+                          <a:effectLst/>
+                          <a:latin typeface="Calibri" charset="0"/>
+                        </a:rPr>
+                        <a:t>0,4600</a:t>
+                      </a:r>
+                    </a:p>
+                  </a:txBody>
+                  <a:tcPr marL="12700" marR="12700" marT="12700" marB="0" anchor="ctr">
+                    <a:lnL w="28575" cap="flat" cmpd="sng" algn="ctr">
+                      <a:solidFill>
+                        <a:schemeClr val="tx1"/>
+                      </a:solidFill>
+                      <a:prstDash val="solid"/>
+                      <a:round/>
+                      <a:headEnd type="none" w="med" len="med"/>
+                      <a:tailEnd type="none" w="med" len="med"/>
+                    </a:lnL>
+                    <a:lnR w="28575" cap="flat" cmpd="sng" algn="ctr">
+                      <a:solidFill>
+                        <a:schemeClr val="tx1"/>
+                      </a:solidFill>
+                      <a:prstDash val="solid"/>
+                      <a:round/>
+                      <a:headEnd type="none" w="med" len="med"/>
+                      <a:tailEnd type="none" w="med" len="med"/>
+                    </a:lnR>
+                    <a:lnT w="28575" cap="flat" cmpd="sng" algn="ctr">
+                      <a:solidFill>
+                        <a:schemeClr val="tx1"/>
+                      </a:solidFill>
+                      <a:prstDash val="solid"/>
+                      <a:round/>
+                      <a:headEnd type="none" w="med" len="med"/>
+                      <a:tailEnd type="none" w="med" len="med"/>
+                    </a:lnT>
+                    <a:lnB w="28575" cap="flat" cmpd="sng" algn="ctr">
+                      <a:solidFill>
+                        <a:schemeClr val="tx1"/>
+                      </a:solidFill>
+                      <a:prstDash val="solid"/>
+                      <a:round/>
+                      <a:headEnd type="none" w="med" len="med"/>
+                      <a:tailEnd type="none" w="med" len="med"/>
+                    </a:lnB>
+                  </a:tcPr>
+                </a:tc>
+                <a:tc>
+                  <a:txBody>
+                    <a:bodyPr/>
+                    <a:lstStyle/>
+                    <a:p>
+                      <a:pPr algn="ctr" fontAlgn="ctr"/>
+                      <a:r>
+                        <a:rPr lang="en-US" sz="1800" b="0" i="0" u="none" strike="noStrike" dirty="0">
+                          <a:solidFill>
+                            <a:schemeClr val="tx1"/>
+                          </a:solidFill>
+                          <a:effectLst/>
+                          <a:latin typeface="Calibri" charset="0"/>
+                        </a:rPr>
+                        <a:t> </a:t>
+                      </a:r>
+                    </a:p>
+                  </a:txBody>
+                  <a:tcPr marL="12700" marR="12700" marT="12700" marB="0" anchor="ctr">
+                    <a:lnL w="28575" cap="flat" cmpd="sng" algn="ctr">
+                      <a:solidFill>
+                        <a:schemeClr val="tx1"/>
+                      </a:solidFill>
+                      <a:prstDash val="solid"/>
+                      <a:round/>
+                      <a:headEnd type="none" w="med" len="med"/>
+                      <a:tailEnd type="none" w="med" len="med"/>
+                    </a:lnL>
+                    <a:lnR w="28575" cap="flat" cmpd="sng" algn="ctr">
+                      <a:solidFill>
+                        <a:schemeClr val="tx1"/>
+                      </a:solidFill>
+                      <a:prstDash val="solid"/>
+                      <a:round/>
+                      <a:headEnd type="none" w="med" len="med"/>
+                      <a:tailEnd type="none" w="med" len="med"/>
+                    </a:lnR>
+                    <a:lnT w="28575" cap="flat" cmpd="sng" algn="ctr">
+                      <a:solidFill>
+                        <a:schemeClr val="tx1"/>
+                      </a:solidFill>
+                      <a:prstDash val="solid"/>
+                      <a:round/>
+                      <a:headEnd type="none" w="med" len="med"/>
+                      <a:tailEnd type="none" w="med" len="med"/>
+                    </a:lnT>
+                    <a:lnB w="28575" cap="flat" cmpd="sng" algn="ctr">
+                      <a:solidFill>
+                        <a:schemeClr val="tx1"/>
+                      </a:solidFill>
+                      <a:prstDash val="solid"/>
+                      <a:round/>
+                      <a:headEnd type="none" w="med" len="med"/>
+                      <a:tailEnd type="none" w="med" len="med"/>
+                    </a:lnB>
+                  </a:tcPr>
+                </a:tc>
+                <a:tc>
+                  <a:txBody>
+                    <a:bodyPr/>
+                    <a:lstStyle/>
+                    <a:p>
+                      <a:pPr algn="ctr" fontAlgn="ctr"/>
+                      <a:r>
+                        <a:rPr lang="en-US" sz="1800" b="0" i="0" u="none" strike="noStrike" dirty="0">
+                          <a:solidFill>
+                            <a:schemeClr val="tx1"/>
+                          </a:solidFill>
+                          <a:effectLst/>
+                          <a:latin typeface="Calibri" charset="0"/>
+                        </a:rPr>
+                        <a:t> </a:t>
+                      </a:r>
+                    </a:p>
+                  </a:txBody>
+                  <a:tcPr marL="12700" marR="12700" marT="12700" marB="0" anchor="ctr">
+                    <a:lnL w="28575" cap="flat" cmpd="sng" algn="ctr">
+                      <a:solidFill>
+                        <a:schemeClr val="tx1"/>
+                      </a:solidFill>
+                      <a:prstDash val="solid"/>
+                      <a:round/>
+                      <a:headEnd type="none" w="med" len="med"/>
+                      <a:tailEnd type="none" w="med" len="med"/>
+                    </a:lnL>
+                    <a:lnR w="28575" cap="flat" cmpd="sng" algn="ctr">
+                      <a:solidFill>
+                        <a:schemeClr val="tx1"/>
+                      </a:solidFill>
+                      <a:prstDash val="solid"/>
+                      <a:round/>
+                      <a:headEnd type="none" w="med" len="med"/>
+                      <a:tailEnd type="none" w="med" len="med"/>
+                    </a:lnR>
+                    <a:lnT w="28575" cap="flat" cmpd="sng" algn="ctr">
+                      <a:solidFill>
+                        <a:schemeClr val="tx1"/>
+                      </a:solidFill>
+                      <a:prstDash val="solid"/>
+                      <a:round/>
+                      <a:headEnd type="none" w="med" len="med"/>
+                      <a:tailEnd type="none" w="med" len="med"/>
+                    </a:lnT>
+                    <a:lnB w="28575" cap="flat" cmpd="sng" algn="ctr">
+                      <a:solidFill>
+                        <a:schemeClr val="tx1"/>
+                      </a:solidFill>
+                      <a:prstDash val="solid"/>
+                      <a:round/>
+                      <a:headEnd type="none" w="med" len="med"/>
+                      <a:tailEnd type="none" w="med" len="med"/>
+                    </a:lnB>
+                  </a:tcPr>
+                </a:tc>
+                <a:tc>
+                  <a:txBody>
+                    <a:bodyPr/>
+                    <a:lstStyle/>
+                    <a:p>
+                      <a:pPr algn="ctr" fontAlgn="ctr"/>
+                      <a:r>
+                        <a:rPr lang="en-US" sz="1800" b="0" i="0" u="none" strike="noStrike" dirty="0">
+                          <a:solidFill>
+                            <a:schemeClr val="tx1"/>
+                          </a:solidFill>
+                          <a:effectLst/>
+                          <a:latin typeface="Calibri" charset="0"/>
+                        </a:rPr>
+                        <a:t> </a:t>
+                      </a:r>
+                    </a:p>
+                  </a:txBody>
+                  <a:tcPr marL="12700" marR="12700" marT="12700" marB="0" anchor="ctr">
+                    <a:lnL w="28575" cap="flat" cmpd="sng" algn="ctr">
+                      <a:solidFill>
+                        <a:schemeClr val="tx1"/>
+                      </a:solidFill>
+                      <a:prstDash val="solid"/>
+                      <a:round/>
+                      <a:headEnd type="none" w="med" len="med"/>
+                      <a:tailEnd type="none" w="med" len="med"/>
+                    </a:lnL>
+                    <a:lnR w="28575" cap="flat" cmpd="sng" algn="ctr">
+                      <a:solidFill>
+                        <a:schemeClr val="tx1"/>
+                      </a:solidFill>
+                      <a:prstDash val="solid"/>
+                      <a:round/>
+                      <a:headEnd type="none" w="med" len="med"/>
+                      <a:tailEnd type="none" w="med" len="med"/>
+                    </a:lnR>
+                    <a:lnT w="28575" cap="flat" cmpd="sng" algn="ctr">
+                      <a:solidFill>
+                        <a:schemeClr val="tx1"/>
+                      </a:solidFill>
+                      <a:prstDash val="solid"/>
+                      <a:round/>
+                      <a:headEnd type="none" w="med" len="med"/>
+                      <a:tailEnd type="none" w="med" len="med"/>
+                    </a:lnT>
+                    <a:lnB w="28575" cap="flat" cmpd="sng" algn="ctr">
+                      <a:solidFill>
+                        <a:schemeClr val="tx1"/>
+                      </a:solidFill>
+                      <a:prstDash val="solid"/>
+                      <a:round/>
+                      <a:headEnd type="none" w="med" len="med"/>
+                      <a:tailEnd type="none" w="med" len="med"/>
+                    </a:lnB>
+                  </a:tcPr>
+                </a:tc>
+                <a:tc>
+                  <a:txBody>
+                    <a:bodyPr/>
+                    <a:lstStyle/>
+                    <a:p>
+                      <a:pPr algn="ctr" fontAlgn="ctr"/>
+                      <a:r>
+                        <a:rPr lang="en-US" sz="1800" b="0" i="0" u="none" strike="noStrike">
+                          <a:solidFill>
+                            <a:schemeClr val="tx1"/>
+                          </a:solidFill>
+                          <a:effectLst/>
+                          <a:latin typeface="Calibri" charset="0"/>
+                        </a:rPr>
+                        <a:t> </a:t>
+                      </a:r>
+                    </a:p>
+                  </a:txBody>
+                  <a:tcPr marL="12700" marR="12700" marT="12700" marB="0" anchor="ctr">
+                    <a:lnL w="28575" cap="flat" cmpd="sng" algn="ctr">
+                      <a:solidFill>
+                        <a:schemeClr val="tx1"/>
+                      </a:solidFill>
+                      <a:prstDash val="solid"/>
+                      <a:round/>
+                      <a:headEnd type="none" w="med" len="med"/>
+                      <a:tailEnd type="none" w="med" len="med"/>
+                    </a:lnL>
+                    <a:lnR w="28575" cap="flat" cmpd="sng" algn="ctr">
+                      <a:solidFill>
+                        <a:schemeClr val="tx1"/>
+                      </a:solidFill>
+                      <a:prstDash val="solid"/>
+                      <a:round/>
+                      <a:headEnd type="none" w="med" len="med"/>
+                      <a:tailEnd type="none" w="med" len="med"/>
+                    </a:lnR>
+                    <a:lnT w="28575" cap="flat" cmpd="sng" algn="ctr">
+                      <a:solidFill>
+                        <a:schemeClr val="tx1"/>
+                      </a:solidFill>
+                      <a:prstDash val="solid"/>
+                      <a:round/>
+                      <a:headEnd type="none" w="med" len="med"/>
+                      <a:tailEnd type="none" w="med" len="med"/>
+                    </a:lnT>
+                    <a:lnB w="28575" cap="flat" cmpd="sng" algn="ctr">
+                      <a:solidFill>
+                        <a:schemeClr val="tx1"/>
+                      </a:solidFill>
+                      <a:prstDash val="solid"/>
+                      <a:round/>
+                      <a:headEnd type="none" w="med" len="med"/>
+                      <a:tailEnd type="none" w="med" len="med"/>
+                    </a:lnB>
+                  </a:tcPr>
+                </a:tc>
+              </a:tr>
+              <a:tr h="481738">
+                <a:tc>
+                  <a:txBody>
+                    <a:bodyPr/>
+                    <a:lstStyle/>
+                    <a:p>
+                      <a:pPr algn="ctr" fontAlgn="ctr"/>
+                      <a:r>
+                        <a:rPr lang="en-US" sz="1800" b="1" i="0" u="none" strike="noStrike">
+                          <a:solidFill>
+                            <a:schemeClr val="tx1"/>
+                          </a:solidFill>
+                          <a:effectLst/>
+                          <a:latin typeface="Calibri" charset="0"/>
+                        </a:rPr>
+                        <a:t>7,5</a:t>
+                      </a:r>
+                    </a:p>
+                  </a:txBody>
+                  <a:tcPr marL="12700" marR="12700" marT="12700" marB="0" anchor="ctr">
+                    <a:lnL w="28575" cap="flat" cmpd="sng" algn="ctr">
+                      <a:solidFill>
+                        <a:schemeClr val="tx1"/>
+                      </a:solidFill>
+                      <a:prstDash val="solid"/>
+                      <a:round/>
+                      <a:headEnd type="none" w="med" len="med"/>
+                      <a:tailEnd type="none" w="med" len="med"/>
+                    </a:lnL>
+                    <a:lnR w="28575" cap="flat" cmpd="sng" algn="ctr">
+                      <a:solidFill>
+                        <a:schemeClr val="tx1"/>
+                      </a:solidFill>
+                      <a:prstDash val="solid"/>
+                      <a:round/>
+                      <a:headEnd type="none" w="med" len="med"/>
+                      <a:tailEnd type="none" w="med" len="med"/>
+                    </a:lnR>
+                    <a:lnT w="28575" cap="flat" cmpd="sng" algn="ctr">
+                      <a:solidFill>
+                        <a:schemeClr val="tx1"/>
+                      </a:solidFill>
+                      <a:prstDash val="solid"/>
+                      <a:round/>
+                      <a:headEnd type="none" w="med" len="med"/>
+                      <a:tailEnd type="none" w="med" len="med"/>
+                    </a:lnT>
+                    <a:lnB w="28575" cap="flat" cmpd="sng" algn="ctr">
+                      <a:solidFill>
+                        <a:schemeClr val="tx1"/>
+                      </a:solidFill>
+                      <a:prstDash val="solid"/>
+                      <a:round/>
+                      <a:headEnd type="none" w="med" len="med"/>
+                      <a:tailEnd type="none" w="med" len="med"/>
+                    </a:lnB>
+                  </a:tcPr>
+                </a:tc>
+                <a:tc>
+                  <a:txBody>
+                    <a:bodyPr/>
+                    <a:lstStyle/>
+                    <a:p>
+                      <a:pPr algn="ctr" fontAlgn="ctr"/>
+                      <a:r>
+                        <a:rPr lang="en-US" sz="1800" b="0" i="0" u="none" strike="noStrike">
+                          <a:solidFill>
+                            <a:schemeClr val="tx1"/>
+                          </a:solidFill>
+                          <a:effectLst/>
+                          <a:latin typeface="Calibri" charset="0"/>
+                        </a:rPr>
+                        <a:t>808,96</a:t>
+                      </a:r>
+                    </a:p>
+                  </a:txBody>
+                  <a:tcPr marL="12700" marR="12700" marT="12700" marB="0" anchor="ctr">
+                    <a:lnL w="28575" cap="flat" cmpd="sng" algn="ctr">
+                      <a:solidFill>
+                        <a:schemeClr val="tx1"/>
+                      </a:solidFill>
+                      <a:prstDash val="solid"/>
+                      <a:round/>
+                      <a:headEnd type="none" w="med" len="med"/>
+                      <a:tailEnd type="none" w="med" len="med"/>
+                    </a:lnL>
+                    <a:lnR w="28575" cap="flat" cmpd="sng" algn="ctr">
+                      <a:solidFill>
+                        <a:schemeClr val="tx1"/>
+                      </a:solidFill>
+                      <a:prstDash val="solid"/>
+                      <a:round/>
+                      <a:headEnd type="none" w="med" len="med"/>
+                      <a:tailEnd type="none" w="med" len="med"/>
+                    </a:lnR>
+                    <a:lnT w="28575" cap="flat" cmpd="sng" algn="ctr">
+                      <a:solidFill>
+                        <a:schemeClr val="tx1"/>
+                      </a:solidFill>
+                      <a:prstDash val="solid"/>
+                      <a:round/>
+                      <a:headEnd type="none" w="med" len="med"/>
+                      <a:tailEnd type="none" w="med" len="med"/>
+                    </a:lnT>
+                    <a:lnB w="28575" cap="flat" cmpd="sng" algn="ctr">
+                      <a:solidFill>
+                        <a:schemeClr val="tx1"/>
+                      </a:solidFill>
+                      <a:prstDash val="solid"/>
+                      <a:round/>
+                      <a:headEnd type="none" w="med" len="med"/>
+                      <a:tailEnd type="none" w="med" len="med"/>
+                    </a:lnB>
+                  </a:tcPr>
+                </a:tc>
+                <a:tc>
+                  <a:txBody>
+                    <a:bodyPr/>
+                    <a:lstStyle/>
+                    <a:p>
+                      <a:pPr algn="ctr" fontAlgn="ctr"/>
+                      <a:r>
+                        <a:rPr lang="en-US" sz="1800" b="0" i="0" u="none" strike="noStrike" dirty="0">
+                          <a:solidFill>
+                            <a:schemeClr val="tx1"/>
+                          </a:solidFill>
+                          <a:effectLst/>
+                          <a:latin typeface="Calibri" charset="0"/>
+                        </a:rPr>
+                        <a:t>0,5190</a:t>
+                      </a:r>
+                    </a:p>
+                  </a:txBody>
+                  <a:tcPr marL="12700" marR="12700" marT="12700" marB="0" anchor="ctr">
+                    <a:lnL w="28575" cap="flat" cmpd="sng" algn="ctr">
+                      <a:solidFill>
+                        <a:schemeClr val="tx1"/>
+                      </a:solidFill>
+                      <a:prstDash val="solid"/>
+                      <a:round/>
+                      <a:headEnd type="none" w="med" len="med"/>
+                      <a:tailEnd type="none" w="med" len="med"/>
+                    </a:lnL>
+                    <a:lnR w="28575" cap="flat" cmpd="sng" algn="ctr">
+                      <a:solidFill>
+                        <a:schemeClr val="tx1"/>
+                      </a:solidFill>
+                      <a:prstDash val="solid"/>
+                      <a:round/>
+                      <a:headEnd type="none" w="med" len="med"/>
+                      <a:tailEnd type="none" w="med" len="med"/>
+                    </a:lnR>
+                    <a:lnT w="28575" cap="flat" cmpd="sng" algn="ctr">
+                      <a:solidFill>
+                        <a:schemeClr val="tx1"/>
+                      </a:solidFill>
+                      <a:prstDash val="solid"/>
+                      <a:round/>
+                      <a:headEnd type="none" w="med" len="med"/>
+                      <a:tailEnd type="none" w="med" len="med"/>
+                    </a:lnT>
+                    <a:lnB w="28575" cap="flat" cmpd="sng" algn="ctr">
+                      <a:solidFill>
+                        <a:schemeClr val="tx1"/>
+                      </a:solidFill>
+                      <a:prstDash val="solid"/>
+                      <a:round/>
+                      <a:headEnd type="none" w="med" len="med"/>
+                      <a:tailEnd type="none" w="med" len="med"/>
+                    </a:lnB>
+                  </a:tcPr>
+                </a:tc>
+                <a:tc>
+                  <a:txBody>
+                    <a:bodyPr/>
+                    <a:lstStyle/>
+                    <a:p>
+                      <a:pPr algn="ctr" fontAlgn="ctr"/>
+                      <a:r>
+                        <a:rPr lang="en-US" sz="1800" b="0" i="0" u="none" strike="noStrike" dirty="0">
+                          <a:solidFill>
+                            <a:schemeClr val="tx1"/>
+                          </a:solidFill>
+                          <a:effectLst/>
+                          <a:latin typeface="Calibri" charset="0"/>
+                        </a:rPr>
+                        <a:t> </a:t>
+                      </a:r>
+                    </a:p>
+                  </a:txBody>
+                  <a:tcPr marL="12700" marR="12700" marT="12700" marB="0" anchor="ctr">
+                    <a:lnL w="28575" cap="flat" cmpd="sng" algn="ctr">
+                      <a:solidFill>
+                        <a:schemeClr val="tx1"/>
+                      </a:solidFill>
+                      <a:prstDash val="solid"/>
+                      <a:round/>
+                      <a:headEnd type="none" w="med" len="med"/>
+                      <a:tailEnd type="none" w="med" len="med"/>
+                    </a:lnL>
+                    <a:lnR w="28575" cap="flat" cmpd="sng" algn="ctr">
+                      <a:solidFill>
+                        <a:schemeClr val="tx1"/>
+                      </a:solidFill>
+                      <a:prstDash val="solid"/>
+                      <a:round/>
+                      <a:headEnd type="none" w="med" len="med"/>
+                      <a:tailEnd type="none" w="med" len="med"/>
+                    </a:lnR>
+                    <a:lnT w="28575" cap="flat" cmpd="sng" algn="ctr">
+                      <a:solidFill>
+                        <a:schemeClr val="tx1"/>
+                      </a:solidFill>
+                      <a:prstDash val="solid"/>
+                      <a:round/>
+                      <a:headEnd type="none" w="med" len="med"/>
+                      <a:tailEnd type="none" w="med" len="med"/>
+                    </a:lnT>
+                    <a:lnB w="28575" cap="flat" cmpd="sng" algn="ctr">
+                      <a:solidFill>
+                        <a:schemeClr val="tx1"/>
+                      </a:solidFill>
+                      <a:prstDash val="solid"/>
+                      <a:round/>
+                      <a:headEnd type="none" w="med" len="med"/>
+                      <a:tailEnd type="none" w="med" len="med"/>
+                    </a:lnB>
+                  </a:tcPr>
+                </a:tc>
+                <a:tc>
+                  <a:txBody>
+                    <a:bodyPr/>
+                    <a:lstStyle/>
+                    <a:p>
+                      <a:pPr algn="ctr" fontAlgn="ctr"/>
+                      <a:r>
+                        <a:rPr lang="en-US" sz="1800" b="0" i="0" u="none" strike="noStrike" dirty="0">
+                          <a:solidFill>
+                            <a:schemeClr val="tx1"/>
+                          </a:solidFill>
+                          <a:effectLst/>
+                          <a:latin typeface="Calibri" charset="0"/>
+                        </a:rPr>
+                        <a:t> </a:t>
+                      </a:r>
+                    </a:p>
+                  </a:txBody>
+                  <a:tcPr marL="12700" marR="12700" marT="12700" marB="0" anchor="ctr">
+                    <a:lnL w="28575" cap="flat" cmpd="sng" algn="ctr">
+                      <a:solidFill>
+                        <a:schemeClr val="tx1"/>
+                      </a:solidFill>
+                      <a:prstDash val="solid"/>
+                      <a:round/>
+                      <a:headEnd type="none" w="med" len="med"/>
+                      <a:tailEnd type="none" w="med" len="med"/>
+                    </a:lnL>
+                    <a:lnR w="28575" cap="flat" cmpd="sng" algn="ctr">
+                      <a:solidFill>
+                        <a:schemeClr val="tx1"/>
+                      </a:solidFill>
+                      <a:prstDash val="solid"/>
+                      <a:round/>
+                      <a:headEnd type="none" w="med" len="med"/>
+                      <a:tailEnd type="none" w="med" len="med"/>
+                    </a:lnR>
+                    <a:lnT w="28575" cap="flat" cmpd="sng" algn="ctr">
+                      <a:solidFill>
+                        <a:schemeClr val="tx1"/>
+                      </a:solidFill>
+                      <a:prstDash val="solid"/>
+                      <a:round/>
+                      <a:headEnd type="none" w="med" len="med"/>
+                      <a:tailEnd type="none" w="med" len="med"/>
+                    </a:lnT>
+                    <a:lnB w="28575" cap="flat" cmpd="sng" algn="ctr">
+                      <a:solidFill>
+                        <a:schemeClr val="tx1"/>
+                      </a:solidFill>
+                      <a:prstDash val="solid"/>
+                      <a:round/>
+                      <a:headEnd type="none" w="med" len="med"/>
+                      <a:tailEnd type="none" w="med" len="med"/>
+                    </a:lnB>
+                  </a:tcPr>
+                </a:tc>
+                <a:tc>
+                  <a:txBody>
+                    <a:bodyPr/>
+                    <a:lstStyle/>
+                    <a:p>
+                      <a:pPr algn="ctr" fontAlgn="ctr"/>
+                      <a:r>
+                        <a:rPr lang="en-US" sz="1800" b="0" i="0" u="none" strike="noStrike" dirty="0">
+                          <a:solidFill>
+                            <a:schemeClr val="tx1"/>
+                          </a:solidFill>
+                          <a:effectLst/>
+                          <a:latin typeface="Calibri" charset="0"/>
+                        </a:rPr>
+                        <a:t> </a:t>
+                      </a:r>
+                    </a:p>
+                  </a:txBody>
+                  <a:tcPr marL="12700" marR="12700" marT="12700" marB="0" anchor="ctr">
+                    <a:lnL w="28575" cap="flat" cmpd="sng" algn="ctr">
+                      <a:solidFill>
+                        <a:schemeClr val="tx1"/>
+                      </a:solidFill>
+                      <a:prstDash val="solid"/>
+                      <a:round/>
+                      <a:headEnd type="none" w="med" len="med"/>
+                      <a:tailEnd type="none" w="med" len="med"/>
+                    </a:lnL>
+                    <a:lnR w="28575" cap="flat" cmpd="sng" algn="ctr">
+                      <a:solidFill>
+                        <a:schemeClr val="tx1"/>
+                      </a:solidFill>
+                      <a:prstDash val="solid"/>
+                      <a:round/>
+                      <a:headEnd type="none" w="med" len="med"/>
+                      <a:tailEnd type="none" w="med" len="med"/>
+                    </a:lnR>
+                    <a:lnT w="28575" cap="flat" cmpd="sng" algn="ctr">
+                      <a:solidFill>
+                        <a:schemeClr val="tx1"/>
+                      </a:solidFill>
+                      <a:prstDash val="solid"/>
+                      <a:round/>
+                      <a:headEnd type="none" w="med" len="med"/>
+                      <a:tailEnd type="none" w="med" len="med"/>
+                    </a:lnT>
+                    <a:lnB w="28575" cap="flat" cmpd="sng" algn="ctr">
+                      <a:solidFill>
+                        <a:schemeClr val="tx1"/>
+                      </a:solidFill>
+                      <a:prstDash val="solid"/>
+                      <a:round/>
+                      <a:headEnd type="none" w="med" len="med"/>
+                      <a:tailEnd type="none" w="med" len="med"/>
+                    </a:lnB>
+                  </a:tcPr>
+                </a:tc>
+                <a:tc>
+                  <a:txBody>
+                    <a:bodyPr/>
+                    <a:lstStyle/>
+                    <a:p>
+                      <a:pPr algn="ctr" fontAlgn="ctr"/>
+                      <a:r>
+                        <a:rPr lang="en-US" sz="1800" b="0" i="0" u="none" strike="noStrike" dirty="0">
+                          <a:solidFill>
+                            <a:schemeClr val="tx1"/>
+                          </a:solidFill>
+                          <a:effectLst/>
+                          <a:latin typeface="Calibri" charset="0"/>
+                        </a:rPr>
+                        <a:t> </a:t>
+                      </a:r>
+                    </a:p>
+                  </a:txBody>
+                  <a:tcPr marL="12700" marR="12700" marT="12700" marB="0" anchor="ctr">
+                    <a:lnL w="28575" cap="flat" cmpd="sng" algn="ctr">
+                      <a:solidFill>
+                        <a:schemeClr val="tx1"/>
+                      </a:solidFill>
+                      <a:prstDash val="solid"/>
+                      <a:round/>
+                      <a:headEnd type="none" w="med" len="med"/>
+                      <a:tailEnd type="none" w="med" len="med"/>
+                    </a:lnL>
+                    <a:lnR w="28575" cap="flat" cmpd="sng" algn="ctr">
+                      <a:solidFill>
+                        <a:schemeClr val="tx1"/>
+                      </a:solidFill>
+                      <a:prstDash val="solid"/>
+                      <a:round/>
+                      <a:headEnd type="none" w="med" len="med"/>
+                      <a:tailEnd type="none" w="med" len="med"/>
+                    </a:lnR>
+                    <a:lnT w="28575" cap="flat" cmpd="sng" algn="ctr">
+                      <a:solidFill>
+                        <a:schemeClr val="tx1"/>
+                      </a:solidFill>
+                      <a:prstDash val="solid"/>
+                      <a:round/>
+                      <a:headEnd type="none" w="med" len="med"/>
+                      <a:tailEnd type="none" w="med" len="med"/>
+                    </a:lnT>
+                    <a:lnB w="28575" cap="flat" cmpd="sng" algn="ctr">
+                      <a:solidFill>
+                        <a:schemeClr val="tx1"/>
+                      </a:solidFill>
+                      <a:prstDash val="solid"/>
+                      <a:round/>
+                      <a:headEnd type="none" w="med" len="med"/>
+                      <a:tailEnd type="none" w="med" len="med"/>
+                    </a:lnB>
+                  </a:tcPr>
+                </a:tc>
+              </a:tr>
+              <a:tr h="481738">
+                <a:tc>
+                  <a:txBody>
+                    <a:bodyPr/>
+                    <a:lstStyle/>
+                    <a:p>
+                      <a:pPr algn="ctr" fontAlgn="ctr"/>
+                      <a:r>
+                        <a:rPr lang="en-US" sz="1800" b="1" i="0" u="none" strike="noStrike">
+                          <a:solidFill>
+                            <a:schemeClr val="tx1"/>
+                          </a:solidFill>
+                          <a:effectLst/>
+                          <a:latin typeface="Calibri" charset="0"/>
+                        </a:rPr>
+                        <a:t>10</a:t>
+                      </a:r>
+                    </a:p>
+                  </a:txBody>
+                  <a:tcPr marL="12700" marR="12700" marT="12700" marB="0" anchor="ctr">
+                    <a:lnL w="28575" cap="flat" cmpd="sng" algn="ctr">
+                      <a:solidFill>
+                        <a:schemeClr val="tx1"/>
+                      </a:solidFill>
+                      <a:prstDash val="solid"/>
+                      <a:round/>
+                      <a:headEnd type="none" w="med" len="med"/>
+                      <a:tailEnd type="none" w="med" len="med"/>
+                    </a:lnL>
+                    <a:lnR w="28575" cap="flat" cmpd="sng" algn="ctr">
+                      <a:solidFill>
+                        <a:schemeClr val="tx1"/>
+                      </a:solidFill>
+                      <a:prstDash val="solid"/>
+                      <a:round/>
+                      <a:headEnd type="none" w="med" len="med"/>
+                      <a:tailEnd type="none" w="med" len="med"/>
+                    </a:lnR>
+                    <a:lnT w="28575" cap="flat" cmpd="sng" algn="ctr">
+                      <a:solidFill>
+                        <a:schemeClr val="tx1"/>
+                      </a:solidFill>
+                      <a:prstDash val="solid"/>
+                      <a:round/>
+                      <a:headEnd type="none" w="med" len="med"/>
+                      <a:tailEnd type="none" w="med" len="med"/>
+                    </a:lnT>
+                    <a:lnB w="28575" cap="flat" cmpd="sng" algn="ctr">
+                      <a:solidFill>
+                        <a:schemeClr val="tx1"/>
+                      </a:solidFill>
+                      <a:prstDash val="solid"/>
+                      <a:round/>
+                      <a:headEnd type="none" w="med" len="med"/>
+                      <a:tailEnd type="none" w="med" len="med"/>
+                    </a:lnB>
+                  </a:tcPr>
+                </a:tc>
+                <a:tc>
+                  <a:txBody>
+                    <a:bodyPr/>
+                    <a:lstStyle/>
+                    <a:p>
+                      <a:pPr algn="ctr" fontAlgn="ctr"/>
+                      <a:r>
+                        <a:rPr lang="en-US" sz="1800" b="0" i="0" u="none" strike="noStrike">
+                          <a:solidFill>
+                            <a:schemeClr val="tx1"/>
+                          </a:solidFill>
+                          <a:effectLst/>
+                          <a:latin typeface="Calibri" charset="0"/>
+                        </a:rPr>
+                        <a:t>908,29</a:t>
+                      </a:r>
+                    </a:p>
+                  </a:txBody>
+                  <a:tcPr marL="12700" marR="12700" marT="12700" marB="0" anchor="ctr">
+                    <a:lnL w="28575" cap="flat" cmpd="sng" algn="ctr">
+                      <a:solidFill>
+                        <a:schemeClr val="tx1"/>
+                      </a:solidFill>
+                      <a:prstDash val="solid"/>
+                      <a:round/>
+                      <a:headEnd type="none" w="med" len="med"/>
+                      <a:tailEnd type="none" w="med" len="med"/>
+                    </a:lnL>
+                    <a:lnR w="28575" cap="flat" cmpd="sng" algn="ctr">
+                      <a:solidFill>
+                        <a:schemeClr val="tx1"/>
+                      </a:solidFill>
+                      <a:prstDash val="solid"/>
+                      <a:round/>
+                      <a:headEnd type="none" w="med" len="med"/>
+                      <a:tailEnd type="none" w="med" len="med"/>
+                    </a:lnR>
+                    <a:lnT w="28575" cap="flat" cmpd="sng" algn="ctr">
+                      <a:solidFill>
+                        <a:schemeClr val="tx1"/>
+                      </a:solidFill>
+                      <a:prstDash val="solid"/>
+                      <a:round/>
+                      <a:headEnd type="none" w="med" len="med"/>
+                      <a:tailEnd type="none" w="med" len="med"/>
+                    </a:lnT>
+                    <a:lnB w="28575" cap="flat" cmpd="sng" algn="ctr">
+                      <a:solidFill>
+                        <a:schemeClr val="tx1"/>
+                      </a:solidFill>
+                      <a:prstDash val="solid"/>
+                      <a:round/>
+                      <a:headEnd type="none" w="med" len="med"/>
+                      <a:tailEnd type="none" w="med" len="med"/>
+                    </a:lnB>
+                  </a:tcPr>
+                </a:tc>
+                <a:tc>
+                  <a:txBody>
+                    <a:bodyPr/>
+                    <a:lstStyle/>
+                    <a:p>
+                      <a:pPr algn="ctr" fontAlgn="ctr"/>
+                      <a:r>
+                        <a:rPr lang="en-US" sz="1800" b="0" i="0" u="none" strike="noStrike">
+                          <a:solidFill>
+                            <a:schemeClr val="tx1"/>
+                          </a:solidFill>
+                          <a:effectLst/>
+                          <a:latin typeface="Calibri" charset="0"/>
+                        </a:rPr>
+                        <a:t>0,5765</a:t>
+                      </a:r>
+                    </a:p>
+                  </a:txBody>
+                  <a:tcPr marL="12700" marR="12700" marT="12700" marB="0" anchor="ctr">
+                    <a:lnL w="28575" cap="flat" cmpd="sng" algn="ctr">
+                      <a:solidFill>
+                        <a:schemeClr val="tx1"/>
+                      </a:solidFill>
+                      <a:prstDash val="solid"/>
+                      <a:round/>
+                      <a:headEnd type="none" w="med" len="med"/>
+                      <a:tailEnd type="none" w="med" len="med"/>
+                    </a:lnL>
+                    <a:lnR w="28575" cap="flat" cmpd="sng" algn="ctr">
+                      <a:solidFill>
+                        <a:schemeClr val="tx1"/>
+                      </a:solidFill>
+                      <a:prstDash val="solid"/>
+                      <a:round/>
+                      <a:headEnd type="none" w="med" len="med"/>
+                      <a:tailEnd type="none" w="med" len="med"/>
+                    </a:lnR>
+                    <a:lnT w="28575" cap="flat" cmpd="sng" algn="ctr">
+                      <a:solidFill>
+                        <a:schemeClr val="tx1"/>
+                      </a:solidFill>
+                      <a:prstDash val="solid"/>
+                      <a:round/>
+                      <a:headEnd type="none" w="med" len="med"/>
+                      <a:tailEnd type="none" w="med" len="med"/>
+                    </a:lnT>
+                    <a:lnB w="28575" cap="flat" cmpd="sng" algn="ctr">
+                      <a:solidFill>
+                        <a:schemeClr val="tx1"/>
+                      </a:solidFill>
+                      <a:prstDash val="solid"/>
+                      <a:round/>
+                      <a:headEnd type="none" w="med" len="med"/>
+                      <a:tailEnd type="none" w="med" len="med"/>
+                    </a:lnB>
+                  </a:tcPr>
+                </a:tc>
+                <a:tc>
+                  <a:txBody>
+                    <a:bodyPr/>
+                    <a:lstStyle/>
+                    <a:p>
+                      <a:pPr algn="ctr" fontAlgn="ctr"/>
+                      <a:r>
+                        <a:rPr lang="en-US" sz="1800" b="0" i="0" u="none" strike="noStrike" dirty="0">
+                          <a:solidFill>
+                            <a:schemeClr val="tx1"/>
+                          </a:solidFill>
+                          <a:effectLst/>
+                          <a:latin typeface="Calibri" charset="0"/>
+                        </a:rPr>
+                        <a:t> </a:t>
+                      </a:r>
+                    </a:p>
+                  </a:txBody>
+                  <a:tcPr marL="12700" marR="12700" marT="12700" marB="0" anchor="ctr">
+                    <a:lnL w="28575" cap="flat" cmpd="sng" algn="ctr">
+                      <a:solidFill>
+                        <a:schemeClr val="tx1"/>
+                      </a:solidFill>
+                      <a:prstDash val="solid"/>
+                      <a:round/>
+                      <a:headEnd type="none" w="med" len="med"/>
+                      <a:tailEnd type="none" w="med" len="med"/>
+                    </a:lnL>
+                    <a:lnR w="28575" cap="flat" cmpd="sng" algn="ctr">
+                      <a:solidFill>
+                        <a:schemeClr val="tx1"/>
+                      </a:solidFill>
+                      <a:prstDash val="solid"/>
+                      <a:round/>
+                      <a:headEnd type="none" w="med" len="med"/>
+                      <a:tailEnd type="none" w="med" len="med"/>
+                    </a:lnR>
+                    <a:lnT w="28575" cap="flat" cmpd="sng" algn="ctr">
+                      <a:solidFill>
+                        <a:schemeClr val="tx1"/>
+                      </a:solidFill>
+                      <a:prstDash val="solid"/>
+                      <a:round/>
+                      <a:headEnd type="none" w="med" len="med"/>
+                      <a:tailEnd type="none" w="med" len="med"/>
+                    </a:lnT>
+                    <a:lnB w="28575" cap="flat" cmpd="sng" algn="ctr">
+                      <a:solidFill>
+                        <a:schemeClr val="tx1"/>
+                      </a:solidFill>
+                      <a:prstDash val="solid"/>
+                      <a:round/>
+                      <a:headEnd type="none" w="med" len="med"/>
+                      <a:tailEnd type="none" w="med" len="med"/>
+                    </a:lnB>
+                  </a:tcPr>
+                </a:tc>
+                <a:tc>
+                  <a:txBody>
+                    <a:bodyPr/>
+                    <a:lstStyle/>
+                    <a:p>
+                      <a:pPr algn="ctr" fontAlgn="ctr"/>
+                      <a:r>
+                        <a:rPr lang="en-US" sz="1800" b="0" i="0" u="none" strike="noStrike" dirty="0">
+                          <a:solidFill>
+                            <a:schemeClr val="tx1"/>
+                          </a:solidFill>
+                          <a:effectLst/>
+                          <a:latin typeface="Calibri" charset="0"/>
+                        </a:rPr>
+                        <a:t> </a:t>
+                      </a:r>
+                    </a:p>
+                  </a:txBody>
+                  <a:tcPr marL="12700" marR="12700" marT="12700" marB="0" anchor="ctr">
+                    <a:lnL w="28575" cap="flat" cmpd="sng" algn="ctr">
+                      <a:solidFill>
+                        <a:schemeClr val="tx1"/>
+                      </a:solidFill>
+                      <a:prstDash val="solid"/>
+                      <a:round/>
+                      <a:headEnd type="none" w="med" len="med"/>
+                      <a:tailEnd type="none" w="med" len="med"/>
+                    </a:lnL>
+                    <a:lnR w="28575" cap="flat" cmpd="sng" algn="ctr">
+                      <a:solidFill>
+                        <a:schemeClr val="tx1"/>
+                      </a:solidFill>
+                      <a:prstDash val="solid"/>
+                      <a:round/>
+                      <a:headEnd type="none" w="med" len="med"/>
+                      <a:tailEnd type="none" w="med" len="med"/>
+                    </a:lnR>
+                    <a:lnT w="28575" cap="flat" cmpd="sng" algn="ctr">
+                      <a:solidFill>
+                        <a:schemeClr val="tx1"/>
+                      </a:solidFill>
+                      <a:prstDash val="solid"/>
+                      <a:round/>
+                      <a:headEnd type="none" w="med" len="med"/>
+                      <a:tailEnd type="none" w="med" len="med"/>
+                    </a:lnT>
+                    <a:lnB w="28575" cap="flat" cmpd="sng" algn="ctr">
+                      <a:solidFill>
+                        <a:schemeClr val="tx1"/>
+                      </a:solidFill>
+                      <a:prstDash val="solid"/>
+                      <a:round/>
+                      <a:headEnd type="none" w="med" len="med"/>
+                      <a:tailEnd type="none" w="med" len="med"/>
+                    </a:lnB>
+                  </a:tcPr>
+                </a:tc>
+                <a:tc>
+                  <a:txBody>
+                    <a:bodyPr/>
+                    <a:lstStyle/>
+                    <a:p>
+                      <a:pPr algn="ctr" fontAlgn="ctr"/>
+                      <a:r>
+                        <a:rPr lang="en-US" sz="1800" b="0" i="0" u="none" strike="noStrike" dirty="0">
+                          <a:solidFill>
+                            <a:schemeClr val="tx1"/>
+                          </a:solidFill>
+                          <a:effectLst/>
+                          <a:latin typeface="Calibri" charset="0"/>
+                        </a:rPr>
+                        <a:t> </a:t>
+                      </a:r>
+                    </a:p>
+                  </a:txBody>
+                  <a:tcPr marL="12700" marR="12700" marT="12700" marB="0" anchor="ctr">
+                    <a:lnL w="28575" cap="flat" cmpd="sng" algn="ctr">
+                      <a:solidFill>
+                        <a:schemeClr val="tx1"/>
+                      </a:solidFill>
+                      <a:prstDash val="solid"/>
+                      <a:round/>
+                      <a:headEnd type="none" w="med" len="med"/>
+                      <a:tailEnd type="none" w="med" len="med"/>
+                    </a:lnL>
+                    <a:lnR w="28575" cap="flat" cmpd="sng" algn="ctr">
+                      <a:solidFill>
+                        <a:schemeClr val="tx1"/>
+                      </a:solidFill>
+                      <a:prstDash val="solid"/>
+                      <a:round/>
+                      <a:headEnd type="none" w="med" len="med"/>
+                      <a:tailEnd type="none" w="med" len="med"/>
+                    </a:lnR>
+                    <a:lnT w="28575" cap="flat" cmpd="sng" algn="ctr">
+                      <a:solidFill>
+                        <a:schemeClr val="tx1"/>
+                      </a:solidFill>
+                      <a:prstDash val="solid"/>
+                      <a:round/>
+                      <a:headEnd type="none" w="med" len="med"/>
+                      <a:tailEnd type="none" w="med" len="med"/>
+                    </a:lnT>
+                    <a:lnB w="28575" cap="flat" cmpd="sng" algn="ctr">
+                      <a:solidFill>
+                        <a:schemeClr val="tx1"/>
+                      </a:solidFill>
+                      <a:prstDash val="solid"/>
+                      <a:round/>
+                      <a:headEnd type="none" w="med" len="med"/>
+                      <a:tailEnd type="none" w="med" len="med"/>
+                    </a:lnB>
+                  </a:tcPr>
+                </a:tc>
+                <a:tc>
+                  <a:txBody>
+                    <a:bodyPr/>
+                    <a:lstStyle/>
+                    <a:p>
+                      <a:pPr algn="ctr" fontAlgn="ctr"/>
+                      <a:r>
+                        <a:rPr lang="en-US" sz="1800" b="0" i="0" u="none" strike="noStrike" dirty="0">
+                          <a:solidFill>
+                            <a:schemeClr val="tx1"/>
+                          </a:solidFill>
+                          <a:effectLst/>
+                          <a:latin typeface="Calibri" charset="0"/>
+                        </a:rPr>
+                        <a:t> </a:t>
+                      </a:r>
+                    </a:p>
+                  </a:txBody>
+                  <a:tcPr marL="12700" marR="12700" marT="12700" marB="0" anchor="ctr">
+                    <a:lnL w="28575" cap="flat" cmpd="sng" algn="ctr">
+                      <a:solidFill>
+                        <a:schemeClr val="tx1"/>
+                      </a:solidFill>
+                      <a:prstDash val="solid"/>
+                      <a:round/>
+                      <a:headEnd type="none" w="med" len="med"/>
+                      <a:tailEnd type="none" w="med" len="med"/>
+                    </a:lnL>
+                    <a:lnR w="28575" cap="flat" cmpd="sng" algn="ctr">
+                      <a:solidFill>
+                        <a:schemeClr val="tx1"/>
+                      </a:solidFill>
+                      <a:prstDash val="solid"/>
+                      <a:round/>
+                      <a:headEnd type="none" w="med" len="med"/>
+                      <a:tailEnd type="none" w="med" len="med"/>
+                    </a:lnR>
+                    <a:lnT w="28575" cap="flat" cmpd="sng" algn="ctr">
+                      <a:solidFill>
+                        <a:schemeClr val="tx1"/>
+                      </a:solidFill>
+                      <a:prstDash val="solid"/>
+                      <a:round/>
+                      <a:headEnd type="none" w="med" len="med"/>
+                      <a:tailEnd type="none" w="med" len="med"/>
+                    </a:lnT>
+                    <a:lnB w="28575" cap="flat" cmpd="sng" algn="ctr">
+                      <a:solidFill>
+                        <a:schemeClr val="tx1"/>
+                      </a:solidFill>
+                      <a:prstDash val="solid"/>
+                      <a:round/>
+                      <a:headEnd type="none" w="med" len="med"/>
+                      <a:tailEnd type="none" w="med" len="med"/>
+                    </a:lnB>
+                  </a:tcPr>
+                </a:tc>
+              </a:tr>
+              <a:tr h="481738">
+                <a:tc>
+                  <a:txBody>
+                    <a:bodyPr/>
+                    <a:lstStyle/>
+                    <a:p>
+                      <a:pPr algn="ctr" fontAlgn="ctr"/>
+                      <a:r>
+                        <a:rPr lang="en-US" sz="1800" b="1" i="0" u="none" strike="noStrike">
+                          <a:solidFill>
+                            <a:schemeClr val="tx1"/>
+                          </a:solidFill>
+                          <a:effectLst/>
+                          <a:latin typeface="Calibri" charset="0"/>
+                        </a:rPr>
+                        <a:t>12,5</a:t>
+                      </a:r>
+                    </a:p>
+                  </a:txBody>
+                  <a:tcPr marL="12700" marR="12700" marT="12700" marB="0" anchor="ctr">
+                    <a:lnL w="28575" cap="flat" cmpd="sng" algn="ctr">
+                      <a:solidFill>
+                        <a:schemeClr val="tx1"/>
+                      </a:solidFill>
+                      <a:prstDash val="solid"/>
+                      <a:round/>
+                      <a:headEnd type="none" w="med" len="med"/>
+                      <a:tailEnd type="none" w="med" len="med"/>
+                    </a:lnL>
+                    <a:lnR w="28575" cap="flat" cmpd="sng" algn="ctr">
+                      <a:solidFill>
+                        <a:schemeClr val="tx1"/>
+                      </a:solidFill>
+                      <a:prstDash val="solid"/>
+                      <a:round/>
+                      <a:headEnd type="none" w="med" len="med"/>
+                      <a:tailEnd type="none" w="med" len="med"/>
+                    </a:lnR>
+                    <a:lnT w="28575" cap="flat" cmpd="sng" algn="ctr">
+                      <a:solidFill>
+                        <a:schemeClr val="tx1"/>
+                      </a:solidFill>
+                      <a:prstDash val="solid"/>
+                      <a:round/>
+                      <a:headEnd type="none" w="med" len="med"/>
+                      <a:tailEnd type="none" w="med" len="med"/>
+                    </a:lnT>
+                    <a:lnB w="28575" cap="flat" cmpd="sng" algn="ctr">
+                      <a:solidFill>
+                        <a:schemeClr val="tx1"/>
+                      </a:solidFill>
+                      <a:prstDash val="solid"/>
+                      <a:round/>
+                      <a:headEnd type="none" w="med" len="med"/>
+                      <a:tailEnd type="none" w="med" len="med"/>
+                    </a:lnB>
+                  </a:tcPr>
+                </a:tc>
+                <a:tc>
+                  <a:txBody>
+                    <a:bodyPr/>
+                    <a:lstStyle/>
+                    <a:p>
+                      <a:pPr algn="ctr" fontAlgn="ctr"/>
+                      <a:r>
+                        <a:rPr lang="en-US" sz="1800" b="0" i="0" u="none" strike="noStrike">
+                          <a:solidFill>
+                            <a:schemeClr val="tx1"/>
+                          </a:solidFill>
+                          <a:effectLst/>
+                          <a:latin typeface="Calibri" charset="0"/>
+                        </a:rPr>
+                        <a:t>1007,61</a:t>
+                      </a:r>
+                    </a:p>
+                  </a:txBody>
+                  <a:tcPr marL="12700" marR="12700" marT="12700" marB="0" anchor="ctr">
+                    <a:lnL w="28575" cap="flat" cmpd="sng" algn="ctr">
+                      <a:solidFill>
+                        <a:schemeClr val="tx1"/>
+                      </a:solidFill>
+                      <a:prstDash val="solid"/>
+                      <a:round/>
+                      <a:headEnd type="none" w="med" len="med"/>
+                      <a:tailEnd type="none" w="med" len="med"/>
+                    </a:lnL>
+                    <a:lnR w="28575" cap="flat" cmpd="sng" algn="ctr">
+                      <a:solidFill>
+                        <a:schemeClr val="tx1"/>
+                      </a:solidFill>
+                      <a:prstDash val="solid"/>
+                      <a:round/>
+                      <a:headEnd type="none" w="med" len="med"/>
+                      <a:tailEnd type="none" w="med" len="med"/>
+                    </a:lnR>
+                    <a:lnT w="28575" cap="flat" cmpd="sng" algn="ctr">
+                      <a:solidFill>
+                        <a:schemeClr val="tx1"/>
+                      </a:solidFill>
+                      <a:prstDash val="solid"/>
+                      <a:round/>
+                      <a:headEnd type="none" w="med" len="med"/>
+                      <a:tailEnd type="none" w="med" len="med"/>
+                    </a:lnT>
+                    <a:lnB w="28575" cap="flat" cmpd="sng" algn="ctr">
+                      <a:solidFill>
+                        <a:schemeClr val="tx1"/>
+                      </a:solidFill>
+                      <a:prstDash val="solid"/>
+                      <a:round/>
+                      <a:headEnd type="none" w="med" len="med"/>
+                      <a:tailEnd type="none" w="med" len="med"/>
+                    </a:lnB>
+                  </a:tcPr>
+                </a:tc>
+                <a:tc>
+                  <a:txBody>
+                    <a:bodyPr/>
+                    <a:lstStyle/>
+                    <a:p>
+                      <a:pPr algn="ctr" fontAlgn="ctr"/>
+                      <a:r>
+                        <a:rPr lang="en-US" sz="1800" b="0" i="0" u="none" strike="noStrike">
+                          <a:solidFill>
+                            <a:schemeClr val="tx1"/>
+                          </a:solidFill>
+                          <a:effectLst/>
+                          <a:latin typeface="Calibri" charset="0"/>
+                        </a:rPr>
+                        <a:t>0,6324</a:t>
+                      </a:r>
+                    </a:p>
+                  </a:txBody>
+                  <a:tcPr marL="12700" marR="12700" marT="12700" marB="0" anchor="ctr">
+                    <a:lnL w="28575" cap="flat" cmpd="sng" algn="ctr">
+                      <a:solidFill>
+                        <a:schemeClr val="tx1"/>
+                      </a:solidFill>
+                      <a:prstDash val="solid"/>
+                      <a:round/>
+                      <a:headEnd type="none" w="med" len="med"/>
+                      <a:tailEnd type="none" w="med" len="med"/>
+                    </a:lnL>
+                    <a:lnR w="28575" cap="flat" cmpd="sng" algn="ctr">
+                      <a:solidFill>
+                        <a:schemeClr val="tx1"/>
+                      </a:solidFill>
+                      <a:prstDash val="solid"/>
+                      <a:round/>
+                      <a:headEnd type="none" w="med" len="med"/>
+                      <a:tailEnd type="none" w="med" len="med"/>
+                    </a:lnR>
+                    <a:lnT w="28575" cap="flat" cmpd="sng" algn="ctr">
+                      <a:solidFill>
+                        <a:schemeClr val="tx1"/>
+                      </a:solidFill>
+                      <a:prstDash val="solid"/>
+                      <a:round/>
+                      <a:headEnd type="none" w="med" len="med"/>
+                      <a:tailEnd type="none" w="med" len="med"/>
+                    </a:lnT>
+                    <a:lnB w="28575" cap="flat" cmpd="sng" algn="ctr">
+                      <a:solidFill>
+                        <a:schemeClr val="tx1"/>
+                      </a:solidFill>
+                      <a:prstDash val="solid"/>
+                      <a:round/>
+                      <a:headEnd type="none" w="med" len="med"/>
+                      <a:tailEnd type="none" w="med" len="med"/>
+                    </a:lnB>
+                  </a:tcPr>
+                </a:tc>
+                <a:tc>
+                  <a:txBody>
+                    <a:bodyPr/>
+                    <a:lstStyle/>
+                    <a:p>
+                      <a:pPr algn="ctr" fontAlgn="ctr"/>
+                      <a:r>
+                        <a:rPr lang="en-US" sz="1800" b="0" i="0" u="none" strike="noStrike" dirty="0">
+                          <a:solidFill>
+                            <a:schemeClr val="tx1"/>
+                          </a:solidFill>
+                          <a:effectLst/>
+                          <a:latin typeface="Calibri" charset="0"/>
+                        </a:rPr>
+                        <a:t> </a:t>
+                      </a:r>
+                    </a:p>
+                  </a:txBody>
+                  <a:tcPr marL="12700" marR="12700" marT="12700" marB="0" anchor="ctr">
+                    <a:lnL w="28575" cap="flat" cmpd="sng" algn="ctr">
+                      <a:solidFill>
+                        <a:schemeClr val="tx1"/>
+                      </a:solidFill>
+                      <a:prstDash val="solid"/>
+                      <a:round/>
+                      <a:headEnd type="none" w="med" len="med"/>
+                      <a:tailEnd type="none" w="med" len="med"/>
+                    </a:lnL>
+                    <a:lnR w="28575" cap="flat" cmpd="sng" algn="ctr">
+                      <a:solidFill>
+                        <a:schemeClr val="tx1"/>
+                      </a:solidFill>
+                      <a:prstDash val="solid"/>
+                      <a:round/>
+                      <a:headEnd type="none" w="med" len="med"/>
+                      <a:tailEnd type="none" w="med" len="med"/>
+                    </a:lnR>
+                    <a:lnT w="28575" cap="flat" cmpd="sng" algn="ctr">
+                      <a:solidFill>
+                        <a:schemeClr val="tx1"/>
+                      </a:solidFill>
+                      <a:prstDash val="solid"/>
+                      <a:round/>
+                      <a:headEnd type="none" w="med" len="med"/>
+                      <a:tailEnd type="none" w="med" len="med"/>
+                    </a:lnT>
+                    <a:lnB w="28575" cap="flat" cmpd="sng" algn="ctr">
+                      <a:solidFill>
+                        <a:schemeClr val="tx1"/>
+                      </a:solidFill>
+                      <a:prstDash val="solid"/>
+                      <a:round/>
+                      <a:headEnd type="none" w="med" len="med"/>
+                      <a:tailEnd type="none" w="med" len="med"/>
+                    </a:lnB>
+                  </a:tcPr>
+                </a:tc>
+                <a:tc>
+                  <a:txBody>
+                    <a:bodyPr/>
+                    <a:lstStyle/>
+                    <a:p>
+                      <a:pPr algn="ctr" fontAlgn="ctr"/>
+                      <a:r>
+                        <a:rPr lang="en-US" sz="1800" b="0" i="0" u="none" strike="noStrike" dirty="0">
+                          <a:solidFill>
+                            <a:schemeClr val="tx1"/>
+                          </a:solidFill>
+                          <a:effectLst/>
+                          <a:latin typeface="Calibri" charset="0"/>
+                        </a:rPr>
+                        <a:t> </a:t>
+                      </a:r>
+                    </a:p>
+                  </a:txBody>
+                  <a:tcPr marL="12700" marR="12700" marT="12700" marB="0" anchor="ctr">
+                    <a:lnL w="28575" cap="flat" cmpd="sng" algn="ctr">
+                      <a:solidFill>
+                        <a:schemeClr val="tx1"/>
+                      </a:solidFill>
+                      <a:prstDash val="solid"/>
+                      <a:round/>
+                      <a:headEnd type="none" w="med" len="med"/>
+                      <a:tailEnd type="none" w="med" len="med"/>
+                    </a:lnL>
+                    <a:lnR w="28575" cap="flat" cmpd="sng" algn="ctr">
+                      <a:solidFill>
+                        <a:schemeClr val="tx1"/>
+                      </a:solidFill>
+                      <a:prstDash val="solid"/>
+                      <a:round/>
+                      <a:headEnd type="none" w="med" len="med"/>
+                      <a:tailEnd type="none" w="med" len="med"/>
+                    </a:lnR>
+                    <a:lnT w="28575" cap="flat" cmpd="sng" algn="ctr">
+                      <a:solidFill>
+                        <a:schemeClr val="tx1"/>
+                      </a:solidFill>
+                      <a:prstDash val="solid"/>
+                      <a:round/>
+                      <a:headEnd type="none" w="med" len="med"/>
+                      <a:tailEnd type="none" w="med" len="med"/>
+                    </a:lnT>
+                    <a:lnB w="28575" cap="flat" cmpd="sng" algn="ctr">
+                      <a:solidFill>
+                        <a:schemeClr val="tx1"/>
+                      </a:solidFill>
+                      <a:prstDash val="solid"/>
+                      <a:round/>
+                      <a:headEnd type="none" w="med" len="med"/>
+                      <a:tailEnd type="none" w="med" len="med"/>
+                    </a:lnB>
+                  </a:tcPr>
+                </a:tc>
+                <a:tc>
+                  <a:txBody>
+                    <a:bodyPr/>
+                    <a:lstStyle/>
+                    <a:p>
+                      <a:pPr algn="ctr" fontAlgn="ctr"/>
+                      <a:r>
+                        <a:rPr lang="en-US" sz="1800" b="0" i="0" u="none" strike="noStrike" dirty="0">
+                          <a:solidFill>
+                            <a:schemeClr val="tx1"/>
+                          </a:solidFill>
+                          <a:effectLst/>
+                          <a:latin typeface="Calibri" charset="0"/>
+                        </a:rPr>
+                        <a:t> </a:t>
+                      </a:r>
+                    </a:p>
+                  </a:txBody>
+                  <a:tcPr marL="12700" marR="12700" marT="12700" marB="0" anchor="ctr">
+                    <a:lnL w="28575" cap="flat" cmpd="sng" algn="ctr">
+                      <a:solidFill>
+                        <a:schemeClr val="tx1"/>
+                      </a:solidFill>
+                      <a:prstDash val="solid"/>
+                      <a:round/>
+                      <a:headEnd type="none" w="med" len="med"/>
+                      <a:tailEnd type="none" w="med" len="med"/>
+                    </a:lnL>
+                    <a:lnR w="28575" cap="flat" cmpd="sng" algn="ctr">
+                      <a:solidFill>
+                        <a:schemeClr val="tx1"/>
+                      </a:solidFill>
+                      <a:prstDash val="solid"/>
+                      <a:round/>
+                      <a:headEnd type="none" w="med" len="med"/>
+                      <a:tailEnd type="none" w="med" len="med"/>
+                    </a:lnR>
+                    <a:lnT w="28575" cap="flat" cmpd="sng" algn="ctr">
+                      <a:solidFill>
+                        <a:schemeClr val="tx1"/>
+                      </a:solidFill>
+                      <a:prstDash val="solid"/>
+                      <a:round/>
+                      <a:headEnd type="none" w="med" len="med"/>
+                      <a:tailEnd type="none" w="med" len="med"/>
+                    </a:lnT>
+                    <a:lnB w="28575" cap="flat" cmpd="sng" algn="ctr">
+                      <a:solidFill>
+                        <a:schemeClr val="tx1"/>
+                      </a:solidFill>
+                      <a:prstDash val="solid"/>
+                      <a:round/>
+                      <a:headEnd type="none" w="med" len="med"/>
+                      <a:tailEnd type="none" w="med" len="med"/>
+                    </a:lnB>
+                  </a:tcPr>
+                </a:tc>
+                <a:tc>
+                  <a:txBody>
+                    <a:bodyPr/>
+                    <a:lstStyle/>
+                    <a:p>
+                      <a:pPr algn="ctr" fontAlgn="ctr"/>
+                      <a:r>
+                        <a:rPr lang="en-US" sz="1800" b="0" i="0" u="none" strike="noStrike" dirty="0">
+                          <a:solidFill>
+                            <a:schemeClr val="tx1"/>
+                          </a:solidFill>
+                          <a:effectLst/>
+                          <a:latin typeface="Calibri" charset="0"/>
+                        </a:rPr>
+                        <a:t> </a:t>
+                      </a:r>
+                    </a:p>
+                  </a:txBody>
+                  <a:tcPr marL="12700" marR="12700" marT="12700" marB="0" anchor="ctr">
+                    <a:lnL w="28575" cap="flat" cmpd="sng" algn="ctr">
+                      <a:solidFill>
+                        <a:schemeClr val="tx1"/>
+                      </a:solidFill>
+                      <a:prstDash val="solid"/>
+                      <a:round/>
+                      <a:headEnd type="none" w="med" len="med"/>
+                      <a:tailEnd type="none" w="med" len="med"/>
+                    </a:lnL>
+                    <a:lnR w="28575" cap="flat" cmpd="sng" algn="ctr">
+                      <a:solidFill>
+                        <a:schemeClr val="tx1"/>
+                      </a:solidFill>
+                      <a:prstDash val="solid"/>
+                      <a:round/>
+                      <a:headEnd type="none" w="med" len="med"/>
+                      <a:tailEnd type="none" w="med" len="med"/>
+                    </a:lnR>
+                    <a:lnT w="28575" cap="flat" cmpd="sng" algn="ctr">
+                      <a:solidFill>
+                        <a:schemeClr val="tx1"/>
+                      </a:solidFill>
+                      <a:prstDash val="solid"/>
+                      <a:round/>
+                      <a:headEnd type="none" w="med" len="med"/>
+                      <a:tailEnd type="none" w="med" len="med"/>
+                    </a:lnT>
+                    <a:lnB w="28575" cap="flat" cmpd="sng" algn="ctr">
+                      <a:solidFill>
+                        <a:schemeClr val="tx1"/>
+                      </a:solidFill>
+                      <a:prstDash val="solid"/>
+                      <a:round/>
+                      <a:headEnd type="none" w="med" len="med"/>
+                      <a:tailEnd type="none" w="med" len="med"/>
+                    </a:lnB>
+                  </a:tcPr>
+                </a:tc>
+              </a:tr>
+            </a:tbl>
+          </a:graphicData>
+        </a:graphic>
+      </p:graphicFrame>
+    </p:spTree>
+    <p:extLst>
+      <p:ext uri="{BB962C8B-B14F-4D97-AF65-F5344CB8AC3E}">
+        <p14:creationId xmlns:p14="http://schemas.microsoft.com/office/powerpoint/2010/main" val="1374404722"/>
       </p:ext>
     </p:extLst>
   </p:cSld>

--- a/Projecte Helicòpters.pptx
+++ b/Projecte Helicòpters.pptx
@@ -197,7 +197,7 @@
           </a:lstStyle>
           <a:p>
             <a:r>
-              <a:rPr lang="en-US" smtClean="0"/>
+              <a:rPr lang="en-US"/>
               <a:t>Click to edit Master title style</a:t>
             </a:r>
             <a:endParaRPr lang="en-US" dirty="0"/>
@@ -293,7 +293,7 @@
           </a:lstStyle>
           <a:p>
             <a:r>
-              <a:rPr lang="en-US" smtClean="0"/>
+              <a:rPr lang="en-US"/>
               <a:t>Click to edit Master subtitle style</a:t>
             </a:r>
             <a:endParaRPr lang="en-US" dirty="0"/>
@@ -317,7 +317,7 @@
           <a:p>
             <a:fld id="{ECD19FB2-3AAB-4D03-B13A-2960828C78E3}" type="datetimeFigureOut">
               <a:rPr lang="en-US" dirty="0"/>
-              <a:t>11/22/16</a:t>
+              <a:t>11/23/2016</a:t>
             </a:fld>
             <a:endParaRPr lang="en-US" dirty="0"/>
           </a:p>
@@ -360,7 +360,7 @@
             <a:fld id="{6D22F896-40B5-4ADD-8801-0D06FADFA095}" type="slidenum">
               <a:rPr lang="en-US" dirty="0"/>
               <a:pPr/>
-              <a:t>‹#›</a:t>
+              <a:t>‹Nº›</a:t>
             </a:fld>
             <a:endParaRPr lang="en-US" dirty="0"/>
           </a:p>
@@ -416,7 +416,7 @@
           </a:lstStyle>
           <a:p>
             <a:r>
-              <a:rPr lang="en-US" smtClean="0"/>
+              <a:rPr lang="en-US"/>
               <a:t>Click to edit Master title style</a:t>
             </a:r>
             <a:endParaRPr lang="en-US" dirty="0"/>
@@ -481,7 +481,7 @@
           </a:lstStyle>
           <a:p>
             <a:r>
-              <a:rPr lang="en-US" smtClean="0"/>
+              <a:rPr lang="en-US"/>
               <a:t>Click icon to add picture</a:t>
             </a:r>
             <a:endParaRPr lang="en-US" dirty="0"/>
@@ -571,7 +571,7 @@
           <a:p>
             <a:pPr lvl="0"/>
             <a:r>
-              <a:rPr lang="en-US" smtClean="0"/>
+              <a:rPr lang="en-US"/>
               <a:t>Click to edit Master text styles</a:t>
             </a:r>
           </a:p>
@@ -594,7 +594,7 @@
           <a:p>
             <a:fld id="{1B80C674-7DFC-42FE-B9CD-82963CDB1557}" type="datetimeFigureOut">
               <a:rPr lang="en-US" dirty="0"/>
-              <a:t>11/22/16</a:t>
+              <a:t>11/23/2016</a:t>
             </a:fld>
             <a:endParaRPr lang="en-US" dirty="0"/>
           </a:p>
@@ -636,7 +636,7 @@
           <a:p>
             <a:fld id="{6D22F896-40B5-4ADD-8801-0D06FADFA095}" type="slidenum">
               <a:rPr lang="en-US" dirty="0"/>
-              <a:t>‹#›</a:t>
+              <a:t>‹Nº›</a:t>
             </a:fld>
             <a:endParaRPr lang="en-US" dirty="0"/>
           </a:p>
@@ -692,7 +692,7 @@
           </a:lstStyle>
           <a:p>
             <a:r>
-              <a:rPr lang="en-US" smtClean="0"/>
+              <a:rPr lang="en-US"/>
               <a:t>Click to edit Master title style</a:t>
             </a:r>
             <a:endParaRPr lang="en-US" dirty="0"/>
@@ -758,7 +758,7 @@
           <a:p>
             <a:pPr lvl="0"/>
             <a:r>
-              <a:rPr lang="en-US" smtClean="0"/>
+              <a:rPr lang="en-US"/>
               <a:t>Click to edit Master text styles</a:t>
             </a:r>
           </a:p>
@@ -781,7 +781,7 @@
           <a:p>
             <a:fld id="{2076456F-F47D-4F25-8053-2A695DA0CA7D}" type="datetimeFigureOut">
               <a:rPr lang="en-US" dirty="0"/>
-              <a:t>11/22/16</a:t>
+              <a:t>11/23/2016</a:t>
             </a:fld>
             <a:endParaRPr lang="en-US" dirty="0"/>
           </a:p>
@@ -823,7 +823,7 @@
           <a:p>
             <a:fld id="{6D22F896-40B5-4ADD-8801-0D06FADFA095}" type="slidenum">
               <a:rPr lang="en-US" dirty="0"/>
-              <a:t>‹#›</a:t>
+              <a:t>‹Nº›</a:t>
             </a:fld>
             <a:endParaRPr lang="en-US" dirty="0"/>
           </a:p>
@@ -879,7 +879,7 @@
           </a:lstStyle>
           <a:p>
             <a:r>
-              <a:rPr lang="en-US" smtClean="0"/>
+              <a:rPr lang="en-US"/>
               <a:t>Click to edit Master title style</a:t>
             </a:r>
             <a:endParaRPr lang="en-US" dirty="0"/>
@@ -947,7 +947,7 @@
           <a:p>
             <a:pPr lvl="0"/>
             <a:r>
-              <a:rPr lang="en-US" smtClean="0"/>
+              <a:rPr lang="en-US"/>
               <a:t>Click to edit Master text styles</a:t>
             </a:r>
           </a:p>
@@ -1014,7 +1014,7 @@
           <a:p>
             <a:pPr lvl="0"/>
             <a:r>
-              <a:rPr lang="en-US" smtClean="0"/>
+              <a:rPr lang="en-US"/>
               <a:t>Click to edit Master text styles</a:t>
             </a:r>
           </a:p>
@@ -1037,7 +1037,7 @@
           <a:p>
             <a:fld id="{5D6C7379-69CC-4837-9905-BEBA22830C8A}" type="datetimeFigureOut">
               <a:rPr lang="en-US" dirty="0"/>
-              <a:t>11/22/16</a:t>
+              <a:t>11/23/2016</a:t>
             </a:fld>
             <a:endParaRPr lang="en-US" dirty="0"/>
           </a:p>
@@ -1079,7 +1079,7 @@
           <a:p>
             <a:fld id="{6D22F896-40B5-4ADD-8801-0D06FADFA095}" type="slidenum">
               <a:rPr lang="en-US" dirty="0"/>
-              <a:t>‹#›</a:t>
+              <a:t>‹Nº›</a:t>
             </a:fld>
             <a:endParaRPr lang="en-US" dirty="0"/>
           </a:p>
@@ -1369,7 +1369,7 @@
           </a:lstStyle>
           <a:p>
             <a:r>
-              <a:rPr lang="en-US" smtClean="0"/>
+              <a:rPr lang="en-US"/>
               <a:t>Click to edit Master title style</a:t>
             </a:r>
             <a:endParaRPr lang="en-US" dirty="0"/>
@@ -1435,7 +1435,7 @@
           <a:p>
             <a:pPr lvl="0"/>
             <a:r>
-              <a:rPr lang="en-US" smtClean="0"/>
+              <a:rPr lang="en-US"/>
               <a:t>Click to edit Master text styles</a:t>
             </a:r>
           </a:p>
@@ -1458,7 +1458,7 @@
           <a:p>
             <a:fld id="{49EB8B7E-8AEE-4F10-BFEE-C999AD004D36}" type="datetimeFigureOut">
               <a:rPr lang="en-US" dirty="0"/>
-              <a:t>11/22/16</a:t>
+              <a:t>11/23/2016</a:t>
             </a:fld>
             <a:endParaRPr lang="en-US" dirty="0"/>
           </a:p>
@@ -1500,7 +1500,7 @@
           <a:p>
             <a:fld id="{6D22F896-40B5-4ADD-8801-0D06FADFA095}" type="slidenum">
               <a:rPr lang="en-US" dirty="0"/>
-              <a:t>‹#›</a:t>
+              <a:t>‹Nº›</a:t>
             </a:fld>
             <a:endParaRPr lang="en-US" dirty="0"/>
           </a:p>
@@ -1552,7 +1552,7 @@
           <a:lstStyle/>
           <a:p>
             <a:r>
-              <a:rPr lang="en-US" smtClean="0"/>
+              <a:rPr lang="en-US"/>
               <a:t>Click to edit Master title style</a:t>
             </a:r>
             <a:endParaRPr lang="en-US" dirty="0"/>
@@ -1647,7 +1647,7 @@
           <a:p>
             <a:pPr lvl="0"/>
             <a:r>
-              <a:rPr lang="en-US" smtClean="0"/>
+              <a:rPr lang="en-US"/>
               <a:t>Click to edit Master text styles</a:t>
             </a:r>
           </a:p>
@@ -1714,7 +1714,7 @@
           <a:p>
             <a:pPr lvl="0"/>
             <a:r>
-              <a:rPr lang="en-US" smtClean="0"/>
+              <a:rPr lang="en-US"/>
               <a:t>Click to edit Master text styles</a:t>
             </a:r>
           </a:p>
@@ -1778,7 +1778,7 @@
               <a:buNone/>
             </a:pPr>
             <a:r>
-              <a:rPr lang="en-US" smtClean="0"/>
+              <a:rPr lang="en-US"/>
               <a:t>Click to edit Master text styles</a:t>
             </a:r>
           </a:p>
@@ -1845,7 +1845,7 @@
           <a:p>
             <a:pPr lvl="0"/>
             <a:r>
-              <a:rPr lang="en-US" smtClean="0"/>
+              <a:rPr lang="en-US"/>
               <a:t>Click to edit Master text styles</a:t>
             </a:r>
           </a:p>
@@ -1909,7 +1909,7 @@
               <a:buNone/>
             </a:pPr>
             <a:r>
-              <a:rPr lang="en-US" smtClean="0"/>
+              <a:rPr lang="en-US"/>
               <a:t>Click to edit Master text styles</a:t>
             </a:r>
           </a:p>
@@ -1976,7 +1976,7 @@
           <a:p>
             <a:pPr lvl="0"/>
             <a:r>
-              <a:rPr lang="en-US" smtClean="0"/>
+              <a:rPr lang="en-US"/>
               <a:t>Click to edit Master text styles</a:t>
             </a:r>
           </a:p>
@@ -1999,7 +1999,7 @@
           <a:p>
             <a:fld id="{8668F3F9-58BC-440B-B37B-805B9055EF92}" type="datetimeFigureOut">
               <a:rPr lang="en-US" dirty="0"/>
-              <a:t>11/22/16</a:t>
+              <a:t>11/23/2016</a:t>
             </a:fld>
             <a:endParaRPr lang="en-US" dirty="0"/>
           </a:p>
@@ -2041,7 +2041,7 @@
           <a:p>
             <a:fld id="{6D22F896-40B5-4ADD-8801-0D06FADFA095}" type="slidenum">
               <a:rPr lang="en-US" dirty="0"/>
-              <a:t>‹#›</a:t>
+              <a:t>‹Nº›</a:t>
             </a:fld>
             <a:endParaRPr lang="en-US" dirty="0"/>
           </a:p>
@@ -2093,7 +2093,7 @@
           <a:lstStyle/>
           <a:p>
             <a:r>
-              <a:rPr lang="en-US" smtClean="0"/>
+              <a:rPr lang="en-US"/>
               <a:t>Click to edit Master title style</a:t>
             </a:r>
             <a:endParaRPr lang="en-US" dirty="0"/>
@@ -2184,7 +2184,7 @@
           <a:p>
             <a:pPr lvl="0"/>
             <a:r>
-              <a:rPr lang="en-US" smtClean="0"/>
+              <a:rPr lang="en-US"/>
               <a:t>Click to edit Master text styles</a:t>
             </a:r>
           </a:p>
@@ -2262,7 +2262,7 @@
           </a:lstStyle>
           <a:p>
             <a:r>
-              <a:rPr lang="en-US" smtClean="0"/>
+              <a:rPr lang="en-US"/>
               <a:t>Click icon to add picture</a:t>
             </a:r>
             <a:endParaRPr lang="en-US" dirty="0"/>
@@ -2330,7 +2330,7 @@
           <a:p>
             <a:pPr lvl="0"/>
             <a:r>
-              <a:rPr lang="en-US" smtClean="0"/>
+              <a:rPr lang="en-US"/>
               <a:t>Click to edit Master text styles</a:t>
             </a:r>
           </a:p>
@@ -2420,7 +2420,7 @@
           <a:p>
             <a:pPr lvl="0"/>
             <a:r>
-              <a:rPr lang="en-US" smtClean="0"/>
+              <a:rPr lang="en-US"/>
               <a:t>Click to edit Master text styles</a:t>
             </a:r>
           </a:p>
@@ -2498,7 +2498,7 @@
           </a:lstStyle>
           <a:p>
             <a:r>
-              <a:rPr lang="en-US" smtClean="0"/>
+              <a:rPr lang="en-US"/>
               <a:t>Click icon to add picture</a:t>
             </a:r>
             <a:endParaRPr lang="en-US" dirty="0"/>
@@ -2566,7 +2566,7 @@
           <a:p>
             <a:pPr lvl="0"/>
             <a:r>
-              <a:rPr lang="en-US" smtClean="0"/>
+              <a:rPr lang="en-US"/>
               <a:t>Click to edit Master text styles</a:t>
             </a:r>
           </a:p>
@@ -2656,7 +2656,7 @@
           <a:p>
             <a:pPr lvl="0"/>
             <a:r>
-              <a:rPr lang="en-US" smtClean="0"/>
+              <a:rPr lang="en-US"/>
               <a:t>Click to edit Master text styles</a:t>
             </a:r>
           </a:p>
@@ -2734,7 +2734,7 @@
           </a:lstStyle>
           <a:p>
             <a:r>
-              <a:rPr lang="en-US" smtClean="0"/>
+              <a:rPr lang="en-US"/>
               <a:t>Click icon to add picture</a:t>
             </a:r>
             <a:endParaRPr lang="en-US" dirty="0"/>
@@ -2802,7 +2802,7 @@
           <a:p>
             <a:pPr lvl="0"/>
             <a:r>
-              <a:rPr lang="en-US" smtClean="0"/>
+              <a:rPr lang="en-US"/>
               <a:t>Click to edit Master text styles</a:t>
             </a:r>
           </a:p>
@@ -2825,7 +2825,7 @@
           <a:p>
             <a:fld id="{0D5A53AF-48EA-489D-8260-9DCAB666386A}" type="datetimeFigureOut">
               <a:rPr lang="en-US" dirty="0"/>
-              <a:t>11/22/16</a:t>
+              <a:t>11/23/2016</a:t>
             </a:fld>
             <a:endParaRPr lang="en-US" dirty="0"/>
           </a:p>
@@ -2867,7 +2867,7 @@
           <a:p>
             <a:fld id="{6D22F896-40B5-4ADD-8801-0D06FADFA095}" type="slidenum">
               <a:rPr lang="en-US" dirty="0"/>
-              <a:t>‹#›</a:t>
+              <a:t>‹Nº›</a:t>
             </a:fld>
             <a:endParaRPr lang="en-US" dirty="0"/>
           </a:p>
@@ -2914,7 +2914,7 @@
           <a:lstStyle/>
           <a:p>
             <a:r>
-              <a:rPr lang="en-US" smtClean="0"/>
+              <a:rPr lang="en-US"/>
               <a:t>Click to edit Master title style</a:t>
             </a:r>
             <a:endParaRPr lang="en-US" dirty="0"/>
@@ -2938,35 +2938,35 @@
           <a:p>
             <a:pPr lvl="0"/>
             <a:r>
-              <a:rPr lang="en-US" smtClean="0"/>
+              <a:rPr lang="en-US"/>
               <a:t>Click to edit Master text styles</a:t>
             </a:r>
           </a:p>
           <a:p>
             <a:pPr lvl="1"/>
             <a:r>
-              <a:rPr lang="en-US" smtClean="0"/>
+              <a:rPr lang="en-US"/>
               <a:t>Second level</a:t>
             </a:r>
           </a:p>
           <a:p>
             <a:pPr lvl="2"/>
             <a:r>
-              <a:rPr lang="en-US" smtClean="0"/>
+              <a:rPr lang="en-US"/>
               <a:t>Third level</a:t>
             </a:r>
           </a:p>
           <a:p>
             <a:pPr lvl="3"/>
             <a:r>
-              <a:rPr lang="en-US" smtClean="0"/>
+              <a:rPr lang="en-US"/>
               <a:t>Fourth level</a:t>
             </a:r>
           </a:p>
           <a:p>
             <a:pPr lvl="4"/>
             <a:r>
-              <a:rPr lang="en-US" smtClean="0"/>
+              <a:rPr lang="en-US"/>
               <a:t>Fifth level</a:t>
             </a:r>
             <a:endParaRPr lang="en-US" dirty="0"/>
@@ -2990,7 +2990,7 @@
           <a:p>
             <a:fld id="{0DED02AE-B9A4-47BD-AF8E-97E16144138B}" type="datetimeFigureOut">
               <a:rPr lang="en-US" dirty="0"/>
-              <a:t>11/22/16</a:t>
+              <a:t>11/23/2016</a:t>
             </a:fld>
             <a:endParaRPr lang="en-US" dirty="0"/>
           </a:p>
@@ -3032,7 +3032,7 @@
           <a:p>
             <a:fld id="{6D22F896-40B5-4ADD-8801-0D06FADFA095}" type="slidenum">
               <a:rPr lang="en-US" dirty="0"/>
-              <a:t>‹#›</a:t>
+              <a:t>‹Nº›</a:t>
             </a:fld>
             <a:endParaRPr lang="en-US" dirty="0"/>
           </a:p>
@@ -3084,7 +3084,7 @@
           <a:lstStyle/>
           <a:p>
             <a:r>
-              <a:rPr lang="en-US" smtClean="0"/>
+              <a:rPr lang="en-US"/>
               <a:t>Click to edit Master title style</a:t>
             </a:r>
             <a:endParaRPr lang="en-US" dirty="0"/>
@@ -3113,35 +3113,35 @@
           <a:p>
             <a:pPr lvl="0"/>
             <a:r>
-              <a:rPr lang="en-US" smtClean="0"/>
+              <a:rPr lang="en-US"/>
               <a:t>Click to edit Master text styles</a:t>
             </a:r>
           </a:p>
           <a:p>
             <a:pPr lvl="1"/>
             <a:r>
-              <a:rPr lang="en-US" smtClean="0"/>
+              <a:rPr lang="en-US"/>
               <a:t>Second level</a:t>
             </a:r>
           </a:p>
           <a:p>
             <a:pPr lvl="2"/>
             <a:r>
-              <a:rPr lang="en-US" smtClean="0"/>
+              <a:rPr lang="en-US"/>
               <a:t>Third level</a:t>
             </a:r>
           </a:p>
           <a:p>
             <a:pPr lvl="3"/>
             <a:r>
-              <a:rPr lang="en-US" smtClean="0"/>
+              <a:rPr lang="en-US"/>
               <a:t>Fourth level</a:t>
             </a:r>
           </a:p>
           <a:p>
             <a:pPr lvl="4"/>
             <a:r>
-              <a:rPr lang="en-US" smtClean="0"/>
+              <a:rPr lang="en-US"/>
               <a:t>Fifth level</a:t>
             </a:r>
             <a:endParaRPr lang="en-US" dirty="0"/>
@@ -3165,7 +3165,7 @@
           <a:p>
             <a:fld id="{CF0FD78B-DB02-4362-BCDC-98A55456977C}" type="datetimeFigureOut">
               <a:rPr lang="en-US" dirty="0"/>
-              <a:t>11/22/16</a:t>
+              <a:t>11/23/2016</a:t>
             </a:fld>
             <a:endParaRPr lang="en-US" dirty="0"/>
           </a:p>
@@ -3207,7 +3207,7 @@
           <a:p>
             <a:fld id="{6D22F896-40B5-4ADD-8801-0D06FADFA095}" type="slidenum">
               <a:rPr lang="en-US" dirty="0"/>
-              <a:t>‹#›</a:t>
+              <a:t>‹Nº›</a:t>
             </a:fld>
             <a:endParaRPr lang="en-US" dirty="0"/>
           </a:p>
@@ -3254,7 +3254,7 @@
           <a:lstStyle/>
           <a:p>
             <a:r>
-              <a:rPr lang="en-US" smtClean="0"/>
+              <a:rPr lang="en-US"/>
               <a:t>Click to edit Master title style</a:t>
             </a:r>
             <a:endParaRPr lang="en-US" dirty="0"/>
@@ -3278,35 +3278,35 @@
           <a:p>
             <a:pPr lvl="0"/>
             <a:r>
-              <a:rPr lang="en-US" smtClean="0"/>
+              <a:rPr lang="en-US"/>
               <a:t>Click to edit Master text styles</a:t>
             </a:r>
           </a:p>
           <a:p>
             <a:pPr lvl="1"/>
             <a:r>
-              <a:rPr lang="en-US" smtClean="0"/>
+              <a:rPr lang="en-US"/>
               <a:t>Second level</a:t>
             </a:r>
           </a:p>
           <a:p>
             <a:pPr lvl="2"/>
             <a:r>
-              <a:rPr lang="en-US" smtClean="0"/>
+              <a:rPr lang="en-US"/>
               <a:t>Third level</a:t>
             </a:r>
           </a:p>
           <a:p>
             <a:pPr lvl="3"/>
             <a:r>
-              <a:rPr lang="en-US" smtClean="0"/>
+              <a:rPr lang="en-US"/>
               <a:t>Fourth level</a:t>
             </a:r>
           </a:p>
           <a:p>
             <a:pPr lvl="4"/>
             <a:r>
-              <a:rPr lang="en-US" smtClean="0"/>
+              <a:rPr lang="en-US"/>
               <a:t>Fifth level</a:t>
             </a:r>
             <a:endParaRPr lang="en-US" dirty="0"/>
@@ -3330,7 +3330,7 @@
           <a:p>
             <a:fld id="{99916976-5D93-46E4-A98A-FAD63E4D0EA8}" type="datetimeFigureOut">
               <a:rPr lang="en-US" dirty="0"/>
-              <a:t>11/22/16</a:t>
+              <a:t>11/23/2016</a:t>
             </a:fld>
             <a:endParaRPr lang="en-US" dirty="0"/>
           </a:p>
@@ -3372,7 +3372,7 @@
           <a:p>
             <a:fld id="{6D22F896-40B5-4ADD-8801-0D06FADFA095}" type="slidenum">
               <a:rPr lang="en-US" dirty="0"/>
-              <a:t>‹#›</a:t>
+              <a:t>‹Nº›</a:t>
             </a:fld>
             <a:endParaRPr lang="en-US" dirty="0"/>
           </a:p>
@@ -3462,7 +3462,7 @@
           </a:lstStyle>
           <a:p>
             <a:r>
-              <a:rPr lang="en-US" smtClean="0"/>
+              <a:rPr lang="en-US"/>
               <a:t>Click to edit Master title style</a:t>
             </a:r>
             <a:endParaRPr lang="en-US" dirty="0"/>
@@ -3558,7 +3558,7 @@
           </a:lstStyle>
           <a:p>
             <a:r>
-              <a:rPr lang="en-US" smtClean="0"/>
+              <a:rPr lang="en-US"/>
               <a:t>Click to edit Master subtitle style</a:t>
             </a:r>
             <a:endParaRPr lang="en-US" dirty="0"/>
@@ -3582,7 +3582,7 @@
           <a:p>
             <a:fld id="{0F39F4F5-F4D2-4D2A-AB60-88D37ADCB869}" type="datetimeFigureOut">
               <a:rPr lang="en-US" dirty="0"/>
-              <a:t>11/22/16</a:t>
+              <a:t>11/23/2016</a:t>
             </a:fld>
             <a:endParaRPr lang="en-US" dirty="0"/>
           </a:p>
@@ -3624,7 +3624,7 @@
           <a:p>
             <a:fld id="{6D22F896-40B5-4ADD-8801-0D06FADFA095}" type="slidenum">
               <a:rPr lang="en-US" dirty="0"/>
-              <a:t>‹#›</a:t>
+              <a:t>‹Nº›</a:t>
             </a:fld>
             <a:endParaRPr lang="en-US" dirty="0"/>
           </a:p>
@@ -3671,7 +3671,7 @@
           <a:lstStyle/>
           <a:p>
             <a:r>
-              <a:rPr lang="en-US" smtClean="0"/>
+              <a:rPr lang="en-US"/>
               <a:t>Click to edit Master title style</a:t>
             </a:r>
             <a:endParaRPr lang="en-US" dirty="0"/>
@@ -3700,35 +3700,35 @@
           <a:p>
             <a:pPr lvl="0"/>
             <a:r>
-              <a:rPr lang="en-US" smtClean="0"/>
+              <a:rPr lang="en-US"/>
               <a:t>Click to edit Master text styles</a:t>
             </a:r>
           </a:p>
           <a:p>
             <a:pPr lvl="1"/>
             <a:r>
-              <a:rPr lang="en-US" smtClean="0"/>
+              <a:rPr lang="en-US"/>
               <a:t>Second level</a:t>
             </a:r>
           </a:p>
           <a:p>
             <a:pPr lvl="2"/>
             <a:r>
-              <a:rPr lang="en-US" smtClean="0"/>
+              <a:rPr lang="en-US"/>
               <a:t>Third level</a:t>
             </a:r>
           </a:p>
           <a:p>
             <a:pPr lvl="3"/>
             <a:r>
-              <a:rPr lang="en-US" smtClean="0"/>
+              <a:rPr lang="en-US"/>
               <a:t>Fourth level</a:t>
             </a:r>
           </a:p>
           <a:p>
             <a:pPr lvl="4"/>
             <a:r>
-              <a:rPr lang="en-US" smtClean="0"/>
+              <a:rPr lang="en-US"/>
               <a:t>Fifth level</a:t>
             </a:r>
             <a:endParaRPr lang="en-US" dirty="0"/>
@@ -3757,35 +3757,35 @@
           <a:p>
             <a:pPr lvl="0"/>
             <a:r>
-              <a:rPr lang="en-US" smtClean="0"/>
+              <a:rPr lang="en-US"/>
               <a:t>Click to edit Master text styles</a:t>
             </a:r>
           </a:p>
           <a:p>
             <a:pPr lvl="1"/>
             <a:r>
-              <a:rPr lang="en-US" smtClean="0"/>
+              <a:rPr lang="en-US"/>
               <a:t>Second level</a:t>
             </a:r>
           </a:p>
           <a:p>
             <a:pPr lvl="2"/>
             <a:r>
-              <a:rPr lang="en-US" smtClean="0"/>
+              <a:rPr lang="en-US"/>
               <a:t>Third level</a:t>
             </a:r>
           </a:p>
           <a:p>
             <a:pPr lvl="3"/>
             <a:r>
-              <a:rPr lang="en-US" smtClean="0"/>
+              <a:rPr lang="en-US"/>
               <a:t>Fourth level</a:t>
             </a:r>
           </a:p>
           <a:p>
             <a:pPr lvl="4"/>
             <a:r>
-              <a:rPr lang="en-US" smtClean="0"/>
+              <a:rPr lang="en-US"/>
               <a:t>Fifth level</a:t>
             </a:r>
             <a:endParaRPr lang="en-US" dirty="0"/>
@@ -3809,7 +3809,7 @@
           <a:p>
             <a:fld id="{D23BC6CE-6D1E-47E5-8859-F31AC5380EB2}" type="datetimeFigureOut">
               <a:rPr lang="en-US" dirty="0"/>
-              <a:t>11/22/16</a:t>
+              <a:t>11/23/2016</a:t>
             </a:fld>
             <a:endParaRPr lang="en-US" dirty="0"/>
           </a:p>
@@ -3851,7 +3851,7 @@
           <a:p>
             <a:fld id="{6D22F896-40B5-4ADD-8801-0D06FADFA095}" type="slidenum">
               <a:rPr lang="en-US" dirty="0"/>
-              <a:t>‹#›</a:t>
+              <a:t>‹Nº›</a:t>
             </a:fld>
             <a:endParaRPr lang="en-US" dirty="0"/>
           </a:p>
@@ -3903,7 +3903,7 @@
           <a:lstStyle/>
           <a:p>
             <a:r>
-              <a:rPr lang="en-US" smtClean="0"/>
+              <a:rPr lang="en-US"/>
               <a:t>Click to edit Master title style</a:t>
             </a:r>
             <a:endParaRPr lang="en-US" dirty="0"/>
@@ -3996,7 +3996,7 @@
           <a:p>
             <a:pPr lvl="0"/>
             <a:r>
-              <a:rPr lang="en-US" smtClean="0"/>
+              <a:rPr lang="en-US"/>
               <a:t>Click to edit Master text styles</a:t>
             </a:r>
           </a:p>
@@ -4024,35 +4024,35 @@
           <a:p>
             <a:pPr lvl="0"/>
             <a:r>
-              <a:rPr lang="en-US" smtClean="0"/>
+              <a:rPr lang="en-US"/>
               <a:t>Click to edit Master text styles</a:t>
             </a:r>
           </a:p>
           <a:p>
             <a:pPr lvl="1"/>
             <a:r>
-              <a:rPr lang="en-US" smtClean="0"/>
+              <a:rPr lang="en-US"/>
               <a:t>Second level</a:t>
             </a:r>
           </a:p>
           <a:p>
             <a:pPr lvl="2"/>
             <a:r>
-              <a:rPr lang="en-US" smtClean="0"/>
+              <a:rPr lang="en-US"/>
               <a:t>Third level</a:t>
             </a:r>
           </a:p>
           <a:p>
             <a:pPr lvl="3"/>
             <a:r>
-              <a:rPr lang="en-US" smtClean="0"/>
+              <a:rPr lang="en-US"/>
               <a:t>Fourth level</a:t>
             </a:r>
           </a:p>
           <a:p>
             <a:pPr lvl="4"/>
             <a:r>
-              <a:rPr lang="en-US" smtClean="0"/>
+              <a:rPr lang="en-US"/>
               <a:t>Fifth level</a:t>
             </a:r>
             <a:endParaRPr lang="en-US" dirty="0"/>
@@ -4117,7 +4117,7 @@
               <a:buNone/>
             </a:pPr>
             <a:r>
-              <a:rPr lang="en-US" smtClean="0"/>
+              <a:rPr lang="en-US"/>
               <a:t>Click to edit Master text styles</a:t>
             </a:r>
           </a:p>
@@ -4145,35 +4145,35 @@
           <a:p>
             <a:pPr lvl="0"/>
             <a:r>
-              <a:rPr lang="en-US" smtClean="0"/>
+              <a:rPr lang="en-US"/>
               <a:t>Click to edit Master text styles</a:t>
             </a:r>
           </a:p>
           <a:p>
             <a:pPr lvl="1"/>
             <a:r>
-              <a:rPr lang="en-US" smtClean="0"/>
+              <a:rPr lang="en-US"/>
               <a:t>Second level</a:t>
             </a:r>
           </a:p>
           <a:p>
             <a:pPr lvl="2"/>
             <a:r>
-              <a:rPr lang="en-US" smtClean="0"/>
+              <a:rPr lang="en-US"/>
               <a:t>Third level</a:t>
             </a:r>
           </a:p>
           <a:p>
             <a:pPr lvl="3"/>
             <a:r>
-              <a:rPr lang="en-US" smtClean="0"/>
+              <a:rPr lang="en-US"/>
               <a:t>Fourth level</a:t>
             </a:r>
           </a:p>
           <a:p>
             <a:pPr lvl="4"/>
             <a:r>
-              <a:rPr lang="en-US" smtClean="0"/>
+              <a:rPr lang="en-US"/>
               <a:t>Fifth level</a:t>
             </a:r>
             <a:endParaRPr lang="en-US" dirty="0"/>
@@ -4197,7 +4197,7 @@
           <a:p>
             <a:fld id="{B1B4E7C4-4DA4-404D-9965-B13F2DD7D8BF}" type="datetimeFigureOut">
               <a:rPr lang="en-US" dirty="0"/>
-              <a:t>11/22/16</a:t>
+              <a:t>11/23/2016</a:t>
             </a:fld>
             <a:endParaRPr lang="en-US" dirty="0"/>
           </a:p>
@@ -4239,7 +4239,7 @@
           <a:p>
             <a:fld id="{6D22F896-40B5-4ADD-8801-0D06FADFA095}" type="slidenum">
               <a:rPr lang="en-US" dirty="0"/>
-              <a:t>‹#›</a:t>
+              <a:t>‹Nº›</a:t>
             </a:fld>
             <a:endParaRPr lang="en-US" dirty="0"/>
           </a:p>
@@ -4286,7 +4286,7 @@
           <a:lstStyle/>
           <a:p>
             <a:r>
-              <a:rPr lang="en-US" smtClean="0"/>
+              <a:rPr lang="en-US"/>
               <a:t>Click to edit Master title style</a:t>
             </a:r>
             <a:endParaRPr lang="en-US" dirty="0"/>
@@ -4310,7 +4310,7 @@
           <a:p>
             <a:fld id="{476FB7AA-4A53-424F-AD41-70827B6504BA}" type="datetimeFigureOut">
               <a:rPr lang="en-US" dirty="0"/>
-              <a:t>11/22/16</a:t>
+              <a:t>11/23/2016</a:t>
             </a:fld>
             <a:endParaRPr lang="en-US" dirty="0"/>
           </a:p>
@@ -4352,7 +4352,7 @@
           <a:p>
             <a:fld id="{6D22F896-40B5-4ADD-8801-0D06FADFA095}" type="slidenum">
               <a:rPr lang="en-US" dirty="0"/>
-              <a:t>‹#›</a:t>
+              <a:t>‹Nº›</a:t>
             </a:fld>
             <a:endParaRPr lang="en-US" dirty="0"/>
           </a:p>
@@ -4400,7 +4400,7 @@
           <a:p>
             <a:fld id="{E7884882-FB12-4BC8-9960-9AD8104D7FAE}" type="datetimeFigureOut">
               <a:rPr lang="en-US" dirty="0"/>
-              <a:t>11/22/16</a:t>
+              <a:t>11/23/2016</a:t>
             </a:fld>
             <a:endParaRPr lang="en-US" dirty="0"/>
           </a:p>
@@ -4442,7 +4442,7 @@
           <a:p>
             <a:fld id="{6D22F896-40B5-4ADD-8801-0D06FADFA095}" type="slidenum">
               <a:rPr lang="en-US" dirty="0"/>
-              <a:t>‹#›</a:t>
+              <a:t>‹Nº›</a:t>
             </a:fld>
             <a:endParaRPr lang="en-US" dirty="0"/>
           </a:p>
@@ -4498,7 +4498,7 @@
           </a:lstStyle>
           <a:p>
             <a:r>
-              <a:rPr lang="en-US" smtClean="0"/>
+              <a:rPr lang="en-US"/>
               <a:t>Click to edit Master title style</a:t>
             </a:r>
             <a:endParaRPr lang="en-US" dirty="0"/>
@@ -4527,35 +4527,35 @@
           <a:p>
             <a:pPr lvl="0"/>
             <a:r>
-              <a:rPr lang="en-US" smtClean="0"/>
+              <a:rPr lang="en-US"/>
               <a:t>Click to edit Master text styles</a:t>
             </a:r>
           </a:p>
           <a:p>
             <a:pPr lvl="1"/>
             <a:r>
-              <a:rPr lang="en-US" smtClean="0"/>
+              <a:rPr lang="en-US"/>
               <a:t>Second level</a:t>
             </a:r>
           </a:p>
           <a:p>
             <a:pPr lvl="2"/>
             <a:r>
-              <a:rPr lang="en-US" smtClean="0"/>
+              <a:rPr lang="en-US"/>
               <a:t>Third level</a:t>
             </a:r>
           </a:p>
           <a:p>
             <a:pPr lvl="3"/>
             <a:r>
-              <a:rPr lang="en-US" smtClean="0"/>
+              <a:rPr lang="en-US"/>
               <a:t>Fourth level</a:t>
             </a:r>
           </a:p>
           <a:p>
             <a:pPr lvl="4"/>
             <a:r>
-              <a:rPr lang="en-US" smtClean="0"/>
+              <a:rPr lang="en-US"/>
               <a:t>Fifth level</a:t>
             </a:r>
             <a:endParaRPr lang="en-US" dirty="0"/>
@@ -4645,7 +4645,7 @@
           <a:p>
             <a:pPr lvl="0"/>
             <a:r>
-              <a:rPr lang="en-US" smtClean="0"/>
+              <a:rPr lang="en-US"/>
               <a:t>Click to edit Master text styles</a:t>
             </a:r>
           </a:p>
@@ -4668,7 +4668,7 @@
           <a:p>
             <a:fld id="{F7D1BD23-6E54-4D9D-AD88-A2813C73CC25}" type="datetimeFigureOut">
               <a:rPr lang="en-US" dirty="0"/>
-              <a:t>11/22/16</a:t>
+              <a:t>11/23/2016</a:t>
             </a:fld>
             <a:endParaRPr lang="en-US" dirty="0"/>
           </a:p>
@@ -4710,7 +4710,7 @@
           <a:p>
             <a:fld id="{6D22F896-40B5-4ADD-8801-0D06FADFA095}" type="slidenum">
               <a:rPr lang="en-US" dirty="0"/>
-              <a:t>‹#›</a:t>
+              <a:t>‹Nº›</a:t>
             </a:fld>
             <a:endParaRPr lang="en-US" dirty="0"/>
           </a:p>
@@ -4766,7 +4766,7 @@
           </a:lstStyle>
           <a:p>
             <a:r>
-              <a:rPr lang="en-US" smtClean="0"/>
+              <a:rPr lang="en-US"/>
               <a:t>Click to edit Master title style</a:t>
             </a:r>
             <a:endParaRPr lang="en-US" dirty="0"/>
@@ -4831,7 +4831,7 @@
           </a:lstStyle>
           <a:p>
             <a:r>
-              <a:rPr lang="en-US" smtClean="0"/>
+              <a:rPr lang="en-US"/>
               <a:t>Click icon to add picture</a:t>
             </a:r>
             <a:endParaRPr lang="en-US" dirty="0"/>
@@ -4921,7 +4921,7 @@
           <a:p>
             <a:pPr lvl="0"/>
             <a:r>
-              <a:rPr lang="en-US" smtClean="0"/>
+              <a:rPr lang="en-US"/>
               <a:t>Click to edit Master text styles</a:t>
             </a:r>
           </a:p>
@@ -4944,7 +4944,7 @@
           <a:p>
             <a:fld id="{1471A834-4F3C-4AF9-9C74-05EC35A0F292}" type="datetimeFigureOut">
               <a:rPr lang="en-US" dirty="0"/>
-              <a:t>11/22/16</a:t>
+              <a:t>11/23/2016</a:t>
             </a:fld>
             <a:endParaRPr lang="en-US" dirty="0"/>
           </a:p>
@@ -4986,7 +4986,7 @@
           <a:p>
             <a:fld id="{6D22F896-40B5-4ADD-8801-0D06FADFA095}" type="slidenum">
               <a:rPr lang="en-US" dirty="0"/>
-              <a:t>‹#›</a:t>
+              <a:t>‹Nº›</a:t>
             </a:fld>
             <a:endParaRPr lang="en-US" dirty="0"/>
           </a:p>
@@ -5057,7 +5057,7 @@
           <a:lstStyle/>
           <a:p>
             <a:r>
-              <a:rPr lang="en-US" smtClean="0"/>
+              <a:rPr lang="en-US"/>
               <a:t>Click to edit Master title style</a:t>
             </a:r>
             <a:endParaRPr lang="en-US" dirty="0"/>
@@ -5091,35 +5091,35 @@
           <a:p>
             <a:pPr lvl="0"/>
             <a:r>
-              <a:rPr lang="en-US" smtClean="0"/>
+              <a:rPr lang="en-US"/>
               <a:t>Click to edit Master text styles</a:t>
             </a:r>
           </a:p>
           <a:p>
             <a:pPr lvl="1"/>
             <a:r>
-              <a:rPr lang="en-US" smtClean="0"/>
+              <a:rPr lang="en-US"/>
               <a:t>Second level</a:t>
             </a:r>
           </a:p>
           <a:p>
             <a:pPr lvl="2"/>
             <a:r>
-              <a:rPr lang="en-US" smtClean="0"/>
+              <a:rPr lang="en-US"/>
               <a:t>Third level</a:t>
             </a:r>
           </a:p>
           <a:p>
             <a:pPr lvl="3"/>
             <a:r>
-              <a:rPr lang="en-US" smtClean="0"/>
+              <a:rPr lang="en-US"/>
               <a:t>Fourth level</a:t>
             </a:r>
           </a:p>
           <a:p>
             <a:pPr lvl="4"/>
             <a:r>
-              <a:rPr lang="en-US" smtClean="0"/>
+              <a:rPr lang="en-US"/>
               <a:t>Fifth level</a:t>
             </a:r>
             <a:endParaRPr lang="en-US" dirty="0"/>
@@ -5179,7 +5179,7 @@
           <a:p>
             <a:fld id="{51CF1133-3259-4C45-BABA-5B62D9C6F78D}" type="datetimeFigureOut">
               <a:rPr lang="en-US" dirty="0"/>
-              <a:t>11/22/16</a:t>
+              <a:t>11/23/2016</a:t>
             </a:fld>
             <a:endParaRPr lang="en-US" dirty="0"/>
           </a:p>
@@ -5294,7 +5294,7 @@
             <a:fld id="{6D22F896-40B5-4ADD-8801-0D06FADFA095}" type="slidenum">
               <a:rPr lang="en-US" dirty="0"/>
               <a:pPr/>
-              <a:t>‹#›</a:t>
+              <a:t>‹Nº›</a:t>
             </a:fld>
             <a:endParaRPr lang="en-US" dirty="0"/>
           </a:p>
@@ -5759,7 +5759,7 @@
           <a:lstStyle/>
           <a:p>
             <a:r>
-              <a:rPr lang="ca-ES" dirty="0" smtClean="0"/>
+              <a:rPr lang="ca-ES" dirty="0"/>
               <a:t>Projecte Helicòpters</a:t>
             </a:r>
             <a:endParaRPr lang="es-ES" dirty="0"/>
@@ -5794,7 +5794,7 @@
               </a:lnSpc>
             </a:pPr>
             <a:r>
-              <a:rPr lang="ca-ES" sz="4000" dirty="0" smtClean="0"/>
+              <a:rPr lang="ca-ES" sz="4000" dirty="0"/>
               <a:t>Oscar Fuentes, Silvia González, Daniel Granada, Laura Pla, Josep Ma Serra </a:t>
             </a:r>
             <a:endParaRPr lang="es-ES" sz="4000" dirty="0"/>
@@ -5847,36 +5847,488 @@
           <a:lstStyle/>
           <a:p>
             <a:r>
-              <a:rPr lang="es-ES" dirty="0" err="1" smtClean="0"/>
+              <a:rPr lang="es-ES" dirty="0" err="1"/>
               <a:t>θ</a:t>
             </a:r>
             <a:r>
-              <a:rPr lang="es-ES" sz="3600" dirty="0" err="1" smtClean="0"/>
+              <a:rPr lang="es-ES" sz="3600" dirty="0" err="1"/>
               <a:t>o</a:t>
             </a:r>
             <a:endParaRPr lang="es-ES" dirty="0"/>
           </a:p>
         </p:txBody>
       </p:sp>
-      <p:sp>
-        <p:nvSpPr>
-          <p:cNvPr id="3" name="Marcador de contenido 2"/>
-          <p:cNvSpPr>
-            <a:spLocks noGrp="1"/>
-          </p:cNvSpPr>
+      <p:graphicFrame>
+        <p:nvGraphicFramePr>
+          <p:cNvPr id="4" name="Marcador de contenido 3"/>
+          <p:cNvGraphicFramePr>
+            <a:graphicFrameLocks noGrp="1"/>
+          </p:cNvGraphicFramePr>
           <p:nvPr>
             <p:ph idx="1"/>
-          </p:nvPr>
-        </p:nvSpPr>
-        <p:spPr/>
-        <p:txBody>
-          <a:bodyPr/>
-          <a:lstStyle/>
-          <a:p>
-            <a:endParaRPr lang="es-ES"/>
-          </a:p>
-        </p:txBody>
-      </p:sp>
+            <p:extLst>
+              <p:ext uri="{D42A27DB-BD31-4B8C-83A1-F6EECF244321}">
+                <p14:modId xmlns:p14="http://schemas.microsoft.com/office/powerpoint/2010/main" val="1027633868"/>
+              </p:ext>
+            </p:extLst>
+          </p:nvPr>
+        </p:nvGraphicFramePr>
+        <p:xfrm>
+          <a:off x="630444" y="1428060"/>
+          <a:ext cx="10233024" cy="4214322"/>
+        </p:xfrm>
+        <a:graphic>
+          <a:graphicData uri="http://schemas.openxmlformats.org/drawingml/2006/table">
+            <a:tbl>
+              <a:tblPr firstRow="1" bandRow="1">
+                <a:tableStyleId>{5C22544A-7EE6-4342-B048-85BDC9FD1C3A}</a:tableStyleId>
+              </a:tblPr>
+              <a:tblGrid>
+                <a:gridCol w="3411008">
+                  <a:extLst>
+                    <a:ext uri="{9D8B030D-6E8A-4147-A177-3AD203B41FA5}">
+                      <a16:colId xmlns:a16="http://schemas.microsoft.com/office/drawing/2014/main" val="402517029"/>
+                    </a:ext>
+                  </a:extLst>
+                </a:gridCol>
+                <a:gridCol w="3411008">
+                  <a:extLst>
+                    <a:ext uri="{9D8B030D-6E8A-4147-A177-3AD203B41FA5}">
+                      <a16:colId xmlns:a16="http://schemas.microsoft.com/office/drawing/2014/main" val="2566710286"/>
+                    </a:ext>
+                  </a:extLst>
+                </a:gridCol>
+                <a:gridCol w="3411008">
+                  <a:extLst>
+                    <a:ext uri="{9D8B030D-6E8A-4147-A177-3AD203B41FA5}">
+                      <a16:colId xmlns:a16="http://schemas.microsoft.com/office/drawing/2014/main" val="1783875357"/>
+                    </a:ext>
+                  </a:extLst>
+                </a:gridCol>
+              </a:tblGrid>
+              <a:tr h="510606">
+                <a:tc rowSpan="2">
+                  <a:txBody>
+                    <a:bodyPr/>
+                    <a:lstStyle/>
+                    <a:p>
+                      <a:pPr algn="ctr"/>
+                      <a:r>
+                        <a:rPr lang="es-ES" dirty="0" err="1"/>
+                        <a:t>Vc</a:t>
+                      </a:r>
+                      <a:r>
+                        <a:rPr lang="es-ES" dirty="0"/>
+                        <a:t> (m/s)</a:t>
+                      </a:r>
+                    </a:p>
+                  </a:txBody>
+                  <a:tcPr anchor="ctr"/>
+                </a:tc>
+                <a:tc gridSpan="2">
+                  <a:txBody>
+                    <a:bodyPr/>
+                    <a:lstStyle/>
+                    <a:p>
+                      <a:pPr algn="ctr"/>
+                      <a:r>
+                        <a:rPr lang="es-ES" dirty="0" err="1"/>
+                        <a:t>θ</a:t>
+                      </a:r>
+                      <a:r>
+                        <a:rPr lang="es-ES" sz="1100" dirty="0" err="1"/>
+                        <a:t>o</a:t>
+                      </a:r>
+                      <a:endParaRPr lang="es-ES" dirty="0"/>
+                    </a:p>
+                  </a:txBody>
+                  <a:tcPr anchor="ctr"/>
+                </a:tc>
+                <a:tc hMerge="1">
+                  <a:txBody>
+                    <a:bodyPr/>
+                    <a:lstStyle/>
+                    <a:p>
+                      <a:endParaRPr lang="es-ES" dirty="0"/>
+                    </a:p>
+                  </a:txBody>
+                  <a:tcPr/>
+                </a:tc>
+                <a:extLst>
+                  <a:ext uri="{0D108BD9-81ED-4DB2-BD59-A6C34878D82A}">
+                    <a16:rowId xmlns:a16="http://schemas.microsoft.com/office/drawing/2014/main" val="3184167058"/>
+                  </a:ext>
+                </a:extLst>
+              </a:tr>
+              <a:tr h="510606">
+                <a:tc vMerge="1">
+                  <a:txBody>
+                    <a:bodyPr/>
+                    <a:lstStyle/>
+                    <a:p>
+                      <a:endParaRPr lang="es-ES" dirty="0"/>
+                    </a:p>
+                  </a:txBody>
+                  <a:tcPr/>
+                </a:tc>
+                <a:tc>
+                  <a:txBody>
+                    <a:bodyPr/>
+                    <a:lstStyle/>
+                    <a:p>
+                      <a:pPr algn="ctr"/>
+                      <a:r>
+                        <a:rPr lang="es-ES" dirty="0" err="1"/>
+                        <a:t>Sense</a:t>
+                      </a:r>
+                      <a:r>
+                        <a:rPr lang="es-ES" dirty="0"/>
+                        <a:t> </a:t>
+                      </a:r>
+                      <a:r>
+                        <a:rPr lang="es-ES" dirty="0" err="1"/>
+                        <a:t>pèrdues</a:t>
+                      </a:r>
+                      <a:endParaRPr lang="es-ES" dirty="0"/>
+                    </a:p>
+                  </a:txBody>
+                  <a:tcPr anchor="ctr"/>
+                </a:tc>
+                <a:tc>
+                  <a:txBody>
+                    <a:bodyPr/>
+                    <a:lstStyle/>
+                    <a:p>
+                      <a:pPr algn="ctr"/>
+                      <a:r>
+                        <a:rPr lang="es-ES" dirty="0" err="1"/>
+                        <a:t>Amb</a:t>
+                      </a:r>
+                      <a:r>
+                        <a:rPr lang="es-ES" dirty="0"/>
+                        <a:t> </a:t>
+                      </a:r>
+                      <a:r>
+                        <a:rPr lang="es-ES" dirty="0" err="1"/>
+                        <a:t>pèrdues</a:t>
+                      </a:r>
+                      <a:r>
+                        <a:rPr lang="es-ES" baseline="0" dirty="0"/>
+                        <a:t> + </a:t>
+                      </a:r>
+                      <a:r>
+                        <a:rPr lang="es-ES" baseline="0" dirty="0" err="1"/>
+                        <a:t>compressibilitat</a:t>
+                      </a:r>
+                      <a:endParaRPr lang="es-ES" dirty="0"/>
+                    </a:p>
+                  </a:txBody>
+                  <a:tcPr anchor="ctr"/>
+                </a:tc>
+                <a:extLst>
+                  <a:ext uri="{0D108BD9-81ED-4DB2-BD59-A6C34878D82A}">
+                    <a16:rowId xmlns:a16="http://schemas.microsoft.com/office/drawing/2014/main" val="2563688750"/>
+                  </a:ext>
+                </a:extLst>
+              </a:tr>
+              <a:tr h="510606">
+                <a:tc>
+                  <a:txBody>
+                    <a:bodyPr/>
+                    <a:lstStyle/>
+                    <a:p>
+                      <a:pPr algn="ctr"/>
+                      <a:r>
+                        <a:rPr lang="es-ES" dirty="0"/>
+                        <a:t>0</a:t>
+                      </a:r>
+                    </a:p>
+                  </a:txBody>
+                  <a:tcPr anchor="ctr"/>
+                </a:tc>
+                <a:tc>
+                  <a:txBody>
+                    <a:bodyPr/>
+                    <a:lstStyle/>
+                    <a:p>
+                      <a:pPr algn="ctr"/>
+                      <a:r>
+                        <a:rPr lang="es-ES" dirty="0"/>
+                        <a:t>0,367</a:t>
+                      </a:r>
+                    </a:p>
+                  </a:txBody>
+                  <a:tcPr anchor="ctr"/>
+                </a:tc>
+                <a:tc>
+                  <a:txBody>
+                    <a:bodyPr/>
+                    <a:lstStyle/>
+                    <a:p>
+                      <a:pPr algn="ctr"/>
+                      <a:r>
+                        <a:rPr lang="es-ES" dirty="0"/>
+                        <a:t>0,367</a:t>
+                      </a:r>
+                    </a:p>
+                  </a:txBody>
+                  <a:tcPr anchor="ctr"/>
+                </a:tc>
+                <a:extLst>
+                  <a:ext uri="{0D108BD9-81ED-4DB2-BD59-A6C34878D82A}">
+                    <a16:rowId xmlns:a16="http://schemas.microsoft.com/office/drawing/2014/main" val="1024403115"/>
+                  </a:ext>
+                </a:extLst>
+              </a:tr>
+              <a:tr h="640080">
+                <a:tc>
+                  <a:txBody>
+                    <a:bodyPr/>
+                    <a:lstStyle/>
+                    <a:p>
+                      <a:pPr algn="ctr"/>
+                      <a:r>
+                        <a:rPr lang="es-ES" dirty="0"/>
+                        <a:t>2,5</a:t>
+                      </a:r>
+                    </a:p>
+                  </a:txBody>
+                  <a:tcPr anchor="ctr"/>
+                </a:tc>
+                <a:tc>
+                  <a:txBody>
+                    <a:bodyPr/>
+                    <a:lstStyle/>
+                    <a:p>
+                      <a:pPr algn="ctr"/>
+                      <a:r>
+                        <a:rPr lang="es-ES" dirty="0"/>
+                        <a:t>0,362</a:t>
+                      </a:r>
+                    </a:p>
+                  </a:txBody>
+                  <a:tcPr anchor="ctr"/>
+                </a:tc>
+                <a:tc>
+                  <a:txBody>
+                    <a:bodyPr/>
+                    <a:lstStyle/>
+                    <a:p>
+                      <a:pPr algn="ctr"/>
+                      <a:r>
+                        <a:rPr lang="es-ES" dirty="0"/>
+                        <a:t>0,362</a:t>
+                      </a:r>
+                    </a:p>
+                  </a:txBody>
+                  <a:tcPr anchor="ctr"/>
+                </a:tc>
+                <a:extLst>
+                  <a:ext uri="{0D108BD9-81ED-4DB2-BD59-A6C34878D82A}">
+                    <a16:rowId xmlns:a16="http://schemas.microsoft.com/office/drawing/2014/main" val="3633243357"/>
+                  </a:ext>
+                </a:extLst>
+              </a:tr>
+              <a:tr h="510606">
+                <a:tc>
+                  <a:txBody>
+                    <a:bodyPr/>
+                    <a:lstStyle/>
+                    <a:p>
+                      <a:pPr algn="ctr"/>
+                      <a:r>
+                        <a:rPr lang="es-ES" dirty="0"/>
+                        <a:t>5</a:t>
+                      </a:r>
+                    </a:p>
+                  </a:txBody>
+                  <a:tcPr anchor="ctr"/>
+                </a:tc>
+                <a:tc>
+                  <a:txBody>
+                    <a:bodyPr/>
+                    <a:lstStyle/>
+                    <a:p>
+                      <a:pPr algn="ctr"/>
+                      <a:r>
+                        <a:rPr lang="es-ES" dirty="0"/>
+                        <a:t>0,3624</a:t>
+                      </a:r>
+                    </a:p>
+                  </a:txBody>
+                  <a:tcPr anchor="ctr"/>
+                </a:tc>
+                <a:tc>
+                  <a:txBody>
+                    <a:bodyPr/>
+                    <a:lstStyle/>
+                    <a:p>
+                      <a:pPr algn="ctr"/>
+                      <a:r>
+                        <a:rPr lang="es-ES" dirty="0"/>
+                        <a:t>0,3624</a:t>
+                      </a:r>
+                    </a:p>
+                  </a:txBody>
+                  <a:tcPr anchor="ctr"/>
+                </a:tc>
+                <a:extLst>
+                  <a:ext uri="{0D108BD9-81ED-4DB2-BD59-A6C34878D82A}">
+                    <a16:rowId xmlns:a16="http://schemas.microsoft.com/office/drawing/2014/main" val="1914221920"/>
+                  </a:ext>
+                </a:extLst>
+              </a:tr>
+              <a:tr h="510606">
+                <a:tc>
+                  <a:txBody>
+                    <a:bodyPr/>
+                    <a:lstStyle/>
+                    <a:p>
+                      <a:pPr algn="ctr"/>
+                      <a:r>
+                        <a:rPr lang="es-ES" dirty="0"/>
+                        <a:t>7,5</a:t>
+                      </a:r>
+                    </a:p>
+                  </a:txBody>
+                  <a:tcPr anchor="ctr"/>
+                </a:tc>
+                <a:tc>
+                  <a:txBody>
+                    <a:bodyPr/>
+                    <a:lstStyle/>
+                    <a:p>
+                      <a:pPr algn="ctr"/>
+                      <a:r>
+                        <a:rPr lang="es-ES" dirty="0"/>
+                        <a:t>0,3668</a:t>
+                      </a:r>
+                    </a:p>
+                  </a:txBody>
+                  <a:tcPr anchor="ctr"/>
+                </a:tc>
+                <a:tc>
+                  <a:txBody>
+                    <a:bodyPr/>
+                    <a:lstStyle/>
+                    <a:p>
+                      <a:pPr algn="ctr"/>
+                      <a:r>
+                        <a:rPr lang="es-ES" dirty="0"/>
+                        <a:t>0,3668</a:t>
+                      </a:r>
+                    </a:p>
+                  </a:txBody>
+                  <a:tcPr anchor="ctr"/>
+                </a:tc>
+                <a:extLst>
+                  <a:ext uri="{0D108BD9-81ED-4DB2-BD59-A6C34878D82A}">
+                    <a16:rowId xmlns:a16="http://schemas.microsoft.com/office/drawing/2014/main" val="1259839040"/>
+                  </a:ext>
+                </a:extLst>
+              </a:tr>
+              <a:tr h="510606">
+                <a:tc>
+                  <a:txBody>
+                    <a:bodyPr/>
+                    <a:lstStyle/>
+                    <a:p>
+                      <a:pPr algn="ctr"/>
+                      <a:r>
+                        <a:rPr lang="es-ES" dirty="0"/>
+                        <a:t>10</a:t>
+                      </a:r>
+                    </a:p>
+                  </a:txBody>
+                  <a:tcPr anchor="ctr"/>
+                </a:tc>
+                <a:tc>
+                  <a:txBody>
+                    <a:bodyPr/>
+                    <a:lstStyle/>
+                    <a:p>
+                      <a:pPr algn="ctr"/>
+                      <a:r>
+                        <a:rPr lang="es-ES" dirty="0"/>
+                        <a:t>0,3739</a:t>
+                      </a:r>
+                    </a:p>
+                  </a:txBody>
+                  <a:tcPr anchor="ctr"/>
+                </a:tc>
+                <a:tc>
+                  <a:txBody>
+                    <a:bodyPr/>
+                    <a:lstStyle/>
+                    <a:p>
+                      <a:pPr algn="ctr"/>
+                      <a:r>
+                        <a:rPr lang="es-ES" dirty="0"/>
+                        <a:t>0,3739</a:t>
+                      </a:r>
+                    </a:p>
+                  </a:txBody>
+                  <a:tcPr anchor="ctr"/>
+                </a:tc>
+                <a:extLst>
+                  <a:ext uri="{0D108BD9-81ED-4DB2-BD59-A6C34878D82A}">
+                    <a16:rowId xmlns:a16="http://schemas.microsoft.com/office/drawing/2014/main" val="1453854198"/>
+                  </a:ext>
+                </a:extLst>
+              </a:tr>
+              <a:tr h="510606">
+                <a:tc>
+                  <a:txBody>
+                    <a:bodyPr/>
+                    <a:lstStyle/>
+                    <a:p>
+                      <a:pPr algn="ctr"/>
+                      <a:r>
+                        <a:rPr lang="es-ES" dirty="0"/>
+                        <a:t>12,5</a:t>
+                      </a:r>
+                    </a:p>
+                  </a:txBody>
+                  <a:tcPr anchor="ctr"/>
+                </a:tc>
+                <a:tc>
+                  <a:txBody>
+                    <a:bodyPr/>
+                    <a:lstStyle/>
+                    <a:p>
+                      <a:pPr algn="ctr"/>
+                      <a:r>
+                        <a:rPr lang="es-ES" dirty="0"/>
+                        <a:t>0,3829</a:t>
+                      </a:r>
+                    </a:p>
+                  </a:txBody>
+                  <a:tcPr anchor="ctr"/>
+                </a:tc>
+                <a:tc>
+                  <a:txBody>
+                    <a:bodyPr/>
+                    <a:lstStyle/>
+                    <a:p>
+                      <a:pPr algn="ctr"/>
+                      <a:r>
+                        <a:rPr lang="es-ES" dirty="0"/>
+                        <a:t>0,3829</a:t>
+                      </a:r>
+                    </a:p>
+                  </a:txBody>
+                  <a:tcPr anchor="ctr"/>
+                </a:tc>
+                <a:extLst>
+                  <a:ext uri="{0D108BD9-81ED-4DB2-BD59-A6C34878D82A}">
+                    <a16:rowId xmlns:a16="http://schemas.microsoft.com/office/drawing/2014/main" val="2891926389"/>
+                  </a:ext>
+                </a:extLst>
+              </a:tr>
+            </a:tbl>
+          </a:graphicData>
+        </a:graphic>
+      </p:graphicFrame>
     </p:spTree>
     <p:extLst>
       <p:ext uri="{BB962C8B-B14F-4D97-AF65-F5344CB8AC3E}">
@@ -5923,15 +6375,15 @@
           <a:lstStyle/>
           <a:p>
             <a:r>
-              <a:rPr lang="es-ES" dirty="0" err="1" smtClean="0"/>
+              <a:rPr lang="es-ES" dirty="0" err="1"/>
               <a:t>Distribució</a:t>
             </a:r>
             <a:r>
-              <a:rPr lang="es-ES" dirty="0" smtClean="0"/>
+              <a:rPr lang="es-ES" dirty="0"/>
               <a:t> de la </a:t>
             </a:r>
             <a:r>
-              <a:rPr lang="es-ES" dirty="0" err="1" smtClean="0"/>
+              <a:rPr lang="es-ES" dirty="0" err="1"/>
               <a:t>corda</a:t>
             </a:r>
             <a:endParaRPr lang="es-ES" dirty="0"/>
@@ -6043,15 +6495,15 @@
           <a:lstStyle/>
           <a:p>
             <a:r>
-              <a:rPr lang="es-ES" dirty="0" err="1" smtClean="0"/>
+              <a:rPr lang="es-ES" dirty="0" err="1"/>
               <a:t>Velocitat</a:t>
             </a:r>
             <a:r>
-              <a:rPr lang="es-ES" dirty="0" smtClean="0"/>
+              <a:rPr lang="es-ES" dirty="0"/>
               <a:t> </a:t>
             </a:r>
             <a:r>
-              <a:rPr lang="es-ES" dirty="0" err="1" smtClean="0"/>
+              <a:rPr lang="es-ES" dirty="0" err="1"/>
               <a:t>Induïda</a:t>
             </a:r>
             <a:endParaRPr lang="es-ES" dirty="0"/>
@@ -6082,7 +6534,7 @@
         </p:blipFill>
         <p:spPr>
           <a:xfrm>
-            <a:off x="463833" y="2051148"/>
+            <a:off x="3429000" y="2024644"/>
             <a:ext cx="5333999" cy="4000499"/>
           </a:xfrm>
         </p:spPr>
@@ -6141,36 +6593,64 @@
               <a:t> </a:t>
             </a:r>
             <a:r>
-              <a:rPr lang="es-ES" dirty="0" err="1" smtClean="0"/>
+              <a:rPr lang="es-ES" dirty="0" err="1"/>
               <a:t>Induïda</a:t>
             </a:r>
             <a:r>
-              <a:rPr lang="es-ES" dirty="0" smtClean="0"/>
+              <a:rPr lang="es-ES" dirty="0"/>
               <a:t> (2)</a:t>
             </a:r>
             <a:endParaRPr lang="en-US" dirty="0"/>
           </a:p>
         </p:txBody>
       </p:sp>
-      <p:sp>
-        <p:nvSpPr>
-          <p:cNvPr id="3" name="Content Placeholder 2"/>
-          <p:cNvSpPr>
-            <a:spLocks noGrp="1"/>
-          </p:cNvSpPr>
+      <p:pic>
+        <p:nvPicPr>
+          <p:cNvPr id="4" name="Marcador de contenido 3"/>
+          <p:cNvPicPr>
+            <a:picLocks noGrp="1" noChangeAspect="1"/>
+          </p:cNvPicPr>
           <p:nvPr>
             <p:ph idx="1"/>
           </p:nvPr>
-        </p:nvSpPr>
-        <p:spPr/>
-        <p:txBody>
-          <a:bodyPr/>
-          <a:lstStyle/>
-          <a:p>
-            <a:endParaRPr lang="en-US"/>
-          </a:p>
-        </p:txBody>
-      </p:sp>
+        </p:nvPicPr>
+        <p:blipFill>
+          <a:blip r:embed="rId2"/>
+          <a:stretch>
+            <a:fillRect/>
+          </a:stretch>
+        </p:blipFill>
+        <p:spPr>
+          <a:xfrm>
+            <a:off x="506896" y="1895026"/>
+            <a:ext cx="5334000" cy="4000500"/>
+          </a:xfrm>
+        </p:spPr>
+      </p:pic>
+      <p:pic>
+        <p:nvPicPr>
+          <p:cNvPr id="5" name="Imagen 4"/>
+          <p:cNvPicPr>
+            <a:picLocks noChangeAspect="1"/>
+          </p:cNvPicPr>
+          <p:nvPr/>
+        </p:nvPicPr>
+        <p:blipFill>
+          <a:blip r:embed="rId3"/>
+          <a:stretch>
+            <a:fillRect/>
+          </a:stretch>
+        </p:blipFill>
+        <p:spPr>
+          <a:xfrm>
+            <a:off x="6261652" y="1895026"/>
+            <a:ext cx="5334000" cy="4000500"/>
+          </a:xfrm>
+          <a:prstGeom prst="rect">
+            <a:avLst/>
+          </a:prstGeom>
+        </p:spPr>
+      </p:pic>
     </p:spTree>
     <p:extLst>
       <p:ext uri="{BB962C8B-B14F-4D97-AF65-F5344CB8AC3E}">
@@ -6217,15 +6697,15 @@
           <a:lstStyle/>
           <a:p>
             <a:r>
-              <a:rPr lang="es-ES" dirty="0" err="1" smtClean="0"/>
+              <a:rPr lang="es-ES" dirty="0" err="1"/>
               <a:t>Distribució</a:t>
             </a:r>
             <a:r>
-              <a:rPr lang="es-ES" dirty="0" smtClean="0"/>
+              <a:rPr lang="es-ES" dirty="0"/>
               <a:t> </a:t>
             </a:r>
             <a:r>
-              <a:rPr lang="es-ES" dirty="0" err="1" smtClean="0"/>
+              <a:rPr lang="es-ES" dirty="0" err="1"/>
               <a:t>Lift</a:t>
             </a:r>
             <a:endParaRPr lang="es-ES" dirty="0"/>
@@ -6256,7 +6736,7 @@
         </p:blipFill>
         <p:spPr>
           <a:xfrm>
-            <a:off x="451306" y="2026095"/>
+            <a:off x="3429000" y="1690688"/>
             <a:ext cx="5334000" cy="4000500"/>
           </a:xfrm>
         </p:spPr>
@@ -6315,36 +6795,64 @@
               <a:t> </a:t>
             </a:r>
             <a:r>
-              <a:rPr lang="es-ES" dirty="0" err="1" smtClean="0"/>
+              <a:rPr lang="es-ES" dirty="0" err="1"/>
               <a:t>Lift</a:t>
             </a:r>
             <a:r>
-              <a:rPr lang="es-ES" dirty="0" smtClean="0"/>
+              <a:rPr lang="es-ES" dirty="0"/>
               <a:t> (2)</a:t>
             </a:r>
             <a:endParaRPr lang="en-US" dirty="0"/>
           </a:p>
         </p:txBody>
       </p:sp>
-      <p:sp>
-        <p:nvSpPr>
-          <p:cNvPr id="3" name="Content Placeholder 2"/>
-          <p:cNvSpPr>
-            <a:spLocks noGrp="1"/>
-          </p:cNvSpPr>
+      <p:pic>
+        <p:nvPicPr>
+          <p:cNvPr id="4" name="Marcador de contenido 3"/>
+          <p:cNvPicPr>
+            <a:picLocks noGrp="1" noChangeAspect="1"/>
+          </p:cNvPicPr>
           <p:nvPr>
             <p:ph idx="1"/>
           </p:nvPr>
-        </p:nvSpPr>
-        <p:spPr/>
-        <p:txBody>
-          <a:bodyPr/>
-          <a:lstStyle/>
-          <a:p>
-            <a:endParaRPr lang="en-US"/>
-          </a:p>
-        </p:txBody>
-      </p:sp>
+        </p:nvPicPr>
+        <p:blipFill>
+          <a:blip r:embed="rId2"/>
+          <a:stretch>
+            <a:fillRect/>
+          </a:stretch>
+        </p:blipFill>
+        <p:spPr>
+          <a:xfrm>
+            <a:off x="6298096" y="1828766"/>
+            <a:ext cx="5334000" cy="4000500"/>
+          </a:xfrm>
+        </p:spPr>
+      </p:pic>
+      <p:pic>
+        <p:nvPicPr>
+          <p:cNvPr id="5" name="Imagen 4"/>
+          <p:cNvPicPr>
+            <a:picLocks noChangeAspect="1"/>
+          </p:cNvPicPr>
+          <p:nvPr/>
+        </p:nvPicPr>
+        <p:blipFill>
+          <a:blip r:embed="rId3"/>
+          <a:stretch>
+            <a:fillRect/>
+          </a:stretch>
+        </p:blipFill>
+        <p:spPr>
+          <a:xfrm>
+            <a:off x="553278" y="1828766"/>
+            <a:ext cx="5334000" cy="4000500"/>
+          </a:xfrm>
+          <a:prstGeom prst="rect">
+            <a:avLst/>
+          </a:prstGeom>
+        </p:spPr>
+      </p:pic>
     </p:spTree>
     <p:extLst>
       <p:ext uri="{BB962C8B-B14F-4D97-AF65-F5344CB8AC3E}">
@@ -6391,22 +6899,21 @@
           <a:lstStyle/>
           <a:p>
             <a:r>
-              <a:rPr lang="es-ES" dirty="0" err="1" smtClean="0"/>
+              <a:rPr lang="es-ES" dirty="0" err="1"/>
               <a:t>Moment</a:t>
             </a:r>
             <a:r>
-              <a:rPr lang="es-ES" dirty="0" smtClean="0"/>
+              <a:rPr lang="es-ES" dirty="0"/>
               <a:t> respecte </a:t>
             </a:r>
             <a:r>
-              <a:rPr lang="es-ES" dirty="0" err="1" smtClean="0"/>
+              <a:rPr lang="es-ES" dirty="0" err="1"/>
               <a:t>eix</a:t>
             </a:r>
             <a:r>
-              <a:rPr lang="es-ES" dirty="0" smtClean="0"/>
+              <a:rPr lang="es-ES" dirty="0"/>
               <a:t> rotor</a:t>
             </a:r>
-            <a:endParaRPr lang="es-ES" dirty="0"/>
           </a:p>
         </p:txBody>
       </p:sp>
@@ -6434,7 +6941,7 @@
         </p:blipFill>
         <p:spPr>
           <a:xfrm>
-            <a:off x="376150" y="2001044"/>
+            <a:off x="3429000" y="1690688"/>
             <a:ext cx="5334000" cy="4000500"/>
           </a:xfrm>
         </p:spPr>
@@ -6498,35 +7005,59 @@
             </a:r>
             <a:r>
               <a:rPr lang="es-ES" dirty="0"/>
-              <a:t> </a:t>
-            </a:r>
-            <a:r>
-              <a:rPr lang="es-ES" dirty="0" smtClean="0"/>
-              <a:t>rotor (2)</a:t>
+              <a:t> rotor (2)</a:t>
             </a:r>
             <a:endParaRPr lang="en-US" dirty="0"/>
           </a:p>
         </p:txBody>
       </p:sp>
-      <p:sp>
-        <p:nvSpPr>
-          <p:cNvPr id="3" name="Content Placeholder 2"/>
-          <p:cNvSpPr>
-            <a:spLocks noGrp="1"/>
-          </p:cNvSpPr>
+      <p:pic>
+        <p:nvPicPr>
+          <p:cNvPr id="4" name="Marcador de contenido 3"/>
+          <p:cNvPicPr>
+            <a:picLocks noGrp="1" noChangeAspect="1"/>
+          </p:cNvPicPr>
           <p:nvPr>
             <p:ph idx="1"/>
           </p:nvPr>
-        </p:nvSpPr>
-        <p:spPr/>
-        <p:txBody>
-          <a:bodyPr/>
-          <a:lstStyle/>
-          <a:p>
-            <a:endParaRPr lang="en-US"/>
-          </a:p>
-        </p:txBody>
-      </p:sp>
+        </p:nvPicPr>
+        <p:blipFill>
+          <a:blip r:embed="rId2"/>
+          <a:stretch>
+            <a:fillRect/>
+          </a:stretch>
+        </p:blipFill>
+        <p:spPr>
+          <a:xfrm>
+            <a:off x="487016" y="1968984"/>
+            <a:ext cx="5334000" cy="4000500"/>
+          </a:xfrm>
+        </p:spPr>
+      </p:pic>
+      <p:pic>
+        <p:nvPicPr>
+          <p:cNvPr id="5" name="Imagen 4"/>
+          <p:cNvPicPr>
+            <a:picLocks noChangeAspect="1"/>
+          </p:cNvPicPr>
+          <p:nvPr/>
+        </p:nvPicPr>
+        <p:blipFill>
+          <a:blip r:embed="rId3"/>
+          <a:stretch>
+            <a:fillRect/>
+          </a:stretch>
+        </p:blipFill>
+        <p:spPr>
+          <a:xfrm>
+            <a:off x="6228522" y="1968984"/>
+            <a:ext cx="5334000" cy="4000500"/>
+          </a:xfrm>
+          <a:prstGeom prst="rect">
+            <a:avLst/>
+          </a:prstGeom>
+        </p:spPr>
+      </p:pic>
     </p:spTree>
     <p:extLst>
       <p:ext uri="{BB962C8B-B14F-4D97-AF65-F5344CB8AC3E}">
@@ -6573,11 +7104,11 @@
           <a:lstStyle/>
           <a:p>
             <a:r>
-              <a:rPr lang="es-ES" dirty="0" smtClean="0"/>
+              <a:rPr lang="es-ES" dirty="0"/>
               <a:t>Taula de </a:t>
             </a:r>
             <a:r>
-              <a:rPr lang="es-ES" dirty="0" err="1" smtClean="0"/>
+              <a:rPr lang="es-ES" dirty="0" err="1"/>
               <a:t>potències</a:t>
             </a:r>
             <a:endParaRPr lang="es-ES" dirty="0"/>
@@ -6593,27 +7124,69 @@
           <p:nvPr>
             <p:extLst>
               <p:ext uri="{D42A27DB-BD31-4B8C-83A1-F6EECF244321}">
-                <p14:modId xmlns:p14="http://schemas.microsoft.com/office/powerpoint/2010/main" val="1312500145"/>
+                <p14:modId xmlns:p14="http://schemas.microsoft.com/office/powerpoint/2010/main" val="788610663"/>
               </p:ext>
             </p:extLst>
           </p:nvPr>
         </p:nvGraphicFramePr>
         <p:xfrm>
           <a:off x="838200" y="1690687"/>
-          <a:ext cx="10216488" cy="4314326"/>
+          <a:ext cx="10216488" cy="4393928"/>
         </p:xfrm>
         <a:graphic>
           <a:graphicData uri="http://schemas.openxmlformats.org/drawingml/2006/table">
             <a:tbl>
               <a:tblPr/>
               <a:tblGrid>
-                <a:gridCol w="1371658"/>
-                <a:gridCol w="1371658"/>
-                <a:gridCol w="1371658"/>
-                <a:gridCol w="1497787"/>
-                <a:gridCol w="1529320"/>
-                <a:gridCol w="1560853"/>
-                <a:gridCol w="1513554"/>
+                <a:gridCol w="1371658">
+                  <a:extLst>
+                    <a:ext uri="{9D8B030D-6E8A-4147-A177-3AD203B41FA5}">
+                      <a16:colId xmlns:a16="http://schemas.microsoft.com/office/drawing/2014/main" val="20000"/>
+                    </a:ext>
+                  </a:extLst>
+                </a:gridCol>
+                <a:gridCol w="1371658">
+                  <a:extLst>
+                    <a:ext uri="{9D8B030D-6E8A-4147-A177-3AD203B41FA5}">
+                      <a16:colId xmlns:a16="http://schemas.microsoft.com/office/drawing/2014/main" val="20001"/>
+                    </a:ext>
+                  </a:extLst>
+                </a:gridCol>
+                <a:gridCol w="1371658">
+                  <a:extLst>
+                    <a:ext uri="{9D8B030D-6E8A-4147-A177-3AD203B41FA5}">
+                      <a16:colId xmlns:a16="http://schemas.microsoft.com/office/drawing/2014/main" val="20002"/>
+                    </a:ext>
+                  </a:extLst>
+                </a:gridCol>
+                <a:gridCol w="1497787">
+                  <a:extLst>
+                    <a:ext uri="{9D8B030D-6E8A-4147-A177-3AD203B41FA5}">
+                      <a16:colId xmlns:a16="http://schemas.microsoft.com/office/drawing/2014/main" val="20003"/>
+                    </a:ext>
+                  </a:extLst>
+                </a:gridCol>
+                <a:gridCol w="1529320">
+                  <a:extLst>
+                    <a:ext uri="{9D8B030D-6E8A-4147-A177-3AD203B41FA5}">
+                      <a16:colId xmlns:a16="http://schemas.microsoft.com/office/drawing/2014/main" val="20004"/>
+                    </a:ext>
+                  </a:extLst>
+                </a:gridCol>
+                <a:gridCol w="1560853">
+                  <a:extLst>
+                    <a:ext uri="{9D8B030D-6E8A-4147-A177-3AD203B41FA5}">
+                      <a16:colId xmlns:a16="http://schemas.microsoft.com/office/drawing/2014/main" val="20005"/>
+                    </a:ext>
+                  </a:extLst>
+                </a:gridCol>
+                <a:gridCol w="1513554">
+                  <a:extLst>
+                    <a:ext uri="{9D8B030D-6E8A-4147-A177-3AD203B41FA5}">
+                      <a16:colId xmlns:a16="http://schemas.microsoft.com/office/drawing/2014/main" val="20006"/>
+                    </a:ext>
+                  </a:extLst>
+                </a:gridCol>
               </a:tblGrid>
               <a:tr h="942160">
                 <a:tc>
@@ -6891,6 +7464,11 @@
                   </a:txBody>
                   <a:tcPr/>
                 </a:tc>
+                <a:extLst>
+                  <a:ext uri="{0D108BD9-81ED-4DB2-BD59-A6C34878D82A}">
+                    <a16:rowId xmlns:a16="http://schemas.microsoft.com/office/drawing/2014/main" val="10000"/>
+                  </a:ext>
+                </a:extLst>
               </a:tr>
               <a:tr h="481738">
                 <a:tc>
@@ -7327,8 +7905,13 @@
                     </a:lnB>
                   </a:tcPr>
                 </a:tc>
+                <a:extLst>
+                  <a:ext uri="{0D108BD9-81ED-4DB2-BD59-A6C34878D82A}">
+                    <a16:rowId xmlns:a16="http://schemas.microsoft.com/office/drawing/2014/main" val="10001"/>
+                  </a:ext>
+                </a:extLst>
               </a:tr>
-              <a:tr h="481738">
+              <a:tr h="561340">
                 <a:tc>
                   <a:txBody>
                     <a:bodyPr/>
@@ -7514,7 +8097,7 @@
                           <a:effectLst/>
                           <a:latin typeface="Calibri" charset="0"/>
                         </a:rPr>
-                        <a:t> </a:t>
+                        <a:t>567,43 </a:t>
                       </a:r>
                     </a:p>
                   </a:txBody>
@@ -7571,7 +8154,7 @@
                           <a:effectLst/>
                           <a:latin typeface="Calibri" charset="0"/>
                         </a:rPr>
-                        <a:t> </a:t>
+                        <a:t>?</a:t>
                       </a:r>
                     </a:p>
                   </a:txBody>
@@ -7621,14 +8204,14 @@
                     <a:p>
                       <a:pPr algn="ctr" fontAlgn="ctr"/>
                       <a:r>
-                        <a:rPr lang="en-US" sz="1800" b="0" i="0" u="none" strike="noStrike">
+                        <a:rPr lang="en-US" sz="1800" b="0" i="0" u="none" strike="noStrike" dirty="0">
                           <a:solidFill>
                             <a:schemeClr val="tx1"/>
                           </a:solidFill>
                           <a:effectLst/>
                           <a:latin typeface="Calibri" charset="0"/>
                         </a:rPr>
-                        <a:t> </a:t>
+                        <a:t>567,52</a:t>
                       </a:r>
                     </a:p>
                   </a:txBody>
@@ -7678,14 +8261,14 @@
                     <a:p>
                       <a:pPr algn="ctr" fontAlgn="ctr"/>
                       <a:r>
-                        <a:rPr lang="en-US" sz="1800" b="0" i="0" u="none" strike="noStrike">
+                        <a:rPr lang="en-US" sz="1800" b="0" i="0" u="none" strike="noStrike" dirty="0">
                           <a:solidFill>
                             <a:schemeClr val="tx1"/>
                           </a:solidFill>
                           <a:effectLst/>
                           <a:latin typeface="Calibri" charset="0"/>
                         </a:rPr>
-                        <a:t> </a:t>
+                        <a:t>?</a:t>
                       </a:r>
                     </a:p>
                   </a:txBody>
@@ -7728,6 +8311,11 @@
                     </a:lnB>
                   </a:tcPr>
                 </a:tc>
+                <a:extLst>
+                  <a:ext uri="{0D108BD9-81ED-4DB2-BD59-A6C34878D82A}">
+                    <a16:rowId xmlns:a16="http://schemas.microsoft.com/office/drawing/2014/main" val="10002"/>
+                  </a:ext>
+                </a:extLst>
               </a:tr>
               <a:tr h="481738">
                 <a:tc>
@@ -7915,7 +8503,7 @@
                           <a:effectLst/>
                           <a:latin typeface="Calibri" charset="0"/>
                         </a:rPr>
-                        <a:t> </a:t>
+                        <a:t> 626,82</a:t>
                       </a:r>
                     </a:p>
                   </a:txBody>
@@ -7972,7 +8560,7 @@
                           <a:effectLst/>
                           <a:latin typeface="Calibri" charset="0"/>
                         </a:rPr>
-                        <a:t> </a:t>
+                        <a:t>?</a:t>
                       </a:r>
                     </a:p>
                   </a:txBody>
@@ -8022,14 +8610,14 @@
                     <a:p>
                       <a:pPr algn="ctr" fontAlgn="ctr"/>
                       <a:r>
-                        <a:rPr lang="en-US" sz="1800" b="0" i="0" u="none" strike="noStrike">
+                        <a:rPr lang="en-US" sz="1800" b="0" i="0" u="none" strike="noStrike" dirty="0">
                           <a:solidFill>
                             <a:schemeClr val="tx1"/>
                           </a:solidFill>
                           <a:effectLst/>
                           <a:latin typeface="Calibri" charset="0"/>
                         </a:rPr>
-                        <a:t> </a:t>
+                        <a:t>627,03</a:t>
                       </a:r>
                     </a:p>
                   </a:txBody>
@@ -8079,14 +8667,14 @@
                     <a:p>
                       <a:pPr algn="ctr" fontAlgn="ctr"/>
                       <a:r>
-                        <a:rPr lang="en-US" sz="1800" b="0" i="0" u="none" strike="noStrike">
+                        <a:rPr lang="en-US" sz="1800" b="0" i="0" u="none" strike="noStrike" dirty="0">
                           <a:solidFill>
                             <a:schemeClr val="tx1"/>
                           </a:solidFill>
                           <a:effectLst/>
                           <a:latin typeface="Calibri" charset="0"/>
                         </a:rPr>
-                        <a:t> </a:t>
+                        <a:t>?</a:t>
                       </a:r>
                     </a:p>
                   </a:txBody>
@@ -8129,6 +8717,11 @@
                     </a:lnB>
                   </a:tcPr>
                 </a:tc>
+                <a:extLst>
+                  <a:ext uri="{0D108BD9-81ED-4DB2-BD59-A6C34878D82A}">
+                    <a16:rowId xmlns:a16="http://schemas.microsoft.com/office/drawing/2014/main" val="10003"/>
+                  </a:ext>
+                </a:extLst>
               </a:tr>
               <a:tr h="481738">
                 <a:tc>
@@ -8316,7 +8909,7 @@
                           <a:effectLst/>
                           <a:latin typeface="Calibri" charset="0"/>
                         </a:rPr>
-                        <a:t> </a:t>
+                        <a:t> 692,54</a:t>
                       </a:r>
                     </a:p>
                   </a:txBody>
@@ -8373,7 +8966,7 @@
                           <a:effectLst/>
                           <a:latin typeface="Calibri" charset="0"/>
                         </a:rPr>
-                        <a:t> </a:t>
+                        <a:t>?</a:t>
                       </a:r>
                     </a:p>
                   </a:txBody>
@@ -8430,7 +9023,7 @@
                           <a:effectLst/>
                           <a:latin typeface="Calibri" charset="0"/>
                         </a:rPr>
-                        <a:t> </a:t>
+                        <a:t>692,79</a:t>
                       </a:r>
                     </a:p>
                   </a:txBody>
@@ -8480,14 +9073,14 @@
                     <a:p>
                       <a:pPr algn="ctr" fontAlgn="ctr"/>
                       <a:r>
-                        <a:rPr lang="en-US" sz="1800" b="0" i="0" u="none" strike="noStrike">
+                        <a:rPr lang="en-US" sz="1800" b="0" i="0" u="none" strike="noStrike" dirty="0">
                           <a:solidFill>
                             <a:schemeClr val="tx1"/>
                           </a:solidFill>
                           <a:effectLst/>
                           <a:latin typeface="Calibri" charset="0"/>
                         </a:rPr>
-                        <a:t> </a:t>
+                        <a:t>?</a:t>
                       </a:r>
                     </a:p>
                   </a:txBody>
@@ -8530,6 +9123,11 @@
                     </a:lnB>
                   </a:tcPr>
                 </a:tc>
+                <a:extLst>
+                  <a:ext uri="{0D108BD9-81ED-4DB2-BD59-A6C34878D82A}">
+                    <a16:rowId xmlns:a16="http://schemas.microsoft.com/office/drawing/2014/main" val="10004"/>
+                  </a:ext>
+                </a:extLst>
               </a:tr>
               <a:tr h="481738">
                 <a:tc>
@@ -8539,7 +9137,7 @@
                     <a:p>
                       <a:pPr algn="ctr" fontAlgn="ctr"/>
                       <a:r>
-                        <a:rPr lang="en-US" sz="1800" b="1" i="0" u="none" strike="noStrike">
+                        <a:rPr lang="en-US" sz="1800" b="1" i="0" u="none" strike="noStrike" dirty="0">
                           <a:solidFill>
                             <a:schemeClr val="tx1"/>
                           </a:solidFill>
@@ -8717,7 +9315,7 @@
                           <a:effectLst/>
                           <a:latin typeface="Calibri" charset="0"/>
                         </a:rPr>
-                        <a:t> </a:t>
+                        <a:t> ?</a:t>
                       </a:r>
                     </a:p>
                   </a:txBody>
@@ -8774,7 +9372,7 @@
                           <a:effectLst/>
                           <a:latin typeface="Calibri" charset="0"/>
                         </a:rPr>
-                        <a:t> </a:t>
+                        <a:t>?</a:t>
                       </a:r>
                     </a:p>
                   </a:txBody>
@@ -8831,7 +9429,7 @@
                           <a:effectLst/>
                           <a:latin typeface="Calibri" charset="0"/>
                         </a:rPr>
-                        <a:t> </a:t>
+                        <a:t>?</a:t>
                       </a:r>
                     </a:p>
                   </a:txBody>
@@ -8888,7 +9486,7 @@
                           <a:effectLst/>
                           <a:latin typeface="Calibri" charset="0"/>
                         </a:rPr>
-                        <a:t> </a:t>
+                        <a:t>?</a:t>
                       </a:r>
                     </a:p>
                   </a:txBody>
@@ -8931,6 +9529,11 @@
                     </a:lnB>
                   </a:tcPr>
                 </a:tc>
+                <a:extLst>
+                  <a:ext uri="{0D108BD9-81ED-4DB2-BD59-A6C34878D82A}">
+                    <a16:rowId xmlns:a16="http://schemas.microsoft.com/office/drawing/2014/main" val="10005"/>
+                  </a:ext>
+                </a:extLst>
               </a:tr>
               <a:tr h="481738">
                 <a:tc>
@@ -9118,7 +9721,7 @@
                           <a:effectLst/>
                           <a:latin typeface="Calibri" charset="0"/>
                         </a:rPr>
-                        <a:t> </a:t>
+                        <a:t> ?</a:t>
                       </a:r>
                     </a:p>
                   </a:txBody>
@@ -9175,7 +9778,7 @@
                           <a:effectLst/>
                           <a:latin typeface="Calibri" charset="0"/>
                         </a:rPr>
-                        <a:t> </a:t>
+                        <a:t> ?</a:t>
                       </a:r>
                     </a:p>
                   </a:txBody>
@@ -9232,7 +9835,7 @@
                           <a:effectLst/>
                           <a:latin typeface="Calibri" charset="0"/>
                         </a:rPr>
-                        <a:t> </a:t>
+                        <a:t>?</a:t>
                       </a:r>
                     </a:p>
                   </a:txBody>
@@ -9289,7 +9892,7 @@
                           <a:effectLst/>
                           <a:latin typeface="Calibri" charset="0"/>
                         </a:rPr>
-                        <a:t> </a:t>
+                        <a:t>?</a:t>
                       </a:r>
                     </a:p>
                   </a:txBody>
@@ -9332,6 +9935,11 @@
                     </a:lnB>
                   </a:tcPr>
                 </a:tc>
+                <a:extLst>
+                  <a:ext uri="{0D108BD9-81ED-4DB2-BD59-A6C34878D82A}">
+                    <a16:rowId xmlns:a16="http://schemas.microsoft.com/office/drawing/2014/main" val="10006"/>
+                  </a:ext>
+                </a:extLst>
               </a:tr>
               <a:tr h="481738">
                 <a:tc>
@@ -9519,7 +10127,7 @@
                           <a:effectLst/>
                           <a:latin typeface="Calibri" charset="0"/>
                         </a:rPr>
-                        <a:t> </a:t>
+                        <a:t> ?</a:t>
                       </a:r>
                     </a:p>
                   </a:txBody>
@@ -9576,7 +10184,7 @@
                           <a:effectLst/>
                           <a:latin typeface="Calibri" charset="0"/>
                         </a:rPr>
-                        <a:t> </a:t>
+                        <a:t>?</a:t>
                       </a:r>
                     </a:p>
                   </a:txBody>
@@ -9633,7 +10241,7 @@
                           <a:effectLst/>
                           <a:latin typeface="Calibri" charset="0"/>
                         </a:rPr>
-                        <a:t> </a:t>
+                        <a:t>?</a:t>
                       </a:r>
                     </a:p>
                   </a:txBody>
@@ -9690,7 +10298,7 @@
                           <a:effectLst/>
                           <a:latin typeface="Calibri" charset="0"/>
                         </a:rPr>
-                        <a:t> </a:t>
+                        <a:t>?</a:t>
                       </a:r>
                     </a:p>
                   </a:txBody>
@@ -9733,6 +10341,11 @@
                     </a:lnB>
                   </a:tcPr>
                 </a:tc>
+                <a:extLst>
+                  <a:ext uri="{0D108BD9-81ED-4DB2-BD59-A6C34878D82A}">
+                    <a16:rowId xmlns:a16="http://schemas.microsoft.com/office/drawing/2014/main" val="10007"/>
+                  </a:ext>
+                </a:extLst>
               </a:tr>
             </a:tbl>
           </a:graphicData>

--- a/Projecte Helicòpters.pptx
+++ b/Projecte Helicòpters.pptx
@@ -6714,7 +6714,7 @@
       </p:sp>
       <p:pic>
         <p:nvPicPr>
-          <p:cNvPr id="4" name="Marcador de contenido 3"/>
+          <p:cNvPr id="5" name="Marcador de contenido 4"/>
           <p:cNvPicPr>
             <a:picLocks noGrp="1" noChangeAspect="1"/>
           </p:cNvPicPr>
@@ -6723,20 +6723,14 @@
           </p:nvPr>
         </p:nvPicPr>
         <p:blipFill>
-          <a:blip r:embed="rId2">
-            <a:extLst>
-              <a:ext uri="{28A0092B-C50C-407E-A947-70E740481C1C}">
-                <a14:useLocalDpi xmlns:a14="http://schemas.microsoft.com/office/drawing/2010/main" val="0"/>
-              </a:ext>
-            </a:extLst>
-          </a:blip>
+          <a:blip r:embed="rId2"/>
           <a:stretch>
             <a:fillRect/>
           </a:stretch>
         </p:blipFill>
         <p:spPr>
           <a:xfrm>
-            <a:off x="3429000" y="1690688"/>
+            <a:off x="3570287" y="2001044"/>
             <a:ext cx="5334000" cy="4000500"/>
           </a:xfrm>
         </p:spPr>
@@ -6919,7 +6913,7 @@
       </p:sp>
       <p:pic>
         <p:nvPicPr>
-          <p:cNvPr id="4" name="Marcador de contenido 3"/>
+          <p:cNvPr id="5" name="Marcador de contenido 4"/>
           <p:cNvPicPr>
             <a:picLocks noGrp="1" noChangeAspect="1"/>
           </p:cNvPicPr>
@@ -6928,20 +6922,14 @@
           </p:nvPr>
         </p:nvPicPr>
         <p:blipFill>
-          <a:blip r:embed="rId2">
-            <a:extLst>
-              <a:ext uri="{28A0092B-C50C-407E-A947-70E740481C1C}">
-                <a14:useLocalDpi xmlns:a14="http://schemas.microsoft.com/office/drawing/2010/main" val="0"/>
-              </a:ext>
-            </a:extLst>
-          </a:blip>
+          <a:blip r:embed="rId2"/>
           <a:stretch>
             <a:fillRect/>
           </a:stretch>
         </p:blipFill>
         <p:spPr>
           <a:xfrm>
-            <a:off x="3429000" y="1690688"/>
+            <a:off x="3570287" y="2001044"/>
             <a:ext cx="5334000" cy="4000500"/>
           </a:xfrm>
         </p:spPr>
@@ -7013,7 +7001,7 @@
       </p:sp>
       <p:pic>
         <p:nvPicPr>
-          <p:cNvPr id="4" name="Marcador de contenido 3"/>
+          <p:cNvPr id="6" name="Marcador de contenido 5"/>
           <p:cNvPicPr>
             <a:picLocks noGrp="1" noChangeAspect="1"/>
           </p:cNvPicPr>
@@ -7029,14 +7017,14 @@
         </p:blipFill>
         <p:spPr>
           <a:xfrm>
-            <a:off x="487016" y="1968984"/>
+            <a:off x="562043" y="2067305"/>
             <a:ext cx="5334000" cy="4000500"/>
           </a:xfrm>
         </p:spPr>
       </p:pic>
       <p:pic>
         <p:nvPicPr>
-          <p:cNvPr id="5" name="Imagen 4"/>
+          <p:cNvPr id="7" name="Imagen 6"/>
           <p:cNvPicPr>
             <a:picLocks noChangeAspect="1"/>
           </p:cNvPicPr>
@@ -7050,7 +7038,7 @@
         </p:blipFill>
         <p:spPr>
           <a:xfrm>
-            <a:off x="6228522" y="1968984"/>
+            <a:off x="6304722" y="2067305"/>
             <a:ext cx="5334000" cy="4000500"/>
           </a:xfrm>
           <a:prstGeom prst="rect">
